--- a/Proyecto Informático - Traductor morse (2).pptx
+++ b/Proyecto Informático - Traductor morse (2).pptx
@@ -20,23 +20,21 @@
     <p:sldId id="268" r:id="rId18"/>
     <p:sldId id="269" r:id="rId19"/>
     <p:sldId id="270" r:id="rId20"/>
-    <p:sldId id="271" r:id="rId21"/>
-    <p:sldId id="272" r:id="rId22"/>
   </p:sldIdLst>
   <p:sldSz cx="18288000" cy="10287000"/>
   <p:notesSz cx="6858000" cy="9144000"/>
   <p:embeddedFontLst>
     <p:embeddedFont>
       <p:font typeface="Lazydog" charset="1" panose="00000000000000000000"/>
-      <p:regular r:id="rId23"/>
+      <p:regular r:id="rId21"/>
     </p:embeddedFont>
     <p:embeddedFont>
       <p:font typeface="Glacial Indifference" charset="1" panose="00000000000000000000"/>
-      <p:regular r:id="rId24"/>
+      <p:regular r:id="rId22"/>
     </p:embeddedFont>
     <p:embeddedFont>
       <p:font typeface="Glacial Indifference Bold" charset="1" panose="00000800000000000000"/>
-      <p:regular r:id="rId25"/>
+      <p:regular r:id="rId23"/>
     </p:embeddedFont>
   </p:embeddedFontLst>
   <p:defaultTextStyle>
@@ -3581,9 +3579,9 @@
           <p:nvPr/>
         </p:nvSpPr>
         <p:spPr>
-          <a:xfrm flipH="false" flipV="false" rot="0">
-            <a:off x="16813874" y="6172200"/>
-            <a:ext cx="3492436" cy="4114800"/>
+          <a:xfrm flipH="true" flipV="false" rot="-5400000">
+            <a:off x="4316370" y="-2211614"/>
+            <a:ext cx="9655259" cy="14710229"/>
           </a:xfrm>
           <a:custGeom>
             <a:avLst/>
@@ -3592,21 +3590,21 @@
             <a:cxnLst/>
             <a:rect r="r" b="b" t="t" l="l"/>
             <a:pathLst>
-              <a:path h="4114800" w="3492436">
+              <a:path h="14710229" w="9655259">
                 <a:moveTo>
-                  <a:pt x="0" y="0"/>
+                  <a:pt x="9655260" y="0"/>
                 </a:moveTo>
                 <a:lnTo>
-                  <a:pt x="3492436" y="0"/>
-                </a:lnTo>
-                <a:lnTo>
-                  <a:pt x="3492436" y="4114800"/>
-                </a:lnTo>
-                <a:lnTo>
-                  <a:pt x="0" y="4114800"/>
-                </a:lnTo>
-                <a:lnTo>
-                  <a:pt x="0" y="0"/>
+                  <a:pt x="0" y="0"/>
+                </a:lnTo>
+                <a:lnTo>
+                  <a:pt x="0" y="14710228"/>
+                </a:lnTo>
+                <a:lnTo>
+                  <a:pt x="9655260" y="14710228"/>
+                </a:lnTo>
+                <a:lnTo>
+                  <a:pt x="9655260" y="0"/>
                 </a:lnTo>
                 <a:close/>
               </a:path>
@@ -3633,9 +3631,9 @@
           <p:nvPr/>
         </p:nvSpPr>
         <p:spPr>
-          <a:xfrm flipH="false" flipV="false" rot="-10612816">
-            <a:off x="-302998" y="6367592"/>
-            <a:ext cx="1144663" cy="4114800"/>
+          <a:xfrm flipH="false" flipV="false" rot="0">
+            <a:off x="16813874" y="6172200"/>
+            <a:ext cx="3492436" cy="4114800"/>
           </a:xfrm>
           <a:custGeom>
             <a:avLst/>
@@ -3644,15 +3642,15 @@
             <a:cxnLst/>
             <a:rect r="r" b="b" t="t" l="l"/>
             <a:pathLst>
-              <a:path h="4114800" w="1144663">
+              <a:path h="4114800" w="3492436">
                 <a:moveTo>
                   <a:pt x="0" y="0"/>
                 </a:moveTo>
                 <a:lnTo>
-                  <a:pt x="1144663" y="0"/>
-                </a:lnTo>
-                <a:lnTo>
-                  <a:pt x="1144663" y="4114800"/>
+                  <a:pt x="3492436" y="0"/>
+                </a:lnTo>
+                <a:lnTo>
+                  <a:pt x="3492436" y="4114800"/>
                 </a:lnTo>
                 <a:lnTo>
                   <a:pt x="0" y="4114800"/>
@@ -3685,9 +3683,9 @@
           <p:nvPr/>
         </p:nvSpPr>
         <p:spPr>
-          <a:xfrm flipH="true" flipV="false" rot="-5400000">
-            <a:off x="4316370" y="-2211614"/>
-            <a:ext cx="9655259" cy="14710229"/>
+          <a:xfrm flipH="false" flipV="false" rot="-10612816">
+            <a:off x="-302998" y="6367592"/>
+            <a:ext cx="1144663" cy="4114800"/>
           </a:xfrm>
           <a:custGeom>
             <a:avLst/>
@@ -3696,21 +3694,21 @@
             <a:cxnLst/>
             <a:rect r="r" b="b" t="t" l="l"/>
             <a:pathLst>
-              <a:path h="14710229" w="9655259">
+              <a:path h="4114800" w="1144663">
                 <a:moveTo>
-                  <a:pt x="9655260" y="0"/>
+                  <a:pt x="0" y="0"/>
                 </a:moveTo>
                 <a:lnTo>
-                  <a:pt x="0" y="0"/>
-                </a:lnTo>
-                <a:lnTo>
-                  <a:pt x="0" y="14710228"/>
-                </a:lnTo>
-                <a:lnTo>
-                  <a:pt x="9655260" y="14710228"/>
-                </a:lnTo>
-                <a:lnTo>
-                  <a:pt x="9655260" y="0"/>
+                  <a:pt x="1144663" y="0"/>
+                </a:lnTo>
+                <a:lnTo>
+                  <a:pt x="1144663" y="4114800"/>
+                </a:lnTo>
+                <a:lnTo>
+                  <a:pt x="0" y="4114800"/>
+                </a:lnTo>
+                <a:lnTo>
+                  <a:pt x="0" y="0"/>
                 </a:lnTo>
                 <a:close/>
               </a:path>
@@ -3738,8 +3736,8 @@
         </p:nvSpPr>
         <p:spPr>
           <a:xfrm flipH="false" flipV="false" rot="0">
-            <a:off x="2754035" y="623135"/>
-            <a:ext cx="6389965" cy="1677366"/>
+            <a:off x="5964613" y="722641"/>
+            <a:ext cx="7138323" cy="1873810"/>
           </a:xfrm>
           <a:custGeom>
             <a:avLst/>
@@ -3748,18 +3746,18 @@
             <a:cxnLst/>
             <a:rect r="r" b="b" t="t" l="l"/>
             <a:pathLst>
-              <a:path h="1677366" w="6389965">
+              <a:path h="1873810" w="7138323">
                 <a:moveTo>
                   <a:pt x="0" y="0"/>
                 </a:moveTo>
                 <a:lnTo>
-                  <a:pt x="6389965" y="0"/>
-                </a:lnTo>
-                <a:lnTo>
-                  <a:pt x="6389965" y="1677366"/>
-                </a:lnTo>
-                <a:lnTo>
-                  <a:pt x="0" y="1677366"/>
+                  <a:pt x="7138323" y="0"/>
+                </a:lnTo>
+                <a:lnTo>
+                  <a:pt x="7138323" y="1873810"/>
+                </a:lnTo>
+                <a:lnTo>
+                  <a:pt x="0" y="1873810"/>
                 </a:lnTo>
                 <a:lnTo>
                   <a:pt x="0" y="0"/>
@@ -3790,8 +3788,8 @@
         </p:nvSpPr>
         <p:spPr>
           <a:xfrm flipH="false" flipV="false" rot="0">
-            <a:off x="8908676" y="623135"/>
-            <a:ext cx="6389965" cy="1677366"/>
+            <a:off x="5124216" y="4372648"/>
+            <a:ext cx="7719933" cy="5284262"/>
           </a:xfrm>
           <a:custGeom>
             <a:avLst/>
@@ -3800,18 +3798,18 @@
             <a:cxnLst/>
             <a:rect r="r" b="b" t="t" l="l"/>
             <a:pathLst>
-              <a:path h="1677366" w="6389965">
+              <a:path h="5284262" w="7719933">
                 <a:moveTo>
                   <a:pt x="0" y="0"/>
                 </a:moveTo>
                 <a:lnTo>
-                  <a:pt x="6389965" y="0"/>
-                </a:lnTo>
-                <a:lnTo>
-                  <a:pt x="6389965" y="1677366"/>
-                </a:lnTo>
-                <a:lnTo>
-                  <a:pt x="0" y="1677366"/>
+                  <a:pt x="7719933" y="0"/>
+                </a:lnTo>
+                <a:lnTo>
+                  <a:pt x="7719933" y="5284262"/>
+                </a:lnTo>
+                <a:lnTo>
+                  <a:pt x="0" y="5284262"/>
                 </a:lnTo>
                 <a:lnTo>
                   <a:pt x="0" y="0"/>
@@ -3821,15 +3819,9 @@
             </a:pathLst>
           </a:custGeom>
           <a:blipFill>
-            <a:blip r:embed="rId12">
-              <a:extLst>
-                <a:ext uri="{96DAC541-7B7A-43D3-8B79-37D633B846F1}">
-                  <asvg:svgBlip xmlns:asvg="http://schemas.microsoft.com/office/drawing/2016/SVG/main" r:embed="rId13"/>
-                </a:ext>
-              </a:extLst>
-            </a:blip>
+            <a:blip r:embed="rId14"/>
             <a:stretch>
-              <a:fillRect l="0" t="0" r="0" b="0"/>
+              <a:fillRect l="0" t="-7220" r="0" b="-1341"/>
             </a:stretch>
           </a:blipFill>
         </p:spPr>
@@ -3842,8 +3834,8 @@
         </p:nvSpPr>
         <p:spPr>
           <a:xfrm rot="0">
-            <a:off x="2320915" y="1055792"/>
-            <a:ext cx="13646171" cy="1045198"/>
+            <a:off x="5964613" y="781024"/>
+            <a:ext cx="7138323" cy="1576069"/>
           </a:xfrm>
           <a:prstGeom prst="rect">
             <a:avLst/>
@@ -3857,11 +3849,14 @@
           <a:p>
             <a:pPr algn="ctr">
               <a:lnSpc>
-                <a:spcPts val="8540"/>
+                <a:spcPts val="12880"/>
               </a:lnSpc>
+              <a:spcBef>
+                <a:spcPct val="0"/>
+              </a:spcBef>
             </a:pPr>
             <a:r>
-              <a:rPr lang="en-US" sz="6100">
+              <a:rPr lang="en-US" sz="9200">
                 <a:solidFill>
                   <a:srgbClr val="AF805A"/>
                 </a:solidFill>
@@ -3870,7 +3865,7 @@
                 <a:cs typeface="Lazydog"/>
                 <a:sym typeface="Lazydog"/>
               </a:rPr>
-              <a:t>Desarrollo del código</a:t>
+              <a:t>Modelo 3d</a:t>
             </a:r>
           </a:p>
         </p:txBody>
@@ -3883,8 +3878,8 @@
         </p:nvSpPr>
         <p:spPr>
           <a:xfrm rot="0">
-            <a:off x="4168588" y="2607497"/>
-            <a:ext cx="9950824" cy="1109449"/>
+            <a:off x="2627686" y="2915291"/>
+            <a:ext cx="13032628" cy="1154799"/>
           </a:xfrm>
           <a:prstGeom prst="rect">
             <a:avLst/>
@@ -3898,14 +3893,14 @@
           <a:p>
             <a:pPr algn="ctr">
               <a:lnSpc>
-                <a:spcPts val="4474"/>
+                <a:spcPts val="4673"/>
               </a:lnSpc>
               <a:spcBef>
                 <a:spcPct val="0"/>
               </a:spcBef>
             </a:pPr>
             <a:r>
-              <a:rPr lang="en-US" sz="3195">
+              <a:rPr lang="en-US" sz="3338">
                 <a:solidFill>
                   <a:srgbClr val="000000"/>
                 </a:solidFill>
@@ -3914,507 +3909,7 @@
                 <a:cs typeface="Glacial Indifference"/>
                 <a:sym typeface="Glacial Indifference"/>
               </a:rPr>
-              <a:t>Para terminar el código, creamos una última función principal estilo menú para poder seleccionar opciones</a:t>
-            </a:r>
-          </a:p>
-        </p:txBody>
-      </p:sp>
-      <p:sp>
-        <p:nvSpPr>
-          <p:cNvPr name="Freeform 11" id="11"/>
-          <p:cNvSpPr/>
-          <p:nvPr/>
-        </p:nvSpPr>
-        <p:spPr>
-          <a:xfrm flipH="false" flipV="false" rot="0">
-            <a:off x="7504167" y="3893518"/>
-            <a:ext cx="3279667" cy="966181"/>
-          </a:xfrm>
-          <a:custGeom>
-            <a:avLst/>
-            <a:gdLst/>
-            <a:ahLst/>
-            <a:cxnLst/>
-            <a:rect r="r" b="b" t="t" l="l"/>
-            <a:pathLst>
-              <a:path h="966181" w="3279667">
-                <a:moveTo>
-                  <a:pt x="0" y="0"/>
-                </a:moveTo>
-                <a:lnTo>
-                  <a:pt x="3279666" y="0"/>
-                </a:lnTo>
-                <a:lnTo>
-                  <a:pt x="3279666" y="966181"/>
-                </a:lnTo>
-                <a:lnTo>
-                  <a:pt x="0" y="966181"/>
-                </a:lnTo>
-                <a:lnTo>
-                  <a:pt x="0" y="0"/>
-                </a:lnTo>
-                <a:close/>
-              </a:path>
-            </a:pathLst>
-          </a:custGeom>
-          <a:blipFill>
-            <a:blip r:embed="rId14">
-              <a:extLst>
-                <a:ext uri="{96DAC541-7B7A-43D3-8B79-37D633B846F1}">
-                  <asvg:svgBlip xmlns:asvg="http://schemas.microsoft.com/office/drawing/2016/SVG/main" r:embed="rId15"/>
-                </a:ext>
-              </a:extLst>
-            </a:blip>
-            <a:stretch>
-              <a:fillRect l="0" t="0" r="0" b="0"/>
-            </a:stretch>
-          </a:blipFill>
-        </p:spPr>
-      </p:sp>
-      <p:sp>
-        <p:nvSpPr>
-          <p:cNvPr name="TextBox 12" id="12"/>
-          <p:cNvSpPr txBox="true"/>
-          <p:nvPr/>
-        </p:nvSpPr>
-        <p:spPr>
-          <a:xfrm rot="0">
-            <a:off x="8332634" y="4010690"/>
-            <a:ext cx="1763464" cy="547474"/>
-          </a:xfrm>
-          <a:prstGeom prst="rect">
-            <a:avLst/>
-          </a:prstGeom>
-        </p:spPr>
-        <p:txBody>
-          <a:bodyPr anchor="t" rtlCol="false" tIns="0" lIns="0" bIns="0" rIns="0">
-            <a:spAutoFit/>
-          </a:bodyPr>
-          <a:lstStyle/>
-          <a:p>
-            <a:pPr algn="ctr">
-              <a:lnSpc>
-                <a:spcPts val="4474"/>
-              </a:lnSpc>
-              <a:spcBef>
-                <a:spcPct val="0"/>
-              </a:spcBef>
-            </a:pPr>
-            <a:r>
-              <a:rPr lang="en-US" sz="3195">
-                <a:solidFill>
-                  <a:srgbClr val="000000"/>
-                </a:solidFill>
-                <a:latin typeface="Glacial Indifference"/>
-                <a:ea typeface="Glacial Indifference"/>
-                <a:cs typeface="Glacial Indifference"/>
-                <a:sym typeface="Glacial Indifference"/>
-              </a:rPr>
-              <a:t>principal()</a:t>
-            </a:r>
-          </a:p>
-        </p:txBody>
-      </p:sp>
-      <p:sp>
-        <p:nvSpPr>
-          <p:cNvPr name="Freeform 13" id="13"/>
-          <p:cNvSpPr/>
-          <p:nvPr/>
-        </p:nvSpPr>
-        <p:spPr>
-          <a:xfrm flipH="false" flipV="false" rot="0">
-            <a:off x="7634164" y="4923744"/>
-            <a:ext cx="3160404" cy="5009286"/>
-          </a:xfrm>
-          <a:custGeom>
-            <a:avLst/>
-            <a:gdLst/>
-            <a:ahLst/>
-            <a:cxnLst/>
-            <a:rect r="r" b="b" t="t" l="l"/>
-            <a:pathLst>
-              <a:path h="5009286" w="3160404">
-                <a:moveTo>
-                  <a:pt x="0" y="0"/>
-                </a:moveTo>
-                <a:lnTo>
-                  <a:pt x="3160405" y="0"/>
-                </a:lnTo>
-                <a:lnTo>
-                  <a:pt x="3160405" y="5009286"/>
-                </a:lnTo>
-                <a:lnTo>
-                  <a:pt x="0" y="5009286"/>
-                </a:lnTo>
-                <a:lnTo>
-                  <a:pt x="0" y="0"/>
-                </a:lnTo>
-                <a:close/>
-              </a:path>
-            </a:pathLst>
-          </a:custGeom>
-          <a:blipFill>
-            <a:blip r:embed="rId16">
-              <a:extLst>
-                <a:ext uri="{96DAC541-7B7A-43D3-8B79-37D633B846F1}">
-                  <asvg:svgBlip xmlns:asvg="http://schemas.microsoft.com/office/drawing/2016/SVG/main" r:embed="rId17"/>
-                </a:ext>
-              </a:extLst>
-            </a:blip>
-            <a:stretch>
-              <a:fillRect l="0" t="0" r="0" b="0"/>
-            </a:stretch>
-          </a:blipFill>
-        </p:spPr>
-      </p:sp>
-      <p:sp>
-        <p:nvSpPr>
-          <p:cNvPr name="TextBox 14" id="14"/>
-          <p:cNvSpPr txBox="true"/>
-          <p:nvPr/>
-        </p:nvSpPr>
-        <p:spPr>
-          <a:xfrm rot="0">
-            <a:off x="7302802" y="5105400"/>
-            <a:ext cx="3491767" cy="4581854"/>
-          </a:xfrm>
-          <a:prstGeom prst="rect">
-            <a:avLst/>
-          </a:prstGeom>
-        </p:spPr>
-        <p:txBody>
-          <a:bodyPr anchor="t" rtlCol="false" tIns="0" lIns="0" bIns="0" rIns="0">
-            <a:spAutoFit/>
-          </a:bodyPr>
-          <a:lstStyle/>
-          <a:p>
-            <a:pPr algn="ctr">
-              <a:lnSpc>
-                <a:spcPts val="2435"/>
-              </a:lnSpc>
-              <a:spcBef>
-                <a:spcPct val="0"/>
-              </a:spcBef>
-            </a:pPr>
-            <a:r>
-              <a:rPr lang="en-US" sz="1739">
-                <a:solidFill>
-                  <a:srgbClr val="000000"/>
-                </a:solidFill>
-                <a:latin typeface="Glacial Indifference"/>
-                <a:ea typeface="Glacial Indifference"/>
-                <a:cs typeface="Glacial Indifference"/>
-                <a:sym typeface="Glacial Indifference"/>
-              </a:rPr>
-              <a:t>LCD.clear();</a:t>
-            </a:r>
-          </a:p>
-          <a:p>
-            <a:pPr algn="ctr">
-              <a:lnSpc>
-                <a:spcPts val="2435"/>
-              </a:lnSpc>
-              <a:spcBef>
-                <a:spcPct val="0"/>
-              </a:spcBef>
-            </a:pPr>
-            <a:r>
-              <a:rPr lang="en-US" sz="1739">
-                <a:solidFill>
-                  <a:srgbClr val="000000"/>
-                </a:solidFill>
-                <a:latin typeface="Glacial Indifference"/>
-                <a:ea typeface="Glacial Indifference"/>
-                <a:cs typeface="Glacial Indifference"/>
-                <a:sym typeface="Glacial Indifference"/>
-              </a:rPr>
-              <a:t>  LCD.setCursor(0,0);</a:t>
-            </a:r>
-          </a:p>
-          <a:p>
-            <a:pPr algn="ctr">
-              <a:lnSpc>
-                <a:spcPts val="2435"/>
-              </a:lnSpc>
-              <a:spcBef>
-                <a:spcPct val="0"/>
-              </a:spcBef>
-            </a:pPr>
-            <a:r>
-              <a:rPr lang="en-US" sz="1739">
-                <a:solidFill>
-                  <a:srgbClr val="000000"/>
-                </a:solidFill>
-                <a:latin typeface="Glacial Indifference"/>
-                <a:ea typeface="Glacial Indifference"/>
-                <a:cs typeface="Glacial Indifference"/>
-                <a:sym typeface="Glacial Indifference"/>
-              </a:rPr>
-              <a:t>  LCD.print("1 - Boton");</a:t>
-            </a:r>
-          </a:p>
-          <a:p>
-            <a:pPr algn="ctr">
-              <a:lnSpc>
-                <a:spcPts val="2435"/>
-              </a:lnSpc>
-              <a:spcBef>
-                <a:spcPct val="0"/>
-              </a:spcBef>
-            </a:pPr>
-            <a:r>
-              <a:rPr lang="en-US" sz="1739">
-                <a:solidFill>
-                  <a:srgbClr val="000000"/>
-                </a:solidFill>
-                <a:latin typeface="Glacial Indifference"/>
-                <a:ea typeface="Glacial Indifference"/>
-                <a:cs typeface="Glacial Indifference"/>
-                <a:sym typeface="Glacial Indifference"/>
-              </a:rPr>
-              <a:t>  LCD.setCursor(0,1);</a:t>
-            </a:r>
-          </a:p>
-          <a:p>
-            <a:pPr algn="ctr">
-              <a:lnSpc>
-                <a:spcPts val="2435"/>
-              </a:lnSpc>
-              <a:spcBef>
-                <a:spcPct val="0"/>
-              </a:spcBef>
-            </a:pPr>
-            <a:r>
-              <a:rPr lang="en-US" sz="1739">
-                <a:solidFill>
-                  <a:srgbClr val="000000"/>
-                </a:solidFill>
-                <a:latin typeface="Glacial Indifference"/>
-                <a:ea typeface="Glacial Indifference"/>
-                <a:cs typeface="Glacial Indifference"/>
-                <a:sym typeface="Glacial Indifference"/>
-              </a:rPr>
-              <a:t>  LCD.print("2 - Texto");</a:t>
-            </a:r>
-          </a:p>
-          <a:p>
-            <a:pPr algn="ctr">
-              <a:lnSpc>
-                <a:spcPts val="2435"/>
-              </a:lnSpc>
-              <a:spcBef>
-                <a:spcPct val="0"/>
-              </a:spcBef>
-            </a:pPr>
-            <a:r>
-              <a:rPr lang="en-US" sz="1739">
-                <a:solidFill>
-                  <a:srgbClr val="000000"/>
-                </a:solidFill>
-                <a:latin typeface="Glacial Indifference"/>
-                <a:ea typeface="Glacial Indifference"/>
-                <a:cs typeface="Glacial Indifference"/>
-                <a:sym typeface="Glacial Indifference"/>
-              </a:rPr>
-              <a:t>  LCD.setCursor(0,0);</a:t>
-            </a:r>
-          </a:p>
-          <a:p>
-            <a:pPr algn="ctr">
-              <a:lnSpc>
-                <a:spcPts val="2435"/>
-              </a:lnSpc>
-              <a:spcBef>
-                <a:spcPct val="0"/>
-              </a:spcBef>
-            </a:pPr>
-            <a:r>
-              <a:rPr lang="en-US" sz="1739">
-                <a:solidFill>
-                  <a:srgbClr val="000000"/>
-                </a:solidFill>
-                <a:latin typeface="Glacial Indifference"/>
-                <a:ea typeface="Glacial Indifference"/>
-                <a:cs typeface="Glacial Indifference"/>
-                <a:sym typeface="Glacial Indifference"/>
-              </a:rPr>
-              <a:t>  while(!Serial.available()){</a:t>
-            </a:r>
-          </a:p>
-          <a:p>
-            <a:pPr algn="ctr">
-              <a:lnSpc>
-                <a:spcPts val="2435"/>
-              </a:lnSpc>
-              <a:spcBef>
-                <a:spcPct val="0"/>
-              </a:spcBef>
-            </a:pPr>
-            <a:r>
-              <a:rPr lang="en-US" sz="1739">
-                <a:solidFill>
-                  <a:srgbClr val="000000"/>
-                </a:solidFill>
-                <a:latin typeface="Glacial Indifference"/>
-                <a:ea typeface="Glacial Indifference"/>
-                <a:cs typeface="Glacial Indifference"/>
-                <a:sym typeface="Glacial Indifference"/>
-              </a:rPr>
-              <a:t>  </a:t>
-            </a:r>
-          </a:p>
-          <a:p>
-            <a:pPr algn="ctr">
-              <a:lnSpc>
-                <a:spcPts val="2435"/>
-              </a:lnSpc>
-              <a:spcBef>
-                <a:spcPct val="0"/>
-              </a:spcBef>
-            </a:pPr>
-            <a:r>
-              <a:rPr lang="en-US" sz="1739">
-                <a:solidFill>
-                  <a:srgbClr val="000000"/>
-                </a:solidFill>
-                <a:latin typeface="Glacial Indifference"/>
-                <a:ea typeface="Glacial Indifference"/>
-                <a:cs typeface="Glacial Indifference"/>
-                <a:sym typeface="Glacial Indifference"/>
-              </a:rPr>
-              <a:t>  }</a:t>
-            </a:r>
-          </a:p>
-          <a:p>
-            <a:pPr algn="ctr">
-              <a:lnSpc>
-                <a:spcPts val="2435"/>
-              </a:lnSpc>
-              <a:spcBef>
-                <a:spcPct val="0"/>
-              </a:spcBef>
-            </a:pPr>
-            <a:r>
-              <a:rPr lang="en-US" sz="1739">
-                <a:solidFill>
-                  <a:srgbClr val="000000"/>
-                </a:solidFill>
-                <a:latin typeface="Glacial Indifference"/>
-                <a:ea typeface="Glacial Indifference"/>
-                <a:cs typeface="Glacial Indifference"/>
-                <a:sym typeface="Glacial Indifference"/>
-              </a:rPr>
-              <a:t>  if (Serial.available()) {</a:t>
-            </a:r>
-          </a:p>
-          <a:p>
-            <a:pPr algn="ctr">
-              <a:lnSpc>
-                <a:spcPts val="2435"/>
-              </a:lnSpc>
-              <a:spcBef>
-                <a:spcPct val="0"/>
-              </a:spcBef>
-            </a:pPr>
-            <a:r>
-              <a:rPr lang="en-US" sz="1739">
-                <a:solidFill>
-                  <a:srgbClr val="000000"/>
-                </a:solidFill>
-                <a:latin typeface="Glacial Indifference"/>
-                <a:ea typeface="Glacial Indifference"/>
-                <a:cs typeface="Glacial Indifference"/>
-                <a:sym typeface="Glacial Indifference"/>
-              </a:rPr>
-              <a:t>    String opcion = lectura();</a:t>
-            </a:r>
-          </a:p>
-          <a:p>
-            <a:pPr algn="ctr">
-              <a:lnSpc>
-                <a:spcPts val="2435"/>
-              </a:lnSpc>
-              <a:spcBef>
-                <a:spcPct val="0"/>
-              </a:spcBef>
-            </a:pPr>
-            <a:r>
-              <a:rPr lang="en-US" sz="1739">
-                <a:solidFill>
-                  <a:srgbClr val="000000"/>
-                </a:solidFill>
-                <a:latin typeface="Glacial Indifference"/>
-                <a:ea typeface="Glacial Indifference"/>
-                <a:cs typeface="Glacial Indifference"/>
-                <a:sym typeface="Glacial Indifference"/>
-              </a:rPr>
-              <a:t>    if(opcion == "1"){</a:t>
-            </a:r>
-          </a:p>
-          <a:p>
-            <a:pPr algn="ctr">
-              <a:lnSpc>
-                <a:spcPts val="2435"/>
-              </a:lnSpc>
-              <a:spcBef>
-                <a:spcPct val="0"/>
-              </a:spcBef>
-            </a:pPr>
-            <a:r>
-              <a:rPr lang="en-US" sz="1739">
-                <a:solidFill>
-                  <a:srgbClr val="000000"/>
-                </a:solidFill>
-                <a:latin typeface="Glacial Indifference"/>
-                <a:ea typeface="Glacial Indifference"/>
-                <a:cs typeface="Glacial Indifference"/>
-                <a:sym typeface="Glacial Indifference"/>
-              </a:rPr>
-              <a:t>      LCD.clear();</a:t>
-            </a:r>
-          </a:p>
-          <a:p>
-            <a:pPr algn="ctr">
-              <a:lnSpc>
-                <a:spcPts val="2435"/>
-              </a:lnSpc>
-              <a:spcBef>
-                <a:spcPct val="0"/>
-              </a:spcBef>
-            </a:pPr>
-            <a:r>
-              <a:rPr lang="en-US" sz="1739">
-                <a:solidFill>
-                  <a:srgbClr val="000000"/>
-                </a:solidFill>
-                <a:latin typeface="Glacial Indifference"/>
-                <a:ea typeface="Glacial Indifference"/>
-                <a:cs typeface="Glacial Indifference"/>
-                <a:sym typeface="Glacial Indifference"/>
-              </a:rPr>
-              <a:t>      BotonATXT();</a:t>
-            </a:r>
-          </a:p>
-          <a:p>
-            <a:pPr algn="ctr">
-              <a:lnSpc>
-                <a:spcPts val="2435"/>
-              </a:lnSpc>
-              <a:spcBef>
-                <a:spcPct val="0"/>
-              </a:spcBef>
-            </a:pPr>
-            <a:r>
-              <a:rPr lang="en-US" sz="1739">
-                <a:solidFill>
-                  <a:srgbClr val="000000"/>
-                </a:solidFill>
-                <a:latin typeface="Glacial Indifference"/>
-                <a:ea typeface="Glacial Indifference"/>
-                <a:cs typeface="Glacial Indifference"/>
-                <a:sym typeface="Glacial Indifference"/>
-              </a:rPr>
-              <a:t>    }</a:t>
+              <a:t>Uno de los puntos del proyecto consiste también en la creación de un modelo 3D del proyecto, modelo que podrán ver en esta diapositiva: </a:t>
             </a:r>
           </a:p>
         </p:txBody>
@@ -4719,8 +4214,8 @@
         </p:nvSpPr>
         <p:spPr>
           <a:xfrm flipH="false" flipV="false" rot="0">
-            <a:off x="2754035" y="623135"/>
-            <a:ext cx="6389965" cy="1677366"/>
+            <a:off x="2908129" y="722641"/>
+            <a:ext cx="12752185" cy="3347449"/>
           </a:xfrm>
           <a:custGeom>
             <a:avLst/>
@@ -4729,18 +4224,18 @@
             <a:cxnLst/>
             <a:rect r="r" b="b" t="t" l="l"/>
             <a:pathLst>
-              <a:path h="1677366" w="6389965">
+              <a:path h="3347449" w="12752185">
                 <a:moveTo>
                   <a:pt x="0" y="0"/>
                 </a:moveTo>
                 <a:lnTo>
-                  <a:pt x="6389965" y="0"/>
-                </a:lnTo>
-                <a:lnTo>
-                  <a:pt x="6389965" y="1677366"/>
-                </a:lnTo>
-                <a:lnTo>
-                  <a:pt x="0" y="1677366"/>
+                  <a:pt x="12752185" y="0"/>
+                </a:lnTo>
+                <a:lnTo>
+                  <a:pt x="12752185" y="3347449"/>
+                </a:lnTo>
+                <a:lnTo>
+                  <a:pt x="0" y="3347449"/>
                 </a:lnTo>
                 <a:lnTo>
                   <a:pt x="0" y="0"/>
@@ -4771,8 +4266,8 @@
         </p:nvSpPr>
         <p:spPr>
           <a:xfrm flipH="false" flipV="false" rot="0">
-            <a:off x="8908676" y="623135"/>
-            <a:ext cx="6389965" cy="1677366"/>
+            <a:off x="4946253" y="4070090"/>
+            <a:ext cx="9175044" cy="5664060"/>
           </a:xfrm>
           <a:custGeom>
             <a:avLst/>
@@ -4781,18 +4276,18 @@
             <a:cxnLst/>
             <a:rect r="r" b="b" t="t" l="l"/>
             <a:pathLst>
-              <a:path h="1677366" w="6389965">
+              <a:path h="5664060" w="9175044">
                 <a:moveTo>
                   <a:pt x="0" y="0"/>
                 </a:moveTo>
                 <a:lnTo>
-                  <a:pt x="6389965" y="0"/>
-                </a:lnTo>
-                <a:lnTo>
-                  <a:pt x="6389965" y="1677366"/>
-                </a:lnTo>
-                <a:lnTo>
-                  <a:pt x="0" y="1677366"/>
+                  <a:pt x="9175044" y="0"/>
+                </a:lnTo>
+                <a:lnTo>
+                  <a:pt x="9175044" y="5664060"/>
+                </a:lnTo>
+                <a:lnTo>
+                  <a:pt x="0" y="5664060"/>
                 </a:lnTo>
                 <a:lnTo>
                   <a:pt x="0" y="0"/>
@@ -4802,13 +4297,7 @@
             </a:pathLst>
           </a:custGeom>
           <a:blipFill>
-            <a:blip r:embed="rId12">
-              <a:extLst>
-                <a:ext uri="{96DAC541-7B7A-43D3-8B79-37D633B846F1}">
-                  <asvg:svgBlip xmlns:asvg="http://schemas.microsoft.com/office/drawing/2016/SVG/main" r:embed="rId13"/>
-                </a:ext>
-              </a:extLst>
-            </a:blip>
+            <a:blip r:embed="rId14"/>
             <a:stretch>
               <a:fillRect l="0" t="0" r="0" b="0"/>
             </a:stretch>
@@ -4817,118 +4306,14 @@
       </p:sp>
       <p:sp>
         <p:nvSpPr>
-          <p:cNvPr name="Freeform 9" id="9"/>
-          <p:cNvSpPr/>
-          <p:nvPr/>
-        </p:nvSpPr>
-        <p:spPr>
-          <a:xfrm flipH="false" flipV="false" rot="0">
-            <a:off x="7066781" y="2464485"/>
-            <a:ext cx="4154438" cy="1223886"/>
-          </a:xfrm>
-          <a:custGeom>
-            <a:avLst/>
-            <a:gdLst/>
-            <a:ahLst/>
-            <a:cxnLst/>
-            <a:rect r="r" b="b" t="t" l="l"/>
-            <a:pathLst>
-              <a:path h="1223886" w="4154438">
-                <a:moveTo>
-                  <a:pt x="0" y="0"/>
-                </a:moveTo>
-                <a:lnTo>
-                  <a:pt x="4154438" y="0"/>
-                </a:lnTo>
-                <a:lnTo>
-                  <a:pt x="4154438" y="1223886"/>
-                </a:lnTo>
-                <a:lnTo>
-                  <a:pt x="0" y="1223886"/>
-                </a:lnTo>
-                <a:lnTo>
-                  <a:pt x="0" y="0"/>
-                </a:lnTo>
-                <a:close/>
-              </a:path>
-            </a:pathLst>
-          </a:custGeom>
-          <a:blipFill>
-            <a:blip r:embed="rId14">
-              <a:extLst>
-                <a:ext uri="{96DAC541-7B7A-43D3-8B79-37D633B846F1}">
-                  <asvg:svgBlip xmlns:asvg="http://schemas.microsoft.com/office/drawing/2016/SVG/main" r:embed="rId15"/>
-                </a:ext>
-              </a:extLst>
-            </a:blip>
-            <a:stretch>
-              <a:fillRect l="0" t="0" r="0" b="0"/>
-            </a:stretch>
-          </a:blipFill>
-        </p:spPr>
-      </p:sp>
-      <p:sp>
-        <p:nvSpPr>
-          <p:cNvPr name="Freeform 10" id="10"/>
-          <p:cNvSpPr/>
-          <p:nvPr/>
-        </p:nvSpPr>
-        <p:spPr>
-          <a:xfrm flipH="false" flipV="false" rot="0">
-            <a:off x="2754035" y="3971174"/>
-            <a:ext cx="1260020" cy="1266015"/>
-          </a:xfrm>
-          <a:custGeom>
-            <a:avLst/>
-            <a:gdLst/>
-            <a:ahLst/>
-            <a:cxnLst/>
-            <a:rect r="r" b="b" t="t" l="l"/>
-            <a:pathLst>
-              <a:path h="1266015" w="1260020">
-                <a:moveTo>
-                  <a:pt x="0" y="0"/>
-                </a:moveTo>
-                <a:lnTo>
-                  <a:pt x="1260020" y="0"/>
-                </a:lnTo>
-                <a:lnTo>
-                  <a:pt x="1260020" y="1266014"/>
-                </a:lnTo>
-                <a:lnTo>
-                  <a:pt x="0" y="1266014"/>
-                </a:lnTo>
-                <a:lnTo>
-                  <a:pt x="0" y="0"/>
-                </a:lnTo>
-                <a:close/>
-              </a:path>
-            </a:pathLst>
-          </a:custGeom>
-          <a:blipFill>
-            <a:blip r:embed="rId16">
-              <a:extLst>
-                <a:ext uri="{96DAC541-7B7A-43D3-8B79-37D633B846F1}">
-                  <asvg:svgBlip xmlns:asvg="http://schemas.microsoft.com/office/drawing/2016/SVG/main" r:embed="rId17"/>
-                </a:ext>
-              </a:extLst>
-            </a:blip>
-            <a:stretch>
-              <a:fillRect l="0" t="0" r="0" b="0"/>
-            </a:stretch>
-          </a:blipFill>
-        </p:spPr>
-      </p:sp>
-      <p:sp>
-        <p:nvSpPr>
-          <p:cNvPr name="TextBox 11" id="11"/>
+          <p:cNvPr name="TextBox 9" id="9"/>
           <p:cNvSpPr txBox="true"/>
           <p:nvPr/>
         </p:nvSpPr>
         <p:spPr>
           <a:xfrm rot="0">
-            <a:off x="2320915" y="1055792"/>
-            <a:ext cx="13646171" cy="1045198"/>
+            <a:off x="3412764" y="992311"/>
+            <a:ext cx="12242022" cy="2741433"/>
           </a:xfrm>
           <a:prstGeom prst="rect">
             <a:avLst/>
@@ -4942,93 +4327,14 @@
           <a:p>
             <a:pPr algn="ctr">
               <a:lnSpc>
-                <a:spcPts val="8540"/>
+                <a:spcPts val="4390"/>
               </a:lnSpc>
+              <a:spcBef>
+                <a:spcPct val="0"/>
+              </a:spcBef>
             </a:pPr>
             <a:r>
-              <a:rPr lang="en-US" sz="6100">
-                <a:solidFill>
-                  <a:srgbClr val="AF805A"/>
-                </a:solidFill>
-                <a:latin typeface="Lazydog"/>
-                <a:ea typeface="Lazydog"/>
-                <a:cs typeface="Lazydog"/>
-                <a:sym typeface="Lazydog"/>
-              </a:rPr>
-              <a:t>Desarrollo del código</a:t>
-            </a:r>
-          </a:p>
-        </p:txBody>
-      </p:sp>
-      <p:sp>
-        <p:nvSpPr>
-          <p:cNvPr name="TextBox 12" id="12"/>
-          <p:cNvSpPr txBox="true"/>
-          <p:nvPr/>
-        </p:nvSpPr>
-        <p:spPr>
-          <a:xfrm rot="0">
-            <a:off x="7150397" y="2647276"/>
-            <a:ext cx="4044355" cy="763053"/>
-          </a:xfrm>
-          <a:prstGeom prst="rect">
-            <a:avLst/>
-          </a:prstGeom>
-        </p:spPr>
-        <p:txBody>
-          <a:bodyPr anchor="t" rtlCol="false" tIns="0" lIns="0" bIns="0" rIns="0">
-            <a:spAutoFit/>
-          </a:bodyPr>
-          <a:lstStyle/>
-          <a:p>
-            <a:pPr algn="ctr">
-              <a:lnSpc>
-                <a:spcPts val="6139"/>
-              </a:lnSpc>
-            </a:pPr>
-            <a:r>
-              <a:rPr lang="en-US" sz="4385" b="true">
-                <a:solidFill>
-                  <a:srgbClr val="000000"/>
-                </a:solidFill>
-                <a:latin typeface="Glacial Indifference Bold"/>
-                <a:ea typeface="Glacial Indifference Bold"/>
-                <a:cs typeface="Glacial Indifference Bold"/>
-                <a:sym typeface="Glacial Indifference Bold"/>
-              </a:rPr>
-              <a:t>Problemáticas</a:t>
-            </a:r>
-          </a:p>
-        </p:txBody>
-      </p:sp>
-      <p:sp>
-        <p:nvSpPr>
-          <p:cNvPr name="TextBox 13" id="13"/>
-          <p:cNvSpPr txBox="true"/>
-          <p:nvPr/>
-        </p:nvSpPr>
-        <p:spPr>
-          <a:xfrm rot="0">
-            <a:off x="4241552" y="4246587"/>
-            <a:ext cx="3727502" cy="638988"/>
-          </a:xfrm>
-          <a:prstGeom prst="rect">
-            <a:avLst/>
-          </a:prstGeom>
-        </p:spPr>
-        <p:txBody>
-          <a:bodyPr anchor="t" rtlCol="false" tIns="0" lIns="0" bIns="0" rIns="0">
-            <a:spAutoFit/>
-          </a:bodyPr>
-          <a:lstStyle/>
-          <a:p>
-            <a:pPr algn="ctr">
-              <a:lnSpc>
-                <a:spcPts val="5214"/>
-              </a:lnSpc>
-            </a:pPr>
-            <a:r>
-              <a:rPr lang="en-US" sz="3724">
+              <a:rPr lang="en-US" sz="3135">
                 <a:solidFill>
                   <a:srgbClr val="000000"/>
                 </a:solidFill>
@@ -5037,193 +4343,7 @@
                 <a:cs typeface="Glacial Indifference"/>
                 <a:sym typeface="Glacial Indifference"/>
               </a:rPr>
-              <a:t>Manejo de pulseIn</a:t>
-            </a:r>
-          </a:p>
-        </p:txBody>
-      </p:sp>
-      <p:sp>
-        <p:nvSpPr>
-          <p:cNvPr name="Freeform 14" id="14"/>
-          <p:cNvSpPr/>
-          <p:nvPr/>
-        </p:nvSpPr>
-        <p:spPr>
-          <a:xfrm flipH="false" flipV="false" rot="0">
-            <a:off x="2760156" y="5732488"/>
-            <a:ext cx="1260020" cy="1266015"/>
-          </a:xfrm>
-          <a:custGeom>
-            <a:avLst/>
-            <a:gdLst/>
-            <a:ahLst/>
-            <a:cxnLst/>
-            <a:rect r="r" b="b" t="t" l="l"/>
-            <a:pathLst>
-              <a:path h="1266015" w="1260020">
-                <a:moveTo>
-                  <a:pt x="0" y="0"/>
-                </a:moveTo>
-                <a:lnTo>
-                  <a:pt x="1260020" y="0"/>
-                </a:lnTo>
-                <a:lnTo>
-                  <a:pt x="1260020" y="1266015"/>
-                </a:lnTo>
-                <a:lnTo>
-                  <a:pt x="0" y="1266015"/>
-                </a:lnTo>
-                <a:lnTo>
-                  <a:pt x="0" y="0"/>
-                </a:lnTo>
-                <a:close/>
-              </a:path>
-            </a:pathLst>
-          </a:custGeom>
-          <a:blipFill>
-            <a:blip r:embed="rId16">
-              <a:extLst>
-                <a:ext uri="{96DAC541-7B7A-43D3-8B79-37D633B846F1}">
-                  <asvg:svgBlip xmlns:asvg="http://schemas.microsoft.com/office/drawing/2016/SVG/main" r:embed="rId17"/>
-                </a:ext>
-              </a:extLst>
-            </a:blip>
-            <a:stretch>
-              <a:fillRect l="0" t="0" r="0" b="0"/>
-            </a:stretch>
-          </a:blipFill>
-        </p:spPr>
-      </p:sp>
-      <p:sp>
-        <p:nvSpPr>
-          <p:cNvPr name="TextBox 15" id="15"/>
-          <p:cNvSpPr txBox="true"/>
-          <p:nvPr/>
-        </p:nvSpPr>
-        <p:spPr>
-          <a:xfrm rot="0">
-            <a:off x="4222502" y="6007902"/>
-            <a:ext cx="5189504" cy="638988"/>
-          </a:xfrm>
-          <a:prstGeom prst="rect">
-            <a:avLst/>
-          </a:prstGeom>
-        </p:spPr>
-        <p:txBody>
-          <a:bodyPr anchor="t" rtlCol="false" tIns="0" lIns="0" bIns="0" rIns="0">
-            <a:spAutoFit/>
-          </a:bodyPr>
-          <a:lstStyle/>
-          <a:p>
-            <a:pPr algn="ctr">
-              <a:lnSpc>
-                <a:spcPts val="5214"/>
-              </a:lnSpc>
-            </a:pPr>
-            <a:r>
-              <a:rPr lang="en-US" sz="3724">
-                <a:solidFill>
-                  <a:srgbClr val="000000"/>
-                </a:solidFill>
-                <a:latin typeface="Glacial Indifference"/>
-                <a:ea typeface="Glacial Indifference"/>
-                <a:cs typeface="Glacial Indifference"/>
-                <a:sym typeface="Glacial Indifference"/>
-              </a:rPr>
-              <a:t>Manejo del monitor serial</a:t>
-            </a:r>
-          </a:p>
-        </p:txBody>
-      </p:sp>
-      <p:sp>
-        <p:nvSpPr>
-          <p:cNvPr name="Freeform 16" id="16"/>
-          <p:cNvSpPr/>
-          <p:nvPr/>
-        </p:nvSpPr>
-        <p:spPr>
-          <a:xfrm flipH="false" flipV="false" rot="0">
-            <a:off x="2754035" y="7493803"/>
-            <a:ext cx="1260020" cy="1266015"/>
-          </a:xfrm>
-          <a:custGeom>
-            <a:avLst/>
-            <a:gdLst/>
-            <a:ahLst/>
-            <a:cxnLst/>
-            <a:rect r="r" b="b" t="t" l="l"/>
-            <a:pathLst>
-              <a:path h="1266015" w="1260020">
-                <a:moveTo>
-                  <a:pt x="0" y="0"/>
-                </a:moveTo>
-                <a:lnTo>
-                  <a:pt x="1260020" y="0"/>
-                </a:lnTo>
-                <a:lnTo>
-                  <a:pt x="1260020" y="1266015"/>
-                </a:lnTo>
-                <a:lnTo>
-                  <a:pt x="0" y="1266015"/>
-                </a:lnTo>
-                <a:lnTo>
-                  <a:pt x="0" y="0"/>
-                </a:lnTo>
-                <a:close/>
-              </a:path>
-            </a:pathLst>
-          </a:custGeom>
-          <a:blipFill>
-            <a:blip r:embed="rId16">
-              <a:extLst>
-                <a:ext uri="{96DAC541-7B7A-43D3-8B79-37D633B846F1}">
-                  <asvg:svgBlip xmlns:asvg="http://schemas.microsoft.com/office/drawing/2016/SVG/main" r:embed="rId17"/>
-                </a:ext>
-              </a:extLst>
-            </a:blip>
-            <a:stretch>
-              <a:fillRect l="0" t="0" r="0" b="0"/>
-            </a:stretch>
-          </a:blipFill>
-        </p:spPr>
-      </p:sp>
-      <p:sp>
-        <p:nvSpPr>
-          <p:cNvPr name="TextBox 17" id="17"/>
-          <p:cNvSpPr txBox="true"/>
-          <p:nvPr/>
-        </p:nvSpPr>
-        <p:spPr>
-          <a:xfrm rot="0">
-            <a:off x="4196003" y="7769216"/>
-            <a:ext cx="7622302" cy="638988"/>
-          </a:xfrm>
-          <a:prstGeom prst="rect">
-            <a:avLst/>
-          </a:prstGeom>
-        </p:spPr>
-        <p:txBody>
-          <a:bodyPr anchor="t" rtlCol="false" tIns="0" lIns="0" bIns="0" rIns="0">
-            <a:spAutoFit/>
-          </a:bodyPr>
-          <a:lstStyle/>
-          <a:p>
-            <a:pPr algn="ctr">
-              <a:lnSpc>
-                <a:spcPts val="5214"/>
-              </a:lnSpc>
-            </a:pPr>
-            <a:r>
-              <a:rPr lang="en-US" sz="3724">
-                <a:solidFill>
-                  <a:srgbClr val="000000"/>
-                </a:solidFill>
-                <a:latin typeface="Glacial Indifference"/>
-                <a:ea typeface="Glacial Indifference"/>
-                <a:cs typeface="Glacial Indifference"/>
-                <a:sym typeface="Glacial Indifference"/>
-              </a:rPr>
-              <a:t>Conversión de un string a mayúsculas</a:t>
+              <a:t>Asi se ve el diseño “destapado” la idea es que sea un diseño simple y facil de usar y comprender, hay espacio para el cable del arduino, hay un “puente para los cables que van hacia los componentes desde el arduino y finalmente tenemos un espacio para llegar hacia el boton y poder visualizar el led.</a:t>
             </a:r>
           </a:p>
         </p:txBody>
@@ -5580,8 +4700,8 @@
         </p:nvSpPr>
         <p:spPr>
           <a:xfrm flipH="false" flipV="false" rot="0">
-            <a:off x="5124216" y="4372648"/>
-            <a:ext cx="7719933" cy="5284262"/>
+            <a:off x="6950075" y="3070621"/>
+            <a:ext cx="4387850" cy="1292649"/>
           </a:xfrm>
           <a:custGeom>
             <a:avLst/>
@@ -5590,18 +4710,18 @@
             <a:cxnLst/>
             <a:rect r="r" b="b" t="t" l="l"/>
             <a:pathLst>
-              <a:path h="5284262" w="7719933">
+              <a:path h="1292649" w="4387850">
                 <a:moveTo>
                   <a:pt x="0" y="0"/>
                 </a:moveTo>
                 <a:lnTo>
-                  <a:pt x="7719933" y="0"/>
-                </a:lnTo>
-                <a:lnTo>
-                  <a:pt x="7719933" y="5284262"/>
-                </a:lnTo>
-                <a:lnTo>
-                  <a:pt x="0" y="5284262"/>
+                  <a:pt x="4387850" y="0"/>
+                </a:lnTo>
+                <a:lnTo>
+                  <a:pt x="4387850" y="1292650"/>
+                </a:lnTo>
+                <a:lnTo>
+                  <a:pt x="0" y="1292650"/>
                 </a:lnTo>
                 <a:lnTo>
                   <a:pt x="0" y="0"/>
@@ -5611,16 +4731,334 @@
             </a:pathLst>
           </a:custGeom>
           <a:blipFill>
-            <a:blip r:embed="rId14"/>
+            <a:blip r:embed="rId14">
+              <a:extLst>
+                <a:ext uri="{96DAC541-7B7A-43D3-8B79-37D633B846F1}">
+                  <asvg:svgBlip xmlns:asvg="http://schemas.microsoft.com/office/drawing/2016/SVG/main" r:embed="rId15"/>
+                </a:ext>
+              </a:extLst>
+            </a:blip>
             <a:stretch>
-              <a:fillRect l="0" t="-7220" r="0" b="-1341"/>
+              <a:fillRect l="0" t="0" r="0" b="0"/>
             </a:stretch>
           </a:blipFill>
         </p:spPr>
       </p:sp>
       <p:sp>
         <p:nvSpPr>
-          <p:cNvPr name="TextBox 9" id="9"/>
+          <p:cNvPr name="Freeform 9" id="9"/>
+          <p:cNvSpPr/>
+          <p:nvPr/>
+        </p:nvSpPr>
+        <p:spPr>
+          <a:xfrm flipH="false" flipV="false" rot="0">
+            <a:off x="2234582" y="4070090"/>
+            <a:ext cx="3555885" cy="3155040"/>
+          </a:xfrm>
+          <a:custGeom>
+            <a:avLst/>
+            <a:gdLst/>
+            <a:ahLst/>
+            <a:cxnLst/>
+            <a:rect r="r" b="b" t="t" l="l"/>
+            <a:pathLst>
+              <a:path h="3155040" w="3555885">
+                <a:moveTo>
+                  <a:pt x="0" y="0"/>
+                </a:moveTo>
+                <a:lnTo>
+                  <a:pt x="3555885" y="0"/>
+                </a:lnTo>
+                <a:lnTo>
+                  <a:pt x="3555885" y="3155039"/>
+                </a:lnTo>
+                <a:lnTo>
+                  <a:pt x="0" y="3155039"/>
+                </a:lnTo>
+                <a:lnTo>
+                  <a:pt x="0" y="0"/>
+                </a:lnTo>
+                <a:close/>
+              </a:path>
+            </a:pathLst>
+          </a:custGeom>
+          <a:blipFill>
+            <a:blip r:embed="rId16">
+              <a:extLst>
+                <a:ext uri="{96DAC541-7B7A-43D3-8B79-37D633B846F1}">
+                  <asvg:svgBlip xmlns:asvg="http://schemas.microsoft.com/office/drawing/2016/SVG/main" r:embed="rId17"/>
+                </a:ext>
+              </a:extLst>
+            </a:blip>
+            <a:stretch>
+              <a:fillRect l="0" t="0" r="0" b="0"/>
+            </a:stretch>
+          </a:blipFill>
+        </p:spPr>
+      </p:sp>
+      <p:sp>
+        <p:nvSpPr>
+          <p:cNvPr name="Freeform 10" id="10"/>
+          <p:cNvSpPr/>
+          <p:nvPr/>
+        </p:nvSpPr>
+        <p:spPr>
+          <a:xfrm flipH="false" flipV="false" rot="8668556">
+            <a:off x="5763119" y="3777350"/>
+            <a:ext cx="1260020" cy="1266015"/>
+          </a:xfrm>
+          <a:custGeom>
+            <a:avLst/>
+            <a:gdLst/>
+            <a:ahLst/>
+            <a:cxnLst/>
+            <a:rect r="r" b="b" t="t" l="l"/>
+            <a:pathLst>
+              <a:path h="1266015" w="1260020">
+                <a:moveTo>
+                  <a:pt x="0" y="0"/>
+                </a:moveTo>
+                <a:lnTo>
+                  <a:pt x="1260021" y="0"/>
+                </a:lnTo>
+                <a:lnTo>
+                  <a:pt x="1260021" y="1266015"/>
+                </a:lnTo>
+                <a:lnTo>
+                  <a:pt x="0" y="1266015"/>
+                </a:lnTo>
+                <a:lnTo>
+                  <a:pt x="0" y="0"/>
+                </a:lnTo>
+                <a:close/>
+              </a:path>
+            </a:pathLst>
+          </a:custGeom>
+          <a:blipFill>
+            <a:blip r:embed="rId18">
+              <a:extLst>
+                <a:ext uri="{96DAC541-7B7A-43D3-8B79-37D633B846F1}">
+                  <asvg:svgBlip xmlns:asvg="http://schemas.microsoft.com/office/drawing/2016/SVG/main" r:embed="rId19"/>
+                </a:ext>
+              </a:extLst>
+            </a:blip>
+            <a:stretch>
+              <a:fillRect l="0" t="0" r="0" b="0"/>
+            </a:stretch>
+          </a:blipFill>
+        </p:spPr>
+      </p:sp>
+      <p:sp>
+        <p:nvSpPr>
+          <p:cNvPr name="Freeform 11" id="11"/>
+          <p:cNvSpPr/>
+          <p:nvPr/>
+        </p:nvSpPr>
+        <p:spPr>
+          <a:xfrm flipH="false" flipV="false" rot="1615091">
+            <a:off x="5727190" y="6592122"/>
+            <a:ext cx="1260020" cy="1266015"/>
+          </a:xfrm>
+          <a:custGeom>
+            <a:avLst/>
+            <a:gdLst/>
+            <a:ahLst/>
+            <a:cxnLst/>
+            <a:rect r="r" b="b" t="t" l="l"/>
+            <a:pathLst>
+              <a:path h="1266015" w="1260020">
+                <a:moveTo>
+                  <a:pt x="0" y="0"/>
+                </a:moveTo>
+                <a:lnTo>
+                  <a:pt x="1260020" y="0"/>
+                </a:lnTo>
+                <a:lnTo>
+                  <a:pt x="1260020" y="1266015"/>
+                </a:lnTo>
+                <a:lnTo>
+                  <a:pt x="0" y="1266015"/>
+                </a:lnTo>
+                <a:lnTo>
+                  <a:pt x="0" y="0"/>
+                </a:lnTo>
+                <a:close/>
+              </a:path>
+            </a:pathLst>
+          </a:custGeom>
+          <a:blipFill>
+            <a:blip r:embed="rId18">
+              <a:extLst>
+                <a:ext uri="{96DAC541-7B7A-43D3-8B79-37D633B846F1}">
+                  <asvg:svgBlip xmlns:asvg="http://schemas.microsoft.com/office/drawing/2016/SVG/main" r:embed="rId19"/>
+                </a:ext>
+              </a:extLst>
+            </a:blip>
+            <a:stretch>
+              <a:fillRect l="0" t="0" r="0" b="0"/>
+            </a:stretch>
+          </a:blipFill>
+        </p:spPr>
+      </p:sp>
+      <p:sp>
+        <p:nvSpPr>
+          <p:cNvPr name="Freeform 12" id="12"/>
+          <p:cNvSpPr/>
+          <p:nvPr/>
+        </p:nvSpPr>
+        <p:spPr>
+          <a:xfrm flipH="false" flipV="false" rot="0">
+            <a:off x="7489883" y="5966622"/>
+            <a:ext cx="4205087" cy="3731059"/>
+          </a:xfrm>
+          <a:custGeom>
+            <a:avLst/>
+            <a:gdLst/>
+            <a:ahLst/>
+            <a:cxnLst/>
+            <a:rect r="r" b="b" t="t" l="l"/>
+            <a:pathLst>
+              <a:path h="3731059" w="4205087">
+                <a:moveTo>
+                  <a:pt x="0" y="0"/>
+                </a:moveTo>
+                <a:lnTo>
+                  <a:pt x="4205086" y="0"/>
+                </a:lnTo>
+                <a:lnTo>
+                  <a:pt x="4205086" y="3731059"/>
+                </a:lnTo>
+                <a:lnTo>
+                  <a:pt x="0" y="3731059"/>
+                </a:lnTo>
+                <a:lnTo>
+                  <a:pt x="0" y="0"/>
+                </a:lnTo>
+                <a:close/>
+              </a:path>
+            </a:pathLst>
+          </a:custGeom>
+          <a:blipFill>
+            <a:blip r:embed="rId16">
+              <a:extLst>
+                <a:ext uri="{96DAC541-7B7A-43D3-8B79-37D633B846F1}">
+                  <asvg:svgBlip xmlns:asvg="http://schemas.microsoft.com/office/drawing/2016/SVG/main" r:embed="rId17"/>
+                </a:ext>
+              </a:extLst>
+            </a:blip>
+            <a:stretch>
+              <a:fillRect l="0" t="0" r="0" b="0"/>
+            </a:stretch>
+          </a:blipFill>
+        </p:spPr>
+      </p:sp>
+      <p:sp>
+        <p:nvSpPr>
+          <p:cNvPr name="Freeform 13" id="13"/>
+          <p:cNvSpPr/>
+          <p:nvPr/>
+        </p:nvSpPr>
+        <p:spPr>
+          <a:xfrm flipH="false" flipV="false" rot="-2377161">
+            <a:off x="11953913" y="5903954"/>
+            <a:ext cx="1260020" cy="1266015"/>
+          </a:xfrm>
+          <a:custGeom>
+            <a:avLst/>
+            <a:gdLst/>
+            <a:ahLst/>
+            <a:cxnLst/>
+            <a:rect r="r" b="b" t="t" l="l"/>
+            <a:pathLst>
+              <a:path h="1266015" w="1260020">
+                <a:moveTo>
+                  <a:pt x="0" y="0"/>
+                </a:moveTo>
+                <a:lnTo>
+                  <a:pt x="1260021" y="0"/>
+                </a:lnTo>
+                <a:lnTo>
+                  <a:pt x="1260021" y="1266014"/>
+                </a:lnTo>
+                <a:lnTo>
+                  <a:pt x="0" y="1266014"/>
+                </a:lnTo>
+                <a:lnTo>
+                  <a:pt x="0" y="0"/>
+                </a:lnTo>
+                <a:close/>
+              </a:path>
+            </a:pathLst>
+          </a:custGeom>
+          <a:blipFill>
+            <a:blip r:embed="rId18">
+              <a:extLst>
+                <a:ext uri="{96DAC541-7B7A-43D3-8B79-37D633B846F1}">
+                  <asvg:svgBlip xmlns:asvg="http://schemas.microsoft.com/office/drawing/2016/SVG/main" r:embed="rId19"/>
+                </a:ext>
+              </a:extLst>
+            </a:blip>
+            <a:stretch>
+              <a:fillRect l="0" t="0" r="0" b="0"/>
+            </a:stretch>
+          </a:blipFill>
+        </p:spPr>
+      </p:sp>
+      <p:sp>
+        <p:nvSpPr>
+          <p:cNvPr name="Freeform 14" id="14"/>
+          <p:cNvSpPr/>
+          <p:nvPr/>
+        </p:nvSpPr>
+        <p:spPr>
+          <a:xfrm flipH="false" flipV="false" rot="0">
+            <a:off x="13192032" y="3529107"/>
+            <a:ext cx="2179823" cy="3455051"/>
+          </a:xfrm>
+          <a:custGeom>
+            <a:avLst/>
+            <a:gdLst/>
+            <a:ahLst/>
+            <a:cxnLst/>
+            <a:rect r="r" b="b" t="t" l="l"/>
+            <a:pathLst>
+              <a:path h="3455051" w="2179823">
+                <a:moveTo>
+                  <a:pt x="0" y="0"/>
+                </a:moveTo>
+                <a:lnTo>
+                  <a:pt x="2179822" y="0"/>
+                </a:lnTo>
+                <a:lnTo>
+                  <a:pt x="2179822" y="3455050"/>
+                </a:lnTo>
+                <a:lnTo>
+                  <a:pt x="0" y="3455050"/>
+                </a:lnTo>
+                <a:lnTo>
+                  <a:pt x="0" y="0"/>
+                </a:lnTo>
+                <a:close/>
+              </a:path>
+            </a:pathLst>
+          </a:custGeom>
+          <a:blipFill>
+            <a:blip r:embed="rId20">
+              <a:extLst>
+                <a:ext uri="{96DAC541-7B7A-43D3-8B79-37D633B846F1}">
+                  <asvg:svgBlip xmlns:asvg="http://schemas.microsoft.com/office/drawing/2016/SVG/main" r:embed="rId21"/>
+                </a:ext>
+              </a:extLst>
+            </a:blip>
+            <a:stretch>
+              <a:fillRect l="0" t="0" r="0" b="0"/>
+            </a:stretch>
+          </a:blipFill>
+        </p:spPr>
+      </p:sp>
+      <p:sp>
+        <p:nvSpPr>
+          <p:cNvPr name="TextBox 15" id="15"/>
           <p:cNvSpPr txBox="true"/>
           <p:nvPr/>
         </p:nvSpPr>
@@ -5664,14 +5102,14 @@
       </p:sp>
       <p:sp>
         <p:nvSpPr>
-          <p:cNvPr name="TextBox 10" id="10"/>
+          <p:cNvPr name="TextBox 16" id="16"/>
           <p:cNvSpPr txBox="true"/>
           <p:nvPr/>
         </p:nvSpPr>
         <p:spPr>
           <a:xfrm rot="0">
-            <a:off x="2627686" y="2915291"/>
-            <a:ext cx="13032628" cy="1154799"/>
+            <a:off x="7245647" y="2868111"/>
+            <a:ext cx="4044355" cy="1542246"/>
           </a:xfrm>
           <a:prstGeom prst="rect">
             <a:avLst/>
@@ -5685,14 +5123,55 @@
           <a:p>
             <a:pPr algn="ctr">
               <a:lnSpc>
-                <a:spcPts val="4673"/>
+                <a:spcPts val="6139"/>
+              </a:lnSpc>
+            </a:pPr>
+            <a:r>
+              <a:rPr lang="en-US" sz="4385" b="true">
+                <a:solidFill>
+                  <a:srgbClr val="000000"/>
+                </a:solidFill>
+                <a:latin typeface="Glacial Indifference Bold"/>
+                <a:ea typeface="Glacial Indifference Bold"/>
+                <a:cs typeface="Glacial Indifference Bold"/>
+                <a:sym typeface="Glacial Indifference Bold"/>
+              </a:rPr>
+              <a:t>Fue necesario investigar</a:t>
+            </a:r>
+          </a:p>
+        </p:txBody>
+      </p:sp>
+      <p:sp>
+        <p:nvSpPr>
+          <p:cNvPr name="TextBox 17" id="17"/>
+          <p:cNvSpPr txBox="true"/>
+          <p:nvPr/>
+        </p:nvSpPr>
+        <p:spPr>
+          <a:xfrm rot="0">
+            <a:off x="2335291" y="4558202"/>
+            <a:ext cx="3354466" cy="1781291"/>
+          </a:xfrm>
+          <a:prstGeom prst="rect">
+            <a:avLst/>
+          </a:prstGeom>
+        </p:spPr>
+        <p:txBody>
+          <a:bodyPr anchor="t" rtlCol="false" tIns="0" lIns="0" bIns="0" rIns="0">
+            <a:spAutoFit/>
+          </a:bodyPr>
+          <a:lstStyle/>
+          <a:p>
+            <a:pPr algn="ctr">
+              <a:lnSpc>
+                <a:spcPts val="4785"/>
               </a:lnSpc>
               <a:spcBef>
                 <a:spcPct val="0"/>
               </a:spcBef>
             </a:pPr>
             <a:r>
-              <a:rPr lang="en-US" sz="3338">
+              <a:rPr lang="en-US" sz="3418">
                 <a:solidFill>
                   <a:srgbClr val="000000"/>
                 </a:solidFill>
@@ -5701,7 +5180,95 @@
                 <a:cs typeface="Glacial Indifference"/>
                 <a:sym typeface="Glacial Indifference"/>
               </a:rPr>
-              <a:t>Uno de los puntos del proyecto consiste también en la creación de un modelo 3D del proyecto, modelo que podrán ver en esta diapositiva: </a:t>
+              <a:t>Uso del tinkercad orientado al modelaje 3D</a:t>
+            </a:r>
+          </a:p>
+        </p:txBody>
+      </p:sp>
+      <p:sp>
+        <p:nvSpPr>
+          <p:cNvPr name="TextBox 18" id="18"/>
+          <p:cNvSpPr txBox="true"/>
+          <p:nvPr/>
+        </p:nvSpPr>
+        <p:spPr>
+          <a:xfrm rot="0">
+            <a:off x="7438072" y="6272818"/>
+            <a:ext cx="4191405" cy="2827883"/>
+          </a:xfrm>
+          <a:prstGeom prst="rect">
+            <a:avLst/>
+          </a:prstGeom>
+        </p:spPr>
+        <p:txBody>
+          <a:bodyPr anchor="t" rtlCol="false" tIns="0" lIns="0" bIns="0" rIns="0">
+            <a:spAutoFit/>
+          </a:bodyPr>
+          <a:lstStyle/>
+          <a:p>
+            <a:pPr algn="ctr">
+              <a:lnSpc>
+                <a:spcPts val="4531"/>
+              </a:lnSpc>
+              <a:spcBef>
+                <a:spcPct val="0"/>
+              </a:spcBef>
+            </a:pPr>
+            <a:r>
+              <a:rPr lang="en-US" sz="3237">
+                <a:solidFill>
+                  <a:srgbClr val="000000"/>
+                </a:solidFill>
+                <a:latin typeface="Glacial Indifference"/>
+                <a:ea typeface="Glacial Indifference"/>
+                <a:cs typeface="Glacial Indifference"/>
+                <a:sym typeface="Glacial Indifference"/>
+              </a:rPr>
+              <a:t>Había conocimientos previos, pero hacía falta refrescar lo aprendido y aprender cosas nuevas</a:t>
+            </a:r>
+          </a:p>
+        </p:txBody>
+      </p:sp>
+      <p:sp>
+        <p:nvSpPr>
+          <p:cNvPr name="TextBox 19" id="19"/>
+          <p:cNvSpPr txBox="true"/>
+          <p:nvPr/>
+        </p:nvSpPr>
+        <p:spPr>
+          <a:xfrm rot="0">
+            <a:off x="13139852" y="4128672"/>
+            <a:ext cx="2229139" cy="2259197"/>
+          </a:xfrm>
+          <a:prstGeom prst="rect">
+            <a:avLst/>
+          </a:prstGeom>
+        </p:spPr>
+        <p:txBody>
+          <a:bodyPr anchor="t" rtlCol="false" tIns="0" lIns="0" bIns="0" rIns="0">
+            <a:spAutoFit/>
+          </a:bodyPr>
+          <a:lstStyle/>
+          <a:p>
+            <a:pPr algn="ctr">
+              <a:lnSpc>
+                <a:spcPts val="4531"/>
+              </a:lnSpc>
+              <a:spcBef>
+                <a:spcPct val="0"/>
+              </a:spcBef>
+            </a:pPr>
+            <a:r>
+              <a:rPr lang="en-US" sz="3237">
+                <a:solidFill>
+                  <a:srgbClr val="000000"/>
+                </a:solidFill>
+                <a:latin typeface="Glacial Indifference"/>
+                <a:ea typeface="Glacial Indifference"/>
+                <a:cs typeface="Glacial Indifference"/>
+                <a:sym typeface="Glacial Indifference"/>
+              </a:rPr>
+              <a:t>Consultas en diferentes sitios</a:t>
             </a:r>
           </a:p>
         </p:txBody>
@@ -5745,9 +5312,9 @@
           <p:nvPr/>
         </p:nvSpPr>
         <p:spPr>
-          <a:xfrm flipH="false" flipV="false" rot="0">
-            <a:off x="-1606543" y="-397854"/>
-            <a:ext cx="4360578" cy="4114800"/>
+          <a:xfrm flipH="true" flipV="false" rot="-5400000">
+            <a:off x="4316370" y="-2211614"/>
+            <a:ext cx="9655259" cy="14710229"/>
           </a:xfrm>
           <a:custGeom>
             <a:avLst/>
@@ -5756,21 +5323,21 @@
             <a:cxnLst/>
             <a:rect r="r" b="b" t="t" l="l"/>
             <a:pathLst>
-              <a:path h="4114800" w="4360578">
+              <a:path h="14710229" w="9655259">
                 <a:moveTo>
-                  <a:pt x="0" y="0"/>
+                  <a:pt x="9655260" y="0"/>
                 </a:moveTo>
                 <a:lnTo>
-                  <a:pt x="4360578" y="0"/>
-                </a:lnTo>
-                <a:lnTo>
-                  <a:pt x="4360578" y="4114800"/>
-                </a:lnTo>
-                <a:lnTo>
-                  <a:pt x="0" y="4114800"/>
-                </a:lnTo>
-                <a:lnTo>
-                  <a:pt x="0" y="0"/>
+                  <a:pt x="0" y="0"/>
+                </a:lnTo>
+                <a:lnTo>
+                  <a:pt x="0" y="14710228"/>
+                </a:lnTo>
+                <a:lnTo>
+                  <a:pt x="9655260" y="14710228"/>
+                </a:lnTo>
+                <a:lnTo>
+                  <a:pt x="9655260" y="0"/>
                 </a:lnTo>
                 <a:close/>
               </a:path>
@@ -5797,9 +5364,9 @@
           <p:nvPr/>
         </p:nvSpPr>
         <p:spPr>
-          <a:xfrm flipH="false" flipV="false" rot="3659925">
-            <a:off x="14627618" y="-1060017"/>
-            <a:ext cx="4745480" cy="4114800"/>
+          <a:xfrm flipH="false" flipV="false" rot="0">
+            <a:off x="5964613" y="722641"/>
+            <a:ext cx="7138323" cy="1873810"/>
           </a:xfrm>
           <a:custGeom>
             <a:avLst/>
@@ -5808,18 +5375,18 @@
             <a:cxnLst/>
             <a:rect r="r" b="b" t="t" l="l"/>
             <a:pathLst>
-              <a:path h="4114800" w="4745480">
+              <a:path h="1873810" w="7138323">
                 <a:moveTo>
                   <a:pt x="0" y="0"/>
                 </a:moveTo>
                 <a:lnTo>
-                  <a:pt x="4745479" y="0"/>
-                </a:lnTo>
-                <a:lnTo>
-                  <a:pt x="4745479" y="4114800"/>
-                </a:lnTo>
-                <a:lnTo>
-                  <a:pt x="0" y="4114800"/>
+                  <a:pt x="7138323" y="0"/>
+                </a:lnTo>
+                <a:lnTo>
+                  <a:pt x="7138323" y="1873810"/>
+                </a:lnTo>
+                <a:lnTo>
+                  <a:pt x="0" y="1873810"/>
                 </a:lnTo>
                 <a:lnTo>
                   <a:pt x="0" y="0"/>
@@ -5844,14 +5411,58 @@
       </p:sp>
       <p:sp>
         <p:nvSpPr>
-          <p:cNvPr name="Freeform 4" id="4"/>
+          <p:cNvPr name="TextBox 4" id="4"/>
+          <p:cNvSpPr txBox="true"/>
+          <p:nvPr/>
+        </p:nvSpPr>
+        <p:spPr>
+          <a:xfrm rot="0">
+            <a:off x="5964613" y="781024"/>
+            <a:ext cx="7138323" cy="1576069"/>
+          </a:xfrm>
+          <a:prstGeom prst="rect">
+            <a:avLst/>
+          </a:prstGeom>
+        </p:spPr>
+        <p:txBody>
+          <a:bodyPr anchor="t" rtlCol="false" tIns="0" lIns="0" bIns="0" rIns="0">
+            <a:spAutoFit/>
+          </a:bodyPr>
+          <a:lstStyle/>
+          <a:p>
+            <a:pPr algn="ctr">
+              <a:lnSpc>
+                <a:spcPts val="12880"/>
+              </a:lnSpc>
+              <a:spcBef>
+                <a:spcPct val="0"/>
+              </a:spcBef>
+            </a:pPr>
+            <a:r>
+              <a:rPr lang="en-US" sz="9200">
+                <a:solidFill>
+                  <a:srgbClr val="AF805A"/>
+                </a:solidFill>
+                <a:latin typeface="Lazydog"/>
+                <a:ea typeface="Lazydog"/>
+                <a:cs typeface="Lazydog"/>
+                <a:sym typeface="Lazydog"/>
+              </a:rPr>
+              <a:t>Modelo 3d</a:t>
+            </a:r>
+          </a:p>
+        </p:txBody>
+      </p:sp>
+      <p:sp>
+        <p:nvSpPr>
+          <p:cNvPr name="Freeform 5" id="5"/>
           <p:cNvSpPr/>
           <p:nvPr/>
         </p:nvSpPr>
         <p:spPr>
-          <a:xfrm flipH="true" flipV="false" rot="-5400000">
-            <a:off x="4316370" y="-2211614"/>
-            <a:ext cx="9655259" cy="14710229"/>
+          <a:xfrm flipH="false" flipV="false" rot="0">
+            <a:off x="7066781" y="2679547"/>
+            <a:ext cx="4154438" cy="1223886"/>
           </a:xfrm>
           <a:custGeom>
             <a:avLst/>
@@ -5860,21 +5471,21 @@
             <a:cxnLst/>
             <a:rect r="r" b="b" t="t" l="l"/>
             <a:pathLst>
-              <a:path h="14710229" w="9655259">
+              <a:path h="1223886" w="4154438">
                 <a:moveTo>
-                  <a:pt x="9655260" y="0"/>
+                  <a:pt x="0" y="0"/>
                 </a:moveTo>
                 <a:lnTo>
-                  <a:pt x="0" y="0"/>
-                </a:lnTo>
-                <a:lnTo>
-                  <a:pt x="0" y="14710228"/>
-                </a:lnTo>
-                <a:lnTo>
-                  <a:pt x="9655260" y="14710228"/>
-                </a:lnTo>
-                <a:lnTo>
-                  <a:pt x="9655260" y="0"/>
+                  <a:pt x="4154438" y="0"/>
+                </a:lnTo>
+                <a:lnTo>
+                  <a:pt x="4154438" y="1223887"/>
+                </a:lnTo>
+                <a:lnTo>
+                  <a:pt x="0" y="1223887"/>
+                </a:lnTo>
+                <a:lnTo>
+                  <a:pt x="0" y="0"/>
                 </a:lnTo>
                 <a:close/>
               </a:path>
@@ -5896,14 +5507,55 @@
       </p:sp>
       <p:sp>
         <p:nvSpPr>
-          <p:cNvPr name="Freeform 5" id="5"/>
+          <p:cNvPr name="TextBox 6" id="6"/>
+          <p:cNvSpPr txBox="true"/>
+          <p:nvPr/>
+        </p:nvSpPr>
+        <p:spPr>
+          <a:xfrm rot="0">
+            <a:off x="7150397" y="2862339"/>
+            <a:ext cx="4044355" cy="763053"/>
+          </a:xfrm>
+          <a:prstGeom prst="rect">
+            <a:avLst/>
+          </a:prstGeom>
+        </p:spPr>
+        <p:txBody>
+          <a:bodyPr anchor="t" rtlCol="false" tIns="0" lIns="0" bIns="0" rIns="0">
+            <a:spAutoFit/>
+          </a:bodyPr>
+          <a:lstStyle/>
+          <a:p>
+            <a:pPr algn="ctr">
+              <a:lnSpc>
+                <a:spcPts val="6139"/>
+              </a:lnSpc>
+            </a:pPr>
+            <a:r>
+              <a:rPr lang="en-US" sz="4385" b="true">
+                <a:solidFill>
+                  <a:srgbClr val="000000"/>
+                </a:solidFill>
+                <a:latin typeface="Glacial Indifference Bold"/>
+                <a:ea typeface="Glacial Indifference Bold"/>
+                <a:cs typeface="Glacial Indifference Bold"/>
+                <a:sym typeface="Glacial Indifference Bold"/>
+              </a:rPr>
+              <a:t>Problemáticas</a:t>
+            </a:r>
+          </a:p>
+        </p:txBody>
+      </p:sp>
+      <p:sp>
+        <p:nvSpPr>
+          <p:cNvPr name="Freeform 7" id="7"/>
           <p:cNvSpPr/>
           <p:nvPr/>
         </p:nvSpPr>
         <p:spPr>
           <a:xfrm flipH="false" flipV="false" rot="0">
-            <a:off x="16813874" y="6172200"/>
-            <a:ext cx="3492436" cy="4114800"/>
+            <a:off x="2754035" y="3971174"/>
+            <a:ext cx="1260020" cy="1266015"/>
           </a:xfrm>
           <a:custGeom>
             <a:avLst/>
@@ -5912,18 +5564,18 @@
             <a:cxnLst/>
             <a:rect r="r" b="b" t="t" l="l"/>
             <a:pathLst>
-              <a:path h="4114800" w="3492436">
+              <a:path h="1266015" w="1260020">
                 <a:moveTo>
                   <a:pt x="0" y="0"/>
                 </a:moveTo>
                 <a:lnTo>
-                  <a:pt x="3492436" y="0"/>
-                </a:lnTo>
-                <a:lnTo>
-                  <a:pt x="3492436" y="4114800"/>
-                </a:lnTo>
-                <a:lnTo>
-                  <a:pt x="0" y="4114800"/>
+                  <a:pt x="1260020" y="0"/>
+                </a:lnTo>
+                <a:lnTo>
+                  <a:pt x="1260020" y="1266014"/>
+                </a:lnTo>
+                <a:lnTo>
+                  <a:pt x="0" y="1266014"/>
                 </a:lnTo>
                 <a:lnTo>
                   <a:pt x="0" y="0"/>
@@ -5948,14 +5600,14 @@
       </p:sp>
       <p:sp>
         <p:nvSpPr>
-          <p:cNvPr name="Freeform 6" id="6"/>
+          <p:cNvPr name="Freeform 8" id="8"/>
           <p:cNvSpPr/>
           <p:nvPr/>
         </p:nvSpPr>
         <p:spPr>
-          <a:xfrm flipH="false" flipV="false" rot="-10612816">
-            <a:off x="-302998" y="6367592"/>
-            <a:ext cx="1144663" cy="4114800"/>
+          <a:xfrm flipH="false" flipV="false" rot="0">
+            <a:off x="2760156" y="5732488"/>
+            <a:ext cx="1260020" cy="1266015"/>
           </a:xfrm>
           <a:custGeom>
             <a:avLst/>
@@ -5964,18 +5616,18 @@
             <a:cxnLst/>
             <a:rect r="r" b="b" t="t" l="l"/>
             <a:pathLst>
-              <a:path h="4114800" w="1144663">
+              <a:path h="1266015" w="1260020">
                 <a:moveTo>
                   <a:pt x="0" y="0"/>
                 </a:moveTo>
                 <a:lnTo>
-                  <a:pt x="1144663" y="0"/>
-                </a:lnTo>
-                <a:lnTo>
-                  <a:pt x="1144663" y="4114800"/>
-                </a:lnTo>
-                <a:lnTo>
-                  <a:pt x="0" y="4114800"/>
+                  <a:pt x="1260020" y="0"/>
+                </a:lnTo>
+                <a:lnTo>
+                  <a:pt x="1260020" y="1266015"/>
+                </a:lnTo>
+                <a:lnTo>
+                  <a:pt x="0" y="1266015"/>
                 </a:lnTo>
                 <a:lnTo>
                   <a:pt x="0" y="0"/>
@@ -5985,10 +5637,10 @@
             </a:pathLst>
           </a:custGeom>
           <a:blipFill>
-            <a:blip r:embed="rId10">
+            <a:blip r:embed="rId8">
               <a:extLst>
                 <a:ext uri="{96DAC541-7B7A-43D3-8B79-37D633B846F1}">
-                  <asvg:svgBlip xmlns:asvg="http://schemas.microsoft.com/office/drawing/2016/SVG/main" r:embed="rId11"/>
+                  <asvg:svgBlip xmlns:asvg="http://schemas.microsoft.com/office/drawing/2016/SVG/main" r:embed="rId9"/>
                 </a:ext>
               </a:extLst>
             </a:blip>
@@ -6000,112 +5652,14 @@
       </p:sp>
       <p:sp>
         <p:nvSpPr>
-          <p:cNvPr name="Freeform 7" id="7"/>
-          <p:cNvSpPr/>
-          <p:nvPr/>
-        </p:nvSpPr>
-        <p:spPr>
-          <a:xfrm flipH="false" flipV="false" rot="0">
-            <a:off x="2908129" y="722641"/>
-            <a:ext cx="12752185" cy="3347449"/>
-          </a:xfrm>
-          <a:custGeom>
-            <a:avLst/>
-            <a:gdLst/>
-            <a:ahLst/>
-            <a:cxnLst/>
-            <a:rect r="r" b="b" t="t" l="l"/>
-            <a:pathLst>
-              <a:path h="3347449" w="12752185">
-                <a:moveTo>
-                  <a:pt x="0" y="0"/>
-                </a:moveTo>
-                <a:lnTo>
-                  <a:pt x="12752185" y="0"/>
-                </a:lnTo>
-                <a:lnTo>
-                  <a:pt x="12752185" y="3347449"/>
-                </a:lnTo>
-                <a:lnTo>
-                  <a:pt x="0" y="3347449"/>
-                </a:lnTo>
-                <a:lnTo>
-                  <a:pt x="0" y="0"/>
-                </a:lnTo>
-                <a:close/>
-              </a:path>
-            </a:pathLst>
-          </a:custGeom>
-          <a:blipFill>
-            <a:blip r:embed="rId12">
-              <a:extLst>
-                <a:ext uri="{96DAC541-7B7A-43D3-8B79-37D633B846F1}">
-                  <asvg:svgBlip xmlns:asvg="http://schemas.microsoft.com/office/drawing/2016/SVG/main" r:embed="rId13"/>
-                </a:ext>
-              </a:extLst>
-            </a:blip>
-            <a:stretch>
-              <a:fillRect l="0" t="0" r="0" b="0"/>
-            </a:stretch>
-          </a:blipFill>
-        </p:spPr>
-      </p:sp>
-      <p:sp>
-        <p:nvSpPr>
-          <p:cNvPr name="Freeform 8" id="8"/>
-          <p:cNvSpPr/>
-          <p:nvPr/>
-        </p:nvSpPr>
-        <p:spPr>
-          <a:xfrm flipH="false" flipV="false" rot="0">
-            <a:off x="4946253" y="4070090"/>
-            <a:ext cx="9175044" cy="5664060"/>
-          </a:xfrm>
-          <a:custGeom>
-            <a:avLst/>
-            <a:gdLst/>
-            <a:ahLst/>
-            <a:cxnLst/>
-            <a:rect r="r" b="b" t="t" l="l"/>
-            <a:pathLst>
-              <a:path h="5664060" w="9175044">
-                <a:moveTo>
-                  <a:pt x="0" y="0"/>
-                </a:moveTo>
-                <a:lnTo>
-                  <a:pt x="9175044" y="0"/>
-                </a:lnTo>
-                <a:lnTo>
-                  <a:pt x="9175044" y="5664060"/>
-                </a:lnTo>
-                <a:lnTo>
-                  <a:pt x="0" y="5664060"/>
-                </a:lnTo>
-                <a:lnTo>
-                  <a:pt x="0" y="0"/>
-                </a:lnTo>
-                <a:close/>
-              </a:path>
-            </a:pathLst>
-          </a:custGeom>
-          <a:blipFill>
-            <a:blip r:embed="rId14"/>
-            <a:stretch>
-              <a:fillRect l="0" t="0" r="0" b="0"/>
-            </a:stretch>
-          </a:blipFill>
-        </p:spPr>
-      </p:sp>
-      <p:sp>
-        <p:nvSpPr>
           <p:cNvPr name="TextBox 9" id="9"/>
           <p:cNvSpPr txBox="true"/>
           <p:nvPr/>
         </p:nvSpPr>
         <p:spPr>
           <a:xfrm rot="0">
-            <a:off x="3412764" y="992311"/>
-            <a:ext cx="12242022" cy="2741433"/>
+            <a:off x="4184402" y="4246587"/>
+            <a:ext cx="5130945" cy="638988"/>
           </a:xfrm>
           <a:prstGeom prst="rect">
             <a:avLst/>
@@ -6119,14 +5673,11 @@
           <a:p>
             <a:pPr algn="ctr">
               <a:lnSpc>
-                <a:spcPts val="4390"/>
+                <a:spcPts val="5214"/>
               </a:lnSpc>
-              <a:spcBef>
-                <a:spcPct val="0"/>
-              </a:spcBef>
             </a:pPr>
             <a:r>
-              <a:rPr lang="en-US" sz="3135">
+              <a:rPr lang="en-US" sz="3724">
                 <a:solidFill>
                   <a:srgbClr val="000000"/>
                 </a:solidFill>
@@ -6135,7 +5686,48 @@
                 <a:cs typeface="Glacial Indifference"/>
                 <a:sym typeface="Glacial Indifference"/>
               </a:rPr>
-              <a:t>Asi se ve el diseño “destapado” la idea es que sea un diseño simple y facil de usar y comprender, hay espacio para el cable del arduino, hay un “puente para los cables que van hacia los componentes desde el arduino y finalmente tenemos un espacio para llegar hacia el boton y poder visualizar el led.</a:t>
+              <a:t>Formación del diseño 3D</a:t>
+            </a:r>
+          </a:p>
+        </p:txBody>
+      </p:sp>
+      <p:sp>
+        <p:nvSpPr>
+          <p:cNvPr name="TextBox 10" id="10"/>
+          <p:cNvSpPr txBox="true"/>
+          <p:nvPr/>
+        </p:nvSpPr>
+        <p:spPr>
+          <a:xfrm rot="0">
+            <a:off x="4222502" y="6007902"/>
+            <a:ext cx="7538277" cy="638988"/>
+          </a:xfrm>
+          <a:prstGeom prst="rect">
+            <a:avLst/>
+          </a:prstGeom>
+        </p:spPr>
+        <p:txBody>
+          <a:bodyPr anchor="t" rtlCol="false" tIns="0" lIns="0" bIns="0" rIns="0">
+            <a:spAutoFit/>
+          </a:bodyPr>
+          <a:lstStyle/>
+          <a:p>
+            <a:pPr algn="ctr">
+              <a:lnSpc>
+                <a:spcPts val="5214"/>
+              </a:lnSpc>
+            </a:pPr>
+            <a:r>
+              <a:rPr lang="en-US" sz="3724">
+                <a:solidFill>
+                  <a:srgbClr val="000000"/>
+                </a:solidFill>
+                <a:latin typeface="Glacial Indifference"/>
+                <a:ea typeface="Glacial Indifference"/>
+                <a:cs typeface="Glacial Indifference"/>
+                <a:sym typeface="Glacial Indifference"/>
+              </a:rPr>
+              <a:t>Manipulación de los objetos virtuales</a:t>
             </a:r>
           </a:p>
         </p:txBody>
@@ -6439,9 +6031,9 @@
           <p:nvPr/>
         </p:nvSpPr>
         <p:spPr>
-          <a:xfrm flipH="false" flipV="false" rot="0">
-            <a:off x="5964613" y="722641"/>
-            <a:ext cx="7138323" cy="1873810"/>
+          <a:xfrm flipH="false" flipV="false" rot="177239">
+            <a:off x="4818640" y="741757"/>
+            <a:ext cx="8650721" cy="2270814"/>
           </a:xfrm>
           <a:custGeom>
             <a:avLst/>
@@ -6450,18 +6042,18 @@
             <a:cxnLst/>
             <a:rect r="r" b="b" t="t" l="l"/>
             <a:pathLst>
-              <a:path h="1873810" w="7138323">
+              <a:path h="2270814" w="8650721">
                 <a:moveTo>
                   <a:pt x="0" y="0"/>
                 </a:moveTo>
                 <a:lnTo>
-                  <a:pt x="7138323" y="0"/>
-                </a:lnTo>
-                <a:lnTo>
-                  <a:pt x="7138323" y="1873810"/>
-                </a:lnTo>
-                <a:lnTo>
-                  <a:pt x="0" y="1873810"/>
+                  <a:pt x="8650720" y="0"/>
+                </a:lnTo>
+                <a:lnTo>
+                  <a:pt x="8650720" y="2270814"/>
+                </a:lnTo>
+                <a:lnTo>
+                  <a:pt x="0" y="2270814"/>
                 </a:lnTo>
                 <a:lnTo>
                   <a:pt x="0" y="0"/>
@@ -6492,8 +6084,8 @@
         </p:nvSpPr>
         <p:spPr>
           <a:xfrm flipH="false" flipV="false" rot="0">
-            <a:off x="6950075" y="3070621"/>
-            <a:ext cx="4387850" cy="1292649"/>
+            <a:off x="2459664" y="3693758"/>
+            <a:ext cx="6301176" cy="2000623"/>
           </a:xfrm>
           <a:custGeom>
             <a:avLst/>
@@ -6502,18 +6094,18 @@
             <a:cxnLst/>
             <a:rect r="r" b="b" t="t" l="l"/>
             <a:pathLst>
-              <a:path h="1292649" w="4387850">
+              <a:path h="2000623" w="6301176">
                 <a:moveTo>
                   <a:pt x="0" y="0"/>
                 </a:moveTo>
                 <a:lnTo>
-                  <a:pt x="4387850" y="0"/>
-                </a:lnTo>
-                <a:lnTo>
-                  <a:pt x="4387850" y="1292650"/>
-                </a:lnTo>
-                <a:lnTo>
-                  <a:pt x="0" y="1292650"/>
+                  <a:pt x="6301176" y="0"/>
+                </a:lnTo>
+                <a:lnTo>
+                  <a:pt x="6301176" y="2000624"/>
+                </a:lnTo>
+                <a:lnTo>
+                  <a:pt x="0" y="2000624"/>
                 </a:lnTo>
                 <a:lnTo>
                   <a:pt x="0" y="0"/>
@@ -6544,1339 +6136,7 @@
         </p:nvSpPr>
         <p:spPr>
           <a:xfrm flipH="false" flipV="false" rot="0">
-            <a:off x="2234582" y="4070090"/>
-            <a:ext cx="3555885" cy="3155040"/>
-          </a:xfrm>
-          <a:custGeom>
-            <a:avLst/>
-            <a:gdLst/>
-            <a:ahLst/>
-            <a:cxnLst/>
-            <a:rect r="r" b="b" t="t" l="l"/>
-            <a:pathLst>
-              <a:path h="3155040" w="3555885">
-                <a:moveTo>
-                  <a:pt x="0" y="0"/>
-                </a:moveTo>
-                <a:lnTo>
-                  <a:pt x="3555885" y="0"/>
-                </a:lnTo>
-                <a:lnTo>
-                  <a:pt x="3555885" y="3155039"/>
-                </a:lnTo>
-                <a:lnTo>
-                  <a:pt x="0" y="3155039"/>
-                </a:lnTo>
-                <a:lnTo>
-                  <a:pt x="0" y="0"/>
-                </a:lnTo>
-                <a:close/>
-              </a:path>
-            </a:pathLst>
-          </a:custGeom>
-          <a:blipFill>
-            <a:blip r:embed="rId16">
-              <a:extLst>
-                <a:ext uri="{96DAC541-7B7A-43D3-8B79-37D633B846F1}">
-                  <asvg:svgBlip xmlns:asvg="http://schemas.microsoft.com/office/drawing/2016/SVG/main" r:embed="rId17"/>
-                </a:ext>
-              </a:extLst>
-            </a:blip>
-            <a:stretch>
-              <a:fillRect l="0" t="0" r="0" b="0"/>
-            </a:stretch>
-          </a:blipFill>
-        </p:spPr>
-      </p:sp>
-      <p:sp>
-        <p:nvSpPr>
-          <p:cNvPr name="Freeform 10" id="10"/>
-          <p:cNvSpPr/>
-          <p:nvPr/>
-        </p:nvSpPr>
-        <p:spPr>
-          <a:xfrm flipH="false" flipV="false" rot="8668556">
-            <a:off x="5763119" y="3777350"/>
-            <a:ext cx="1260020" cy="1266015"/>
-          </a:xfrm>
-          <a:custGeom>
-            <a:avLst/>
-            <a:gdLst/>
-            <a:ahLst/>
-            <a:cxnLst/>
-            <a:rect r="r" b="b" t="t" l="l"/>
-            <a:pathLst>
-              <a:path h="1266015" w="1260020">
-                <a:moveTo>
-                  <a:pt x="0" y="0"/>
-                </a:moveTo>
-                <a:lnTo>
-                  <a:pt x="1260021" y="0"/>
-                </a:lnTo>
-                <a:lnTo>
-                  <a:pt x="1260021" y="1266015"/>
-                </a:lnTo>
-                <a:lnTo>
-                  <a:pt x="0" y="1266015"/>
-                </a:lnTo>
-                <a:lnTo>
-                  <a:pt x="0" y="0"/>
-                </a:lnTo>
-                <a:close/>
-              </a:path>
-            </a:pathLst>
-          </a:custGeom>
-          <a:blipFill>
-            <a:blip r:embed="rId18">
-              <a:extLst>
-                <a:ext uri="{96DAC541-7B7A-43D3-8B79-37D633B846F1}">
-                  <asvg:svgBlip xmlns:asvg="http://schemas.microsoft.com/office/drawing/2016/SVG/main" r:embed="rId19"/>
-                </a:ext>
-              </a:extLst>
-            </a:blip>
-            <a:stretch>
-              <a:fillRect l="0" t="0" r="0" b="0"/>
-            </a:stretch>
-          </a:blipFill>
-        </p:spPr>
-      </p:sp>
-      <p:sp>
-        <p:nvSpPr>
-          <p:cNvPr name="Freeform 11" id="11"/>
-          <p:cNvSpPr/>
-          <p:nvPr/>
-        </p:nvSpPr>
-        <p:spPr>
-          <a:xfrm flipH="false" flipV="false" rot="1615091">
-            <a:off x="5727190" y="6592122"/>
-            <a:ext cx="1260020" cy="1266015"/>
-          </a:xfrm>
-          <a:custGeom>
-            <a:avLst/>
-            <a:gdLst/>
-            <a:ahLst/>
-            <a:cxnLst/>
-            <a:rect r="r" b="b" t="t" l="l"/>
-            <a:pathLst>
-              <a:path h="1266015" w="1260020">
-                <a:moveTo>
-                  <a:pt x="0" y="0"/>
-                </a:moveTo>
-                <a:lnTo>
-                  <a:pt x="1260020" y="0"/>
-                </a:lnTo>
-                <a:lnTo>
-                  <a:pt x="1260020" y="1266015"/>
-                </a:lnTo>
-                <a:lnTo>
-                  <a:pt x="0" y="1266015"/>
-                </a:lnTo>
-                <a:lnTo>
-                  <a:pt x="0" y="0"/>
-                </a:lnTo>
-                <a:close/>
-              </a:path>
-            </a:pathLst>
-          </a:custGeom>
-          <a:blipFill>
-            <a:blip r:embed="rId18">
-              <a:extLst>
-                <a:ext uri="{96DAC541-7B7A-43D3-8B79-37D633B846F1}">
-                  <asvg:svgBlip xmlns:asvg="http://schemas.microsoft.com/office/drawing/2016/SVG/main" r:embed="rId19"/>
-                </a:ext>
-              </a:extLst>
-            </a:blip>
-            <a:stretch>
-              <a:fillRect l="0" t="0" r="0" b="0"/>
-            </a:stretch>
-          </a:blipFill>
-        </p:spPr>
-      </p:sp>
-      <p:sp>
-        <p:nvSpPr>
-          <p:cNvPr name="Freeform 12" id="12"/>
-          <p:cNvSpPr/>
-          <p:nvPr/>
-        </p:nvSpPr>
-        <p:spPr>
-          <a:xfrm flipH="false" flipV="false" rot="0">
-            <a:off x="7489883" y="5966622"/>
-            <a:ext cx="4205087" cy="3731059"/>
-          </a:xfrm>
-          <a:custGeom>
-            <a:avLst/>
-            <a:gdLst/>
-            <a:ahLst/>
-            <a:cxnLst/>
-            <a:rect r="r" b="b" t="t" l="l"/>
-            <a:pathLst>
-              <a:path h="3731059" w="4205087">
-                <a:moveTo>
-                  <a:pt x="0" y="0"/>
-                </a:moveTo>
-                <a:lnTo>
-                  <a:pt x="4205086" y="0"/>
-                </a:lnTo>
-                <a:lnTo>
-                  <a:pt x="4205086" y="3731059"/>
-                </a:lnTo>
-                <a:lnTo>
-                  <a:pt x="0" y="3731059"/>
-                </a:lnTo>
-                <a:lnTo>
-                  <a:pt x="0" y="0"/>
-                </a:lnTo>
-                <a:close/>
-              </a:path>
-            </a:pathLst>
-          </a:custGeom>
-          <a:blipFill>
-            <a:blip r:embed="rId16">
-              <a:extLst>
-                <a:ext uri="{96DAC541-7B7A-43D3-8B79-37D633B846F1}">
-                  <asvg:svgBlip xmlns:asvg="http://schemas.microsoft.com/office/drawing/2016/SVG/main" r:embed="rId17"/>
-                </a:ext>
-              </a:extLst>
-            </a:blip>
-            <a:stretch>
-              <a:fillRect l="0" t="0" r="0" b="0"/>
-            </a:stretch>
-          </a:blipFill>
-        </p:spPr>
-      </p:sp>
-      <p:sp>
-        <p:nvSpPr>
-          <p:cNvPr name="Freeform 13" id="13"/>
-          <p:cNvSpPr/>
-          <p:nvPr/>
-        </p:nvSpPr>
-        <p:spPr>
-          <a:xfrm flipH="false" flipV="false" rot="-2377161">
-            <a:off x="11953913" y="5903954"/>
-            <a:ext cx="1260020" cy="1266015"/>
-          </a:xfrm>
-          <a:custGeom>
-            <a:avLst/>
-            <a:gdLst/>
-            <a:ahLst/>
-            <a:cxnLst/>
-            <a:rect r="r" b="b" t="t" l="l"/>
-            <a:pathLst>
-              <a:path h="1266015" w="1260020">
-                <a:moveTo>
-                  <a:pt x="0" y="0"/>
-                </a:moveTo>
-                <a:lnTo>
-                  <a:pt x="1260021" y="0"/>
-                </a:lnTo>
-                <a:lnTo>
-                  <a:pt x="1260021" y="1266014"/>
-                </a:lnTo>
-                <a:lnTo>
-                  <a:pt x="0" y="1266014"/>
-                </a:lnTo>
-                <a:lnTo>
-                  <a:pt x="0" y="0"/>
-                </a:lnTo>
-                <a:close/>
-              </a:path>
-            </a:pathLst>
-          </a:custGeom>
-          <a:blipFill>
-            <a:blip r:embed="rId18">
-              <a:extLst>
-                <a:ext uri="{96DAC541-7B7A-43D3-8B79-37D633B846F1}">
-                  <asvg:svgBlip xmlns:asvg="http://schemas.microsoft.com/office/drawing/2016/SVG/main" r:embed="rId19"/>
-                </a:ext>
-              </a:extLst>
-            </a:blip>
-            <a:stretch>
-              <a:fillRect l="0" t="0" r="0" b="0"/>
-            </a:stretch>
-          </a:blipFill>
-        </p:spPr>
-      </p:sp>
-      <p:sp>
-        <p:nvSpPr>
-          <p:cNvPr name="Freeform 14" id="14"/>
-          <p:cNvSpPr/>
-          <p:nvPr/>
-        </p:nvSpPr>
-        <p:spPr>
-          <a:xfrm flipH="false" flipV="false" rot="0">
-            <a:off x="13192032" y="3529107"/>
-            <a:ext cx="2179823" cy="3455051"/>
-          </a:xfrm>
-          <a:custGeom>
-            <a:avLst/>
-            <a:gdLst/>
-            <a:ahLst/>
-            <a:cxnLst/>
-            <a:rect r="r" b="b" t="t" l="l"/>
-            <a:pathLst>
-              <a:path h="3455051" w="2179823">
-                <a:moveTo>
-                  <a:pt x="0" y="0"/>
-                </a:moveTo>
-                <a:lnTo>
-                  <a:pt x="2179822" y="0"/>
-                </a:lnTo>
-                <a:lnTo>
-                  <a:pt x="2179822" y="3455050"/>
-                </a:lnTo>
-                <a:lnTo>
-                  <a:pt x="0" y="3455050"/>
-                </a:lnTo>
-                <a:lnTo>
-                  <a:pt x="0" y="0"/>
-                </a:lnTo>
-                <a:close/>
-              </a:path>
-            </a:pathLst>
-          </a:custGeom>
-          <a:blipFill>
-            <a:blip r:embed="rId20">
-              <a:extLst>
-                <a:ext uri="{96DAC541-7B7A-43D3-8B79-37D633B846F1}">
-                  <asvg:svgBlip xmlns:asvg="http://schemas.microsoft.com/office/drawing/2016/SVG/main" r:embed="rId21"/>
-                </a:ext>
-              </a:extLst>
-            </a:blip>
-            <a:stretch>
-              <a:fillRect l="0" t="0" r="0" b="0"/>
-            </a:stretch>
-          </a:blipFill>
-        </p:spPr>
-      </p:sp>
-      <p:sp>
-        <p:nvSpPr>
-          <p:cNvPr name="TextBox 15" id="15"/>
-          <p:cNvSpPr txBox="true"/>
-          <p:nvPr/>
-        </p:nvSpPr>
-        <p:spPr>
-          <a:xfrm rot="0">
-            <a:off x="5964613" y="781024"/>
-            <a:ext cx="7138323" cy="1576069"/>
-          </a:xfrm>
-          <a:prstGeom prst="rect">
-            <a:avLst/>
-          </a:prstGeom>
-        </p:spPr>
-        <p:txBody>
-          <a:bodyPr anchor="t" rtlCol="false" tIns="0" lIns="0" bIns="0" rIns="0">
-            <a:spAutoFit/>
-          </a:bodyPr>
-          <a:lstStyle/>
-          <a:p>
-            <a:pPr algn="ctr">
-              <a:lnSpc>
-                <a:spcPts val="12880"/>
-              </a:lnSpc>
-              <a:spcBef>
-                <a:spcPct val="0"/>
-              </a:spcBef>
-            </a:pPr>
-            <a:r>
-              <a:rPr lang="en-US" sz="9200">
-                <a:solidFill>
-                  <a:srgbClr val="AF805A"/>
-                </a:solidFill>
-                <a:latin typeface="Lazydog"/>
-                <a:ea typeface="Lazydog"/>
-                <a:cs typeface="Lazydog"/>
-                <a:sym typeface="Lazydog"/>
-              </a:rPr>
-              <a:t>Modelo 3d</a:t>
-            </a:r>
-          </a:p>
-        </p:txBody>
-      </p:sp>
-      <p:sp>
-        <p:nvSpPr>
-          <p:cNvPr name="TextBox 16" id="16"/>
-          <p:cNvSpPr txBox="true"/>
-          <p:nvPr/>
-        </p:nvSpPr>
-        <p:spPr>
-          <a:xfrm rot="0">
-            <a:off x="7245647" y="2868111"/>
-            <a:ext cx="4044355" cy="1542246"/>
-          </a:xfrm>
-          <a:prstGeom prst="rect">
-            <a:avLst/>
-          </a:prstGeom>
-        </p:spPr>
-        <p:txBody>
-          <a:bodyPr anchor="t" rtlCol="false" tIns="0" lIns="0" bIns="0" rIns="0">
-            <a:spAutoFit/>
-          </a:bodyPr>
-          <a:lstStyle/>
-          <a:p>
-            <a:pPr algn="ctr">
-              <a:lnSpc>
-                <a:spcPts val="6139"/>
-              </a:lnSpc>
-            </a:pPr>
-            <a:r>
-              <a:rPr lang="en-US" sz="4385" b="true">
-                <a:solidFill>
-                  <a:srgbClr val="000000"/>
-                </a:solidFill>
-                <a:latin typeface="Glacial Indifference Bold"/>
-                <a:ea typeface="Glacial Indifference Bold"/>
-                <a:cs typeface="Glacial Indifference Bold"/>
-                <a:sym typeface="Glacial Indifference Bold"/>
-              </a:rPr>
-              <a:t>Fue necesario investigar</a:t>
-            </a:r>
-          </a:p>
-        </p:txBody>
-      </p:sp>
-      <p:sp>
-        <p:nvSpPr>
-          <p:cNvPr name="TextBox 17" id="17"/>
-          <p:cNvSpPr txBox="true"/>
-          <p:nvPr/>
-        </p:nvSpPr>
-        <p:spPr>
-          <a:xfrm rot="0">
-            <a:off x="2335291" y="4558202"/>
-            <a:ext cx="3354466" cy="1781291"/>
-          </a:xfrm>
-          <a:prstGeom prst="rect">
-            <a:avLst/>
-          </a:prstGeom>
-        </p:spPr>
-        <p:txBody>
-          <a:bodyPr anchor="t" rtlCol="false" tIns="0" lIns="0" bIns="0" rIns="0">
-            <a:spAutoFit/>
-          </a:bodyPr>
-          <a:lstStyle/>
-          <a:p>
-            <a:pPr algn="ctr">
-              <a:lnSpc>
-                <a:spcPts val="4785"/>
-              </a:lnSpc>
-              <a:spcBef>
-                <a:spcPct val="0"/>
-              </a:spcBef>
-            </a:pPr>
-            <a:r>
-              <a:rPr lang="en-US" sz="3418">
-                <a:solidFill>
-                  <a:srgbClr val="000000"/>
-                </a:solidFill>
-                <a:latin typeface="Glacial Indifference"/>
-                <a:ea typeface="Glacial Indifference"/>
-                <a:cs typeface="Glacial Indifference"/>
-                <a:sym typeface="Glacial Indifference"/>
-              </a:rPr>
-              <a:t>Uso del tinkercad orientado al modelaje 3D</a:t>
-            </a:r>
-          </a:p>
-        </p:txBody>
-      </p:sp>
-      <p:sp>
-        <p:nvSpPr>
-          <p:cNvPr name="TextBox 18" id="18"/>
-          <p:cNvSpPr txBox="true"/>
-          <p:nvPr/>
-        </p:nvSpPr>
-        <p:spPr>
-          <a:xfrm rot="0">
-            <a:off x="7438072" y="6272818"/>
-            <a:ext cx="4191405" cy="2827883"/>
-          </a:xfrm>
-          <a:prstGeom prst="rect">
-            <a:avLst/>
-          </a:prstGeom>
-        </p:spPr>
-        <p:txBody>
-          <a:bodyPr anchor="t" rtlCol="false" tIns="0" lIns="0" bIns="0" rIns="0">
-            <a:spAutoFit/>
-          </a:bodyPr>
-          <a:lstStyle/>
-          <a:p>
-            <a:pPr algn="ctr">
-              <a:lnSpc>
-                <a:spcPts val="4531"/>
-              </a:lnSpc>
-              <a:spcBef>
-                <a:spcPct val="0"/>
-              </a:spcBef>
-            </a:pPr>
-            <a:r>
-              <a:rPr lang="en-US" sz="3237">
-                <a:solidFill>
-                  <a:srgbClr val="000000"/>
-                </a:solidFill>
-                <a:latin typeface="Glacial Indifference"/>
-                <a:ea typeface="Glacial Indifference"/>
-                <a:cs typeface="Glacial Indifference"/>
-                <a:sym typeface="Glacial Indifference"/>
-              </a:rPr>
-              <a:t>Había conocimientos previos, pero hacía falta refrescar lo aprendido y aprender cosas nuevas</a:t>
-            </a:r>
-          </a:p>
-        </p:txBody>
-      </p:sp>
-      <p:sp>
-        <p:nvSpPr>
-          <p:cNvPr name="TextBox 19" id="19"/>
-          <p:cNvSpPr txBox="true"/>
-          <p:nvPr/>
-        </p:nvSpPr>
-        <p:spPr>
-          <a:xfrm rot="0">
-            <a:off x="13139852" y="4128672"/>
-            <a:ext cx="2229139" cy="2259197"/>
-          </a:xfrm>
-          <a:prstGeom prst="rect">
-            <a:avLst/>
-          </a:prstGeom>
-        </p:spPr>
-        <p:txBody>
-          <a:bodyPr anchor="t" rtlCol="false" tIns="0" lIns="0" bIns="0" rIns="0">
-            <a:spAutoFit/>
-          </a:bodyPr>
-          <a:lstStyle/>
-          <a:p>
-            <a:pPr algn="ctr">
-              <a:lnSpc>
-                <a:spcPts val="4531"/>
-              </a:lnSpc>
-              <a:spcBef>
-                <a:spcPct val="0"/>
-              </a:spcBef>
-            </a:pPr>
-            <a:r>
-              <a:rPr lang="en-US" sz="3237">
-                <a:solidFill>
-                  <a:srgbClr val="000000"/>
-                </a:solidFill>
-                <a:latin typeface="Glacial Indifference"/>
-                <a:ea typeface="Glacial Indifference"/>
-                <a:cs typeface="Glacial Indifference"/>
-                <a:sym typeface="Glacial Indifference"/>
-              </a:rPr>
-              <a:t>Consultas en diferentes sitios</a:t>
-            </a:r>
-          </a:p>
-        </p:txBody>
-      </p:sp>
-    </p:spTree>
-  </p:cSld>
-  <p:clrMapOvr>
-    <a:masterClrMapping/>
-  </p:clrMapOvr>
-</p:sld>
-</file>
-
-<file path=ppt/slides/slide15.xml><?xml version="1.0" encoding="utf-8"?>
-<p:sld xmlns:p="http://schemas.openxmlformats.org/presentationml/2006/main" xmlns:a="http://schemas.openxmlformats.org/drawingml/2006/main" xmlns:r="http://schemas.openxmlformats.org/officeDocument/2006/relationships">
-  <p:cSld>
-    <p:bg>
-      <p:bgPr>
-        <a:solidFill>
-          <a:srgbClr val="2A1B15"/>
-        </a:solidFill>
-      </p:bgPr>
-    </p:bg>
-    <p:spTree>
-      <p:nvGrpSpPr>
-        <p:cNvPr id="1" name=""/>
-        <p:cNvGrpSpPr/>
-        <p:nvPr/>
-      </p:nvGrpSpPr>
-      <p:grpSpPr>
-        <a:xfrm>
-          <a:off x="0" y="0"/>
-          <a:ext cx="0" cy="0"/>
-          <a:chOff x="0" y="0"/>
-          <a:chExt cx="0" cy="0"/>
-        </a:xfrm>
-      </p:grpSpPr>
-      <p:sp>
-        <p:nvSpPr>
-          <p:cNvPr name="Freeform 2" id="2"/>
-          <p:cNvSpPr/>
-          <p:nvPr/>
-        </p:nvSpPr>
-        <p:spPr>
-          <a:xfrm flipH="true" flipV="false" rot="-5400000">
-            <a:off x="4316370" y="-2211614"/>
-            <a:ext cx="9655259" cy="14710229"/>
-          </a:xfrm>
-          <a:custGeom>
-            <a:avLst/>
-            <a:gdLst/>
-            <a:ahLst/>
-            <a:cxnLst/>
-            <a:rect r="r" b="b" t="t" l="l"/>
-            <a:pathLst>
-              <a:path h="14710229" w="9655259">
-                <a:moveTo>
-                  <a:pt x="9655260" y="0"/>
-                </a:moveTo>
-                <a:lnTo>
-                  <a:pt x="0" y="0"/>
-                </a:lnTo>
-                <a:lnTo>
-                  <a:pt x="0" y="14710228"/>
-                </a:lnTo>
-                <a:lnTo>
-                  <a:pt x="9655260" y="14710228"/>
-                </a:lnTo>
-                <a:lnTo>
-                  <a:pt x="9655260" y="0"/>
-                </a:lnTo>
-                <a:close/>
-              </a:path>
-            </a:pathLst>
-          </a:custGeom>
-          <a:blipFill>
-            <a:blip r:embed="rId2">
-              <a:extLst>
-                <a:ext uri="{96DAC541-7B7A-43D3-8B79-37D633B846F1}">
-                  <asvg:svgBlip xmlns:asvg="http://schemas.microsoft.com/office/drawing/2016/SVG/main" r:embed="rId3"/>
-                </a:ext>
-              </a:extLst>
-            </a:blip>
-            <a:stretch>
-              <a:fillRect l="0" t="0" r="0" b="0"/>
-            </a:stretch>
-          </a:blipFill>
-        </p:spPr>
-      </p:sp>
-      <p:sp>
-        <p:nvSpPr>
-          <p:cNvPr name="Freeform 3" id="3"/>
-          <p:cNvSpPr/>
-          <p:nvPr/>
-        </p:nvSpPr>
-        <p:spPr>
-          <a:xfrm flipH="false" flipV="false" rot="0">
-            <a:off x="5964613" y="722641"/>
-            <a:ext cx="7138323" cy="1873810"/>
-          </a:xfrm>
-          <a:custGeom>
-            <a:avLst/>
-            <a:gdLst/>
-            <a:ahLst/>
-            <a:cxnLst/>
-            <a:rect r="r" b="b" t="t" l="l"/>
-            <a:pathLst>
-              <a:path h="1873810" w="7138323">
-                <a:moveTo>
-                  <a:pt x="0" y="0"/>
-                </a:moveTo>
-                <a:lnTo>
-                  <a:pt x="7138323" y="0"/>
-                </a:lnTo>
-                <a:lnTo>
-                  <a:pt x="7138323" y="1873810"/>
-                </a:lnTo>
-                <a:lnTo>
-                  <a:pt x="0" y="1873810"/>
-                </a:lnTo>
-                <a:lnTo>
-                  <a:pt x="0" y="0"/>
-                </a:lnTo>
-                <a:close/>
-              </a:path>
-            </a:pathLst>
-          </a:custGeom>
-          <a:blipFill>
-            <a:blip r:embed="rId4">
-              <a:extLst>
-                <a:ext uri="{96DAC541-7B7A-43D3-8B79-37D633B846F1}">
-                  <asvg:svgBlip xmlns:asvg="http://schemas.microsoft.com/office/drawing/2016/SVG/main" r:embed="rId5"/>
-                </a:ext>
-              </a:extLst>
-            </a:blip>
-            <a:stretch>
-              <a:fillRect l="0" t="0" r="0" b="0"/>
-            </a:stretch>
-          </a:blipFill>
-        </p:spPr>
-      </p:sp>
-      <p:sp>
-        <p:nvSpPr>
-          <p:cNvPr name="TextBox 4" id="4"/>
-          <p:cNvSpPr txBox="true"/>
-          <p:nvPr/>
-        </p:nvSpPr>
-        <p:spPr>
-          <a:xfrm rot="0">
-            <a:off x="5964613" y="781024"/>
-            <a:ext cx="7138323" cy="1576069"/>
-          </a:xfrm>
-          <a:prstGeom prst="rect">
-            <a:avLst/>
-          </a:prstGeom>
-        </p:spPr>
-        <p:txBody>
-          <a:bodyPr anchor="t" rtlCol="false" tIns="0" lIns="0" bIns="0" rIns="0">
-            <a:spAutoFit/>
-          </a:bodyPr>
-          <a:lstStyle/>
-          <a:p>
-            <a:pPr algn="ctr">
-              <a:lnSpc>
-                <a:spcPts val="12880"/>
-              </a:lnSpc>
-              <a:spcBef>
-                <a:spcPct val="0"/>
-              </a:spcBef>
-            </a:pPr>
-            <a:r>
-              <a:rPr lang="en-US" sz="9200">
-                <a:solidFill>
-                  <a:srgbClr val="AF805A"/>
-                </a:solidFill>
-                <a:latin typeface="Lazydog"/>
-                <a:ea typeface="Lazydog"/>
-                <a:cs typeface="Lazydog"/>
-                <a:sym typeface="Lazydog"/>
-              </a:rPr>
-              <a:t>Modelo 3d</a:t>
-            </a:r>
-          </a:p>
-        </p:txBody>
-      </p:sp>
-      <p:sp>
-        <p:nvSpPr>
-          <p:cNvPr name="Freeform 5" id="5"/>
-          <p:cNvSpPr/>
-          <p:nvPr/>
-        </p:nvSpPr>
-        <p:spPr>
-          <a:xfrm flipH="false" flipV="false" rot="0">
-            <a:off x="7066781" y="2679547"/>
-            <a:ext cx="4154438" cy="1223886"/>
-          </a:xfrm>
-          <a:custGeom>
-            <a:avLst/>
-            <a:gdLst/>
-            <a:ahLst/>
-            <a:cxnLst/>
-            <a:rect r="r" b="b" t="t" l="l"/>
-            <a:pathLst>
-              <a:path h="1223886" w="4154438">
-                <a:moveTo>
-                  <a:pt x="0" y="0"/>
-                </a:moveTo>
-                <a:lnTo>
-                  <a:pt x="4154438" y="0"/>
-                </a:lnTo>
-                <a:lnTo>
-                  <a:pt x="4154438" y="1223887"/>
-                </a:lnTo>
-                <a:lnTo>
-                  <a:pt x="0" y="1223887"/>
-                </a:lnTo>
-                <a:lnTo>
-                  <a:pt x="0" y="0"/>
-                </a:lnTo>
-                <a:close/>
-              </a:path>
-            </a:pathLst>
-          </a:custGeom>
-          <a:blipFill>
-            <a:blip r:embed="rId6">
-              <a:extLst>
-                <a:ext uri="{96DAC541-7B7A-43D3-8B79-37D633B846F1}">
-                  <asvg:svgBlip xmlns:asvg="http://schemas.microsoft.com/office/drawing/2016/SVG/main" r:embed="rId7"/>
-                </a:ext>
-              </a:extLst>
-            </a:blip>
-            <a:stretch>
-              <a:fillRect l="0" t="0" r="0" b="0"/>
-            </a:stretch>
-          </a:blipFill>
-        </p:spPr>
-      </p:sp>
-      <p:sp>
-        <p:nvSpPr>
-          <p:cNvPr name="TextBox 6" id="6"/>
-          <p:cNvSpPr txBox="true"/>
-          <p:nvPr/>
-        </p:nvSpPr>
-        <p:spPr>
-          <a:xfrm rot="0">
-            <a:off x="7150397" y="2862339"/>
-            <a:ext cx="4044355" cy="763053"/>
-          </a:xfrm>
-          <a:prstGeom prst="rect">
-            <a:avLst/>
-          </a:prstGeom>
-        </p:spPr>
-        <p:txBody>
-          <a:bodyPr anchor="t" rtlCol="false" tIns="0" lIns="0" bIns="0" rIns="0">
-            <a:spAutoFit/>
-          </a:bodyPr>
-          <a:lstStyle/>
-          <a:p>
-            <a:pPr algn="ctr">
-              <a:lnSpc>
-                <a:spcPts val="6139"/>
-              </a:lnSpc>
-            </a:pPr>
-            <a:r>
-              <a:rPr lang="en-US" sz="4385" b="true">
-                <a:solidFill>
-                  <a:srgbClr val="000000"/>
-                </a:solidFill>
-                <a:latin typeface="Glacial Indifference Bold"/>
-                <a:ea typeface="Glacial Indifference Bold"/>
-                <a:cs typeface="Glacial Indifference Bold"/>
-                <a:sym typeface="Glacial Indifference Bold"/>
-              </a:rPr>
-              <a:t>Problemáticas</a:t>
-            </a:r>
-          </a:p>
-        </p:txBody>
-      </p:sp>
-      <p:sp>
-        <p:nvSpPr>
-          <p:cNvPr name="Freeform 7" id="7"/>
-          <p:cNvSpPr/>
-          <p:nvPr/>
-        </p:nvSpPr>
-        <p:spPr>
-          <a:xfrm flipH="false" flipV="false" rot="0">
-            <a:off x="2754035" y="3971174"/>
-            <a:ext cx="1260020" cy="1266015"/>
-          </a:xfrm>
-          <a:custGeom>
-            <a:avLst/>
-            <a:gdLst/>
-            <a:ahLst/>
-            <a:cxnLst/>
-            <a:rect r="r" b="b" t="t" l="l"/>
-            <a:pathLst>
-              <a:path h="1266015" w="1260020">
-                <a:moveTo>
-                  <a:pt x="0" y="0"/>
-                </a:moveTo>
-                <a:lnTo>
-                  <a:pt x="1260020" y="0"/>
-                </a:lnTo>
-                <a:lnTo>
-                  <a:pt x="1260020" y="1266014"/>
-                </a:lnTo>
-                <a:lnTo>
-                  <a:pt x="0" y="1266014"/>
-                </a:lnTo>
-                <a:lnTo>
-                  <a:pt x="0" y="0"/>
-                </a:lnTo>
-                <a:close/>
-              </a:path>
-            </a:pathLst>
-          </a:custGeom>
-          <a:blipFill>
-            <a:blip r:embed="rId8">
-              <a:extLst>
-                <a:ext uri="{96DAC541-7B7A-43D3-8B79-37D633B846F1}">
-                  <asvg:svgBlip xmlns:asvg="http://schemas.microsoft.com/office/drawing/2016/SVG/main" r:embed="rId9"/>
-                </a:ext>
-              </a:extLst>
-            </a:blip>
-            <a:stretch>
-              <a:fillRect l="0" t="0" r="0" b="0"/>
-            </a:stretch>
-          </a:blipFill>
-        </p:spPr>
-      </p:sp>
-      <p:sp>
-        <p:nvSpPr>
-          <p:cNvPr name="Freeform 8" id="8"/>
-          <p:cNvSpPr/>
-          <p:nvPr/>
-        </p:nvSpPr>
-        <p:spPr>
-          <a:xfrm flipH="false" flipV="false" rot="0">
-            <a:off x="2760156" y="5732488"/>
-            <a:ext cx="1260020" cy="1266015"/>
-          </a:xfrm>
-          <a:custGeom>
-            <a:avLst/>
-            <a:gdLst/>
-            <a:ahLst/>
-            <a:cxnLst/>
-            <a:rect r="r" b="b" t="t" l="l"/>
-            <a:pathLst>
-              <a:path h="1266015" w="1260020">
-                <a:moveTo>
-                  <a:pt x="0" y="0"/>
-                </a:moveTo>
-                <a:lnTo>
-                  <a:pt x="1260020" y="0"/>
-                </a:lnTo>
-                <a:lnTo>
-                  <a:pt x="1260020" y="1266015"/>
-                </a:lnTo>
-                <a:lnTo>
-                  <a:pt x="0" y="1266015"/>
-                </a:lnTo>
-                <a:lnTo>
-                  <a:pt x="0" y="0"/>
-                </a:lnTo>
-                <a:close/>
-              </a:path>
-            </a:pathLst>
-          </a:custGeom>
-          <a:blipFill>
-            <a:blip r:embed="rId8">
-              <a:extLst>
-                <a:ext uri="{96DAC541-7B7A-43D3-8B79-37D633B846F1}">
-                  <asvg:svgBlip xmlns:asvg="http://schemas.microsoft.com/office/drawing/2016/SVG/main" r:embed="rId9"/>
-                </a:ext>
-              </a:extLst>
-            </a:blip>
-            <a:stretch>
-              <a:fillRect l="0" t="0" r="0" b="0"/>
-            </a:stretch>
-          </a:blipFill>
-        </p:spPr>
-      </p:sp>
-      <p:sp>
-        <p:nvSpPr>
-          <p:cNvPr name="TextBox 9" id="9"/>
-          <p:cNvSpPr txBox="true"/>
-          <p:nvPr/>
-        </p:nvSpPr>
-        <p:spPr>
-          <a:xfrm rot="0">
-            <a:off x="4184402" y="4246587"/>
-            <a:ext cx="5130945" cy="638988"/>
-          </a:xfrm>
-          <a:prstGeom prst="rect">
-            <a:avLst/>
-          </a:prstGeom>
-        </p:spPr>
-        <p:txBody>
-          <a:bodyPr anchor="t" rtlCol="false" tIns="0" lIns="0" bIns="0" rIns="0">
-            <a:spAutoFit/>
-          </a:bodyPr>
-          <a:lstStyle/>
-          <a:p>
-            <a:pPr algn="ctr">
-              <a:lnSpc>
-                <a:spcPts val="5214"/>
-              </a:lnSpc>
-            </a:pPr>
-            <a:r>
-              <a:rPr lang="en-US" sz="3724">
-                <a:solidFill>
-                  <a:srgbClr val="000000"/>
-                </a:solidFill>
-                <a:latin typeface="Glacial Indifference"/>
-                <a:ea typeface="Glacial Indifference"/>
-                <a:cs typeface="Glacial Indifference"/>
-                <a:sym typeface="Glacial Indifference"/>
-              </a:rPr>
-              <a:t>Formación del diseño 3D</a:t>
-            </a:r>
-          </a:p>
-        </p:txBody>
-      </p:sp>
-      <p:sp>
-        <p:nvSpPr>
-          <p:cNvPr name="TextBox 10" id="10"/>
-          <p:cNvSpPr txBox="true"/>
-          <p:nvPr/>
-        </p:nvSpPr>
-        <p:spPr>
-          <a:xfrm rot="0">
-            <a:off x="4222502" y="6007902"/>
-            <a:ext cx="7538277" cy="638988"/>
-          </a:xfrm>
-          <a:prstGeom prst="rect">
-            <a:avLst/>
-          </a:prstGeom>
-        </p:spPr>
-        <p:txBody>
-          <a:bodyPr anchor="t" rtlCol="false" tIns="0" lIns="0" bIns="0" rIns="0">
-            <a:spAutoFit/>
-          </a:bodyPr>
-          <a:lstStyle/>
-          <a:p>
-            <a:pPr algn="ctr">
-              <a:lnSpc>
-                <a:spcPts val="5214"/>
-              </a:lnSpc>
-            </a:pPr>
-            <a:r>
-              <a:rPr lang="en-US" sz="3724">
-                <a:solidFill>
-                  <a:srgbClr val="000000"/>
-                </a:solidFill>
-                <a:latin typeface="Glacial Indifference"/>
-                <a:ea typeface="Glacial Indifference"/>
-                <a:cs typeface="Glacial Indifference"/>
-                <a:sym typeface="Glacial Indifference"/>
-              </a:rPr>
-              <a:t>Manipulación de los objetos virtuales</a:t>
-            </a:r>
-          </a:p>
-        </p:txBody>
-      </p:sp>
-    </p:spTree>
-  </p:cSld>
-  <p:clrMapOvr>
-    <a:masterClrMapping/>
-  </p:clrMapOvr>
-</p:sld>
-</file>
-
-<file path=ppt/slides/slide16.xml><?xml version="1.0" encoding="utf-8"?>
-<p:sld xmlns:p="http://schemas.openxmlformats.org/presentationml/2006/main" xmlns:a="http://schemas.openxmlformats.org/drawingml/2006/main" xmlns:r="http://schemas.openxmlformats.org/officeDocument/2006/relationships">
-  <p:cSld>
-    <p:bg>
-      <p:bgPr>
-        <a:solidFill>
-          <a:srgbClr val="2A1B15"/>
-        </a:solidFill>
-      </p:bgPr>
-    </p:bg>
-    <p:spTree>
-      <p:nvGrpSpPr>
-        <p:cNvPr id="1" name=""/>
-        <p:cNvGrpSpPr/>
-        <p:nvPr/>
-      </p:nvGrpSpPr>
-      <p:grpSpPr>
-        <a:xfrm>
-          <a:off x="0" y="0"/>
-          <a:ext cx="0" cy="0"/>
-          <a:chOff x="0" y="0"/>
-          <a:chExt cx="0" cy="0"/>
-        </a:xfrm>
-      </p:grpSpPr>
-      <p:sp>
-        <p:nvSpPr>
-          <p:cNvPr name="Freeform 2" id="2"/>
-          <p:cNvSpPr/>
-          <p:nvPr/>
-        </p:nvSpPr>
-        <p:spPr>
-          <a:xfrm flipH="false" flipV="false" rot="0">
-            <a:off x="-1606543" y="-397854"/>
-            <a:ext cx="4360578" cy="4114800"/>
-          </a:xfrm>
-          <a:custGeom>
-            <a:avLst/>
-            <a:gdLst/>
-            <a:ahLst/>
-            <a:cxnLst/>
-            <a:rect r="r" b="b" t="t" l="l"/>
-            <a:pathLst>
-              <a:path h="4114800" w="4360578">
-                <a:moveTo>
-                  <a:pt x="0" y="0"/>
-                </a:moveTo>
-                <a:lnTo>
-                  <a:pt x="4360578" y="0"/>
-                </a:lnTo>
-                <a:lnTo>
-                  <a:pt x="4360578" y="4114800"/>
-                </a:lnTo>
-                <a:lnTo>
-                  <a:pt x="0" y="4114800"/>
-                </a:lnTo>
-                <a:lnTo>
-                  <a:pt x="0" y="0"/>
-                </a:lnTo>
-                <a:close/>
-              </a:path>
-            </a:pathLst>
-          </a:custGeom>
-          <a:blipFill>
-            <a:blip r:embed="rId2">
-              <a:extLst>
-                <a:ext uri="{96DAC541-7B7A-43D3-8B79-37D633B846F1}">
-                  <asvg:svgBlip xmlns:asvg="http://schemas.microsoft.com/office/drawing/2016/SVG/main" r:embed="rId3"/>
-                </a:ext>
-              </a:extLst>
-            </a:blip>
-            <a:stretch>
-              <a:fillRect l="0" t="0" r="0" b="0"/>
-            </a:stretch>
-          </a:blipFill>
-        </p:spPr>
-      </p:sp>
-      <p:sp>
-        <p:nvSpPr>
-          <p:cNvPr name="Freeform 3" id="3"/>
-          <p:cNvSpPr/>
-          <p:nvPr/>
-        </p:nvSpPr>
-        <p:spPr>
-          <a:xfrm flipH="false" flipV="false" rot="3659925">
-            <a:off x="14627618" y="-1060017"/>
-            <a:ext cx="4745480" cy="4114800"/>
-          </a:xfrm>
-          <a:custGeom>
-            <a:avLst/>
-            <a:gdLst/>
-            <a:ahLst/>
-            <a:cxnLst/>
-            <a:rect r="r" b="b" t="t" l="l"/>
-            <a:pathLst>
-              <a:path h="4114800" w="4745480">
-                <a:moveTo>
-                  <a:pt x="0" y="0"/>
-                </a:moveTo>
-                <a:lnTo>
-                  <a:pt x="4745479" y="0"/>
-                </a:lnTo>
-                <a:lnTo>
-                  <a:pt x="4745479" y="4114800"/>
-                </a:lnTo>
-                <a:lnTo>
-                  <a:pt x="0" y="4114800"/>
-                </a:lnTo>
-                <a:lnTo>
-                  <a:pt x="0" y="0"/>
-                </a:lnTo>
-                <a:close/>
-              </a:path>
-            </a:pathLst>
-          </a:custGeom>
-          <a:blipFill>
-            <a:blip r:embed="rId4">
-              <a:extLst>
-                <a:ext uri="{96DAC541-7B7A-43D3-8B79-37D633B846F1}">
-                  <asvg:svgBlip xmlns:asvg="http://schemas.microsoft.com/office/drawing/2016/SVG/main" r:embed="rId5"/>
-                </a:ext>
-              </a:extLst>
-            </a:blip>
-            <a:stretch>
-              <a:fillRect l="0" t="0" r="0" b="0"/>
-            </a:stretch>
-          </a:blipFill>
-        </p:spPr>
-      </p:sp>
-      <p:sp>
-        <p:nvSpPr>
-          <p:cNvPr name="Freeform 4" id="4"/>
-          <p:cNvSpPr/>
-          <p:nvPr/>
-        </p:nvSpPr>
-        <p:spPr>
-          <a:xfrm flipH="true" flipV="false" rot="-5400000">
-            <a:off x="4316370" y="-2211614"/>
-            <a:ext cx="9655259" cy="14710229"/>
-          </a:xfrm>
-          <a:custGeom>
-            <a:avLst/>
-            <a:gdLst/>
-            <a:ahLst/>
-            <a:cxnLst/>
-            <a:rect r="r" b="b" t="t" l="l"/>
-            <a:pathLst>
-              <a:path h="14710229" w="9655259">
-                <a:moveTo>
-                  <a:pt x="9655260" y="0"/>
-                </a:moveTo>
-                <a:lnTo>
-                  <a:pt x="0" y="0"/>
-                </a:lnTo>
-                <a:lnTo>
-                  <a:pt x="0" y="14710228"/>
-                </a:lnTo>
-                <a:lnTo>
-                  <a:pt x="9655260" y="14710228"/>
-                </a:lnTo>
-                <a:lnTo>
-                  <a:pt x="9655260" y="0"/>
-                </a:lnTo>
-                <a:close/>
-              </a:path>
-            </a:pathLst>
-          </a:custGeom>
-          <a:blipFill>
-            <a:blip r:embed="rId6">
-              <a:extLst>
-                <a:ext uri="{96DAC541-7B7A-43D3-8B79-37D633B846F1}">
-                  <asvg:svgBlip xmlns:asvg="http://schemas.microsoft.com/office/drawing/2016/SVG/main" r:embed="rId7"/>
-                </a:ext>
-              </a:extLst>
-            </a:blip>
-            <a:stretch>
-              <a:fillRect l="0" t="0" r="0" b="0"/>
-            </a:stretch>
-          </a:blipFill>
-        </p:spPr>
-      </p:sp>
-      <p:sp>
-        <p:nvSpPr>
-          <p:cNvPr name="Freeform 5" id="5"/>
-          <p:cNvSpPr/>
-          <p:nvPr/>
-        </p:nvSpPr>
-        <p:spPr>
-          <a:xfrm flipH="false" flipV="false" rot="0">
-            <a:off x="16813874" y="6172200"/>
-            <a:ext cx="3492436" cy="4114800"/>
-          </a:xfrm>
-          <a:custGeom>
-            <a:avLst/>
-            <a:gdLst/>
-            <a:ahLst/>
-            <a:cxnLst/>
-            <a:rect r="r" b="b" t="t" l="l"/>
-            <a:pathLst>
-              <a:path h="4114800" w="3492436">
-                <a:moveTo>
-                  <a:pt x="0" y="0"/>
-                </a:moveTo>
-                <a:lnTo>
-                  <a:pt x="3492436" y="0"/>
-                </a:lnTo>
-                <a:lnTo>
-                  <a:pt x="3492436" y="4114800"/>
-                </a:lnTo>
-                <a:lnTo>
-                  <a:pt x="0" y="4114800"/>
-                </a:lnTo>
-                <a:lnTo>
-                  <a:pt x="0" y="0"/>
-                </a:lnTo>
-                <a:close/>
-              </a:path>
-            </a:pathLst>
-          </a:custGeom>
-          <a:blipFill>
-            <a:blip r:embed="rId8">
-              <a:extLst>
-                <a:ext uri="{96DAC541-7B7A-43D3-8B79-37D633B846F1}">
-                  <asvg:svgBlip xmlns:asvg="http://schemas.microsoft.com/office/drawing/2016/SVG/main" r:embed="rId9"/>
-                </a:ext>
-              </a:extLst>
-            </a:blip>
-            <a:stretch>
-              <a:fillRect l="0" t="0" r="0" b="0"/>
-            </a:stretch>
-          </a:blipFill>
-        </p:spPr>
-      </p:sp>
-      <p:sp>
-        <p:nvSpPr>
-          <p:cNvPr name="Freeform 6" id="6"/>
-          <p:cNvSpPr/>
-          <p:nvPr/>
-        </p:nvSpPr>
-        <p:spPr>
-          <a:xfrm flipH="false" flipV="false" rot="-10612816">
-            <a:off x="-302998" y="6367592"/>
-            <a:ext cx="1144663" cy="4114800"/>
-          </a:xfrm>
-          <a:custGeom>
-            <a:avLst/>
-            <a:gdLst/>
-            <a:ahLst/>
-            <a:cxnLst/>
-            <a:rect r="r" b="b" t="t" l="l"/>
-            <a:pathLst>
-              <a:path h="4114800" w="1144663">
-                <a:moveTo>
-                  <a:pt x="0" y="0"/>
-                </a:moveTo>
-                <a:lnTo>
-                  <a:pt x="1144663" y="0"/>
-                </a:lnTo>
-                <a:lnTo>
-                  <a:pt x="1144663" y="4114800"/>
-                </a:lnTo>
-                <a:lnTo>
-                  <a:pt x="0" y="4114800"/>
-                </a:lnTo>
-                <a:lnTo>
-                  <a:pt x="0" y="0"/>
-                </a:lnTo>
-                <a:close/>
-              </a:path>
-            </a:pathLst>
-          </a:custGeom>
-          <a:blipFill>
-            <a:blip r:embed="rId10">
-              <a:extLst>
-                <a:ext uri="{96DAC541-7B7A-43D3-8B79-37D633B846F1}">
-                  <asvg:svgBlip xmlns:asvg="http://schemas.microsoft.com/office/drawing/2016/SVG/main" r:embed="rId11"/>
-                </a:ext>
-              </a:extLst>
-            </a:blip>
-            <a:stretch>
-              <a:fillRect l="0" t="0" r="0" b="0"/>
-            </a:stretch>
-          </a:blipFill>
-        </p:spPr>
-      </p:sp>
-      <p:sp>
-        <p:nvSpPr>
-          <p:cNvPr name="Freeform 7" id="7"/>
-          <p:cNvSpPr/>
-          <p:nvPr/>
-        </p:nvSpPr>
-        <p:spPr>
-          <a:xfrm flipH="false" flipV="false" rot="177239">
-            <a:off x="4818640" y="741757"/>
-            <a:ext cx="8650721" cy="2270814"/>
-          </a:xfrm>
-          <a:custGeom>
-            <a:avLst/>
-            <a:gdLst/>
-            <a:ahLst/>
-            <a:cxnLst/>
-            <a:rect r="r" b="b" t="t" l="l"/>
-            <a:pathLst>
-              <a:path h="2270814" w="8650721">
-                <a:moveTo>
-                  <a:pt x="0" y="0"/>
-                </a:moveTo>
-                <a:lnTo>
-                  <a:pt x="8650720" y="0"/>
-                </a:lnTo>
-                <a:lnTo>
-                  <a:pt x="8650720" y="2270814"/>
-                </a:lnTo>
-                <a:lnTo>
-                  <a:pt x="0" y="2270814"/>
-                </a:lnTo>
-                <a:lnTo>
-                  <a:pt x="0" y="0"/>
-                </a:lnTo>
-                <a:close/>
-              </a:path>
-            </a:pathLst>
-          </a:custGeom>
-          <a:blipFill>
-            <a:blip r:embed="rId12">
-              <a:extLst>
-                <a:ext uri="{96DAC541-7B7A-43D3-8B79-37D633B846F1}">
-                  <asvg:svgBlip xmlns:asvg="http://schemas.microsoft.com/office/drawing/2016/SVG/main" r:embed="rId13"/>
-                </a:ext>
-              </a:extLst>
-            </a:blip>
-            <a:stretch>
-              <a:fillRect l="0" t="0" r="0" b="0"/>
-            </a:stretch>
-          </a:blipFill>
-        </p:spPr>
-      </p:sp>
-      <p:sp>
-        <p:nvSpPr>
-          <p:cNvPr name="Freeform 8" id="8"/>
-          <p:cNvSpPr/>
-          <p:nvPr/>
-        </p:nvSpPr>
-        <p:spPr>
-          <a:xfrm flipH="false" flipV="false" rot="0">
-            <a:off x="2459664" y="3693758"/>
+            <a:off x="9711087" y="3537712"/>
             <a:ext cx="6301176" cy="2000623"/>
           </a:xfrm>
           <a:custGeom>
@@ -7894,10 +6154,10 @@
                   <a:pt x="6301176" y="0"/>
                 </a:lnTo>
                 <a:lnTo>
-                  <a:pt x="6301176" y="2000624"/>
-                </a:lnTo>
-                <a:lnTo>
-                  <a:pt x="0" y="2000624"/>
+                  <a:pt x="6301176" y="2000623"/>
+                </a:lnTo>
+                <a:lnTo>
+                  <a:pt x="0" y="2000623"/>
                 </a:lnTo>
                 <a:lnTo>
                   <a:pt x="0" y="0"/>
@@ -7922,13 +6182,13 @@
       </p:sp>
       <p:sp>
         <p:nvSpPr>
-          <p:cNvPr name="Freeform 9" id="9"/>
+          <p:cNvPr name="Freeform 10" id="10"/>
           <p:cNvSpPr/>
           <p:nvPr/>
         </p:nvSpPr>
         <p:spPr>
           <a:xfrm flipH="false" flipV="false" rot="0">
-            <a:off x="9711087" y="3537712"/>
+            <a:off x="2459664" y="6495540"/>
             <a:ext cx="6301176" cy="2000623"/>
           </a:xfrm>
           <a:custGeom>
@@ -7974,13 +6234,13 @@
       </p:sp>
       <p:sp>
         <p:nvSpPr>
-          <p:cNvPr name="Freeform 10" id="10"/>
+          <p:cNvPr name="Freeform 11" id="11"/>
           <p:cNvSpPr/>
           <p:nvPr/>
         </p:nvSpPr>
         <p:spPr>
           <a:xfrm flipH="false" flipV="false" rot="0">
-            <a:off x="2459664" y="6495540"/>
+            <a:off x="9711087" y="6339493"/>
             <a:ext cx="6301176" cy="2000623"/>
           </a:xfrm>
           <a:custGeom>
@@ -7998,10 +6258,10 @@
                   <a:pt x="6301176" y="0"/>
                 </a:lnTo>
                 <a:lnTo>
-                  <a:pt x="6301176" y="2000623"/>
-                </a:lnTo>
-                <a:lnTo>
-                  <a:pt x="0" y="2000623"/>
+                  <a:pt x="6301176" y="2000624"/>
+                </a:lnTo>
+                <a:lnTo>
+                  <a:pt x="0" y="2000624"/>
                 </a:lnTo>
                 <a:lnTo>
                   <a:pt x="0" y="0"/>
@@ -8026,58 +6286,6 @@
       </p:sp>
       <p:sp>
         <p:nvSpPr>
-          <p:cNvPr name="Freeform 11" id="11"/>
-          <p:cNvSpPr/>
-          <p:nvPr/>
-        </p:nvSpPr>
-        <p:spPr>
-          <a:xfrm flipH="false" flipV="false" rot="0">
-            <a:off x="9711087" y="6339493"/>
-            <a:ext cx="6301176" cy="2000623"/>
-          </a:xfrm>
-          <a:custGeom>
-            <a:avLst/>
-            <a:gdLst/>
-            <a:ahLst/>
-            <a:cxnLst/>
-            <a:rect r="r" b="b" t="t" l="l"/>
-            <a:pathLst>
-              <a:path h="2000623" w="6301176">
-                <a:moveTo>
-                  <a:pt x="0" y="0"/>
-                </a:moveTo>
-                <a:lnTo>
-                  <a:pt x="6301176" y="0"/>
-                </a:lnTo>
-                <a:lnTo>
-                  <a:pt x="6301176" y="2000624"/>
-                </a:lnTo>
-                <a:lnTo>
-                  <a:pt x="0" y="2000624"/>
-                </a:lnTo>
-                <a:lnTo>
-                  <a:pt x="0" y="0"/>
-                </a:lnTo>
-                <a:close/>
-              </a:path>
-            </a:pathLst>
-          </a:custGeom>
-          <a:blipFill>
-            <a:blip r:embed="rId14">
-              <a:extLst>
-                <a:ext uri="{96DAC541-7B7A-43D3-8B79-37D633B846F1}">
-                  <asvg:svgBlip xmlns:asvg="http://schemas.microsoft.com/office/drawing/2016/SVG/main" r:embed="rId15"/>
-                </a:ext>
-              </a:extLst>
-            </a:blip>
-            <a:stretch>
-              <a:fillRect l="0" t="0" r="0" b="0"/>
-            </a:stretch>
-          </a:blipFill>
-        </p:spPr>
-      </p:sp>
-      <p:sp>
-        <p:nvSpPr>
           <p:cNvPr name="TextBox 12" id="12"/>
           <p:cNvSpPr txBox="true"/>
           <p:nvPr/>
@@ -8289,7 +6497,7 @@
 </p:sld>
 </file>
 
-<file path=ppt/slides/slide17.xml><?xml version="1.0" encoding="utf-8"?>
+<file path=ppt/slides/slide15.xml><?xml version="1.0" encoding="utf-8"?>
 <p:sld xmlns:p="http://schemas.openxmlformats.org/presentationml/2006/main" xmlns:a="http://schemas.openxmlformats.org/drawingml/2006/main" xmlns:r="http://schemas.openxmlformats.org/officeDocument/2006/relationships">
   <p:cSld>
     <p:bg>
@@ -10438,7 +8646,7 @@
         </p:nvSpPr>
         <p:spPr>
           <a:xfrm flipH="false" flipV="false" rot="0">
-            <a:off x="6631642" y="2443609"/>
+            <a:off x="2127350" y="2551229"/>
             <a:ext cx="4964023" cy="7241943"/>
           </a:xfrm>
           <a:custGeom>
@@ -10453,13 +8661,13 @@
                   <a:pt x="0" y="0"/>
                 </a:moveTo>
                 <a:lnTo>
-                  <a:pt x="4964022" y="0"/>
-                </a:lnTo>
-                <a:lnTo>
-                  <a:pt x="4964022" y="7241943"/>
-                </a:lnTo>
-                <a:lnTo>
-                  <a:pt x="0" y="7241943"/>
+                  <a:pt x="4964023" y="0"/>
+                </a:lnTo>
+                <a:lnTo>
+                  <a:pt x="4964023" y="7241942"/>
+                </a:lnTo>
+                <a:lnTo>
+                  <a:pt x="0" y="7241942"/>
                 </a:lnTo>
                 <a:lnTo>
                   <a:pt x="0" y="0"/>
@@ -10490,7 +8698,7 @@
         </p:nvSpPr>
         <p:spPr>
           <a:xfrm flipH="false" flipV="false" rot="0">
-            <a:off x="7066982" y="5623138"/>
+            <a:off x="2562691" y="5730757"/>
             <a:ext cx="4020660" cy="3422760"/>
           </a:xfrm>
           <a:custGeom>
@@ -10577,7 +8785,7 @@
         </p:nvSpPr>
         <p:spPr>
           <a:xfrm rot="0">
-            <a:off x="6893659" y="2598732"/>
+            <a:off x="2389368" y="2706351"/>
             <a:ext cx="4165408" cy="6370966"/>
           </a:xfrm>
           <a:prstGeom prst="rect">
@@ -10718,6 +8926,609 @@
                 <a:spcPct val="0"/>
               </a:spcBef>
             </a:pPr>
+          </a:p>
+        </p:txBody>
+      </p:sp>
+      <p:sp>
+        <p:nvSpPr>
+          <p:cNvPr name="Freeform 12" id="12"/>
+          <p:cNvSpPr/>
+          <p:nvPr/>
+        </p:nvSpPr>
+        <p:spPr>
+          <a:xfrm flipH="false" flipV="false" rot="-10800000">
+            <a:off x="7099571" y="2415089"/>
+            <a:ext cx="5183619" cy="7562309"/>
+          </a:xfrm>
+          <a:custGeom>
+            <a:avLst/>
+            <a:gdLst/>
+            <a:ahLst/>
+            <a:cxnLst/>
+            <a:rect r="r" b="b" t="t" l="l"/>
+            <a:pathLst>
+              <a:path h="7562309" w="5183619">
+                <a:moveTo>
+                  <a:pt x="0" y="0"/>
+                </a:moveTo>
+                <a:lnTo>
+                  <a:pt x="5183619" y="0"/>
+                </a:lnTo>
+                <a:lnTo>
+                  <a:pt x="5183619" y="7562309"/>
+                </a:lnTo>
+                <a:lnTo>
+                  <a:pt x="0" y="7562309"/>
+                </a:lnTo>
+                <a:lnTo>
+                  <a:pt x="0" y="0"/>
+                </a:lnTo>
+                <a:close/>
+              </a:path>
+            </a:pathLst>
+          </a:custGeom>
+          <a:blipFill>
+            <a:blip r:embed="rId14">
+              <a:extLst>
+                <a:ext uri="{96DAC541-7B7A-43D3-8B79-37D633B846F1}">
+                  <asvg:svgBlip xmlns:asvg="http://schemas.microsoft.com/office/drawing/2016/SVG/main" r:embed="rId15"/>
+                </a:ext>
+              </a:extLst>
+            </a:blip>
+            <a:stretch>
+              <a:fillRect l="0" t="0" r="0" b="0"/>
+            </a:stretch>
+          </a:blipFill>
+        </p:spPr>
+      </p:sp>
+      <p:sp>
+        <p:nvSpPr>
+          <p:cNvPr name="Freeform 13" id="13"/>
+          <p:cNvSpPr/>
+          <p:nvPr/>
+        </p:nvSpPr>
+        <p:spPr>
+          <a:xfrm flipH="false" flipV="false" rot="0">
+            <a:off x="12180334" y="2132922"/>
+            <a:ext cx="3301171" cy="2748835"/>
+          </a:xfrm>
+          <a:custGeom>
+            <a:avLst/>
+            <a:gdLst/>
+            <a:ahLst/>
+            <a:cxnLst/>
+            <a:rect r="r" b="b" t="t" l="l"/>
+            <a:pathLst>
+              <a:path h="2748835" w="3301171">
+                <a:moveTo>
+                  <a:pt x="0" y="0"/>
+                </a:moveTo>
+                <a:lnTo>
+                  <a:pt x="3301171" y="0"/>
+                </a:lnTo>
+                <a:lnTo>
+                  <a:pt x="3301171" y="2748835"/>
+                </a:lnTo>
+                <a:lnTo>
+                  <a:pt x="0" y="2748835"/>
+                </a:lnTo>
+                <a:lnTo>
+                  <a:pt x="0" y="0"/>
+                </a:lnTo>
+                <a:close/>
+              </a:path>
+            </a:pathLst>
+          </a:custGeom>
+          <a:blipFill>
+            <a:blip r:embed="rId17"/>
+            <a:stretch>
+              <a:fillRect l="0" t="0" r="0" b="0"/>
+            </a:stretch>
+          </a:blipFill>
+        </p:spPr>
+      </p:sp>
+      <p:sp>
+        <p:nvSpPr>
+          <p:cNvPr name="Freeform 14" id="14"/>
+          <p:cNvSpPr/>
+          <p:nvPr/>
+        </p:nvSpPr>
+        <p:spPr>
+          <a:xfrm flipH="false" flipV="false" rot="-6266201">
+            <a:off x="13740487" y="707527"/>
+            <a:ext cx="3147997" cy="2176053"/>
+          </a:xfrm>
+          <a:custGeom>
+            <a:avLst/>
+            <a:gdLst/>
+            <a:ahLst/>
+            <a:cxnLst/>
+            <a:rect r="r" b="b" t="t" l="l"/>
+            <a:pathLst>
+              <a:path h="2176053" w="3147997">
+                <a:moveTo>
+                  <a:pt x="0" y="0"/>
+                </a:moveTo>
+                <a:lnTo>
+                  <a:pt x="3147997" y="0"/>
+                </a:lnTo>
+                <a:lnTo>
+                  <a:pt x="3147997" y="2176053"/>
+                </a:lnTo>
+                <a:lnTo>
+                  <a:pt x="0" y="2176053"/>
+                </a:lnTo>
+                <a:lnTo>
+                  <a:pt x="0" y="0"/>
+                </a:lnTo>
+                <a:close/>
+              </a:path>
+            </a:pathLst>
+          </a:custGeom>
+          <a:blipFill>
+            <a:blip r:embed="rId18"/>
+            <a:stretch>
+              <a:fillRect l="0" t="0" r="0" b="0"/>
+            </a:stretch>
+          </a:blipFill>
+        </p:spPr>
+      </p:sp>
+      <p:sp>
+        <p:nvSpPr>
+          <p:cNvPr name="Freeform 15" id="15"/>
+          <p:cNvSpPr/>
+          <p:nvPr/>
+        </p:nvSpPr>
+        <p:spPr>
+          <a:xfrm flipH="false" flipV="false" rot="1732514">
+            <a:off x="14552402" y="3511391"/>
+            <a:ext cx="1858206" cy="1612039"/>
+          </a:xfrm>
+          <a:custGeom>
+            <a:avLst/>
+            <a:gdLst/>
+            <a:ahLst/>
+            <a:cxnLst/>
+            <a:rect r="r" b="b" t="t" l="l"/>
+            <a:pathLst>
+              <a:path h="1612039" w="1858206">
+                <a:moveTo>
+                  <a:pt x="0" y="0"/>
+                </a:moveTo>
+                <a:lnTo>
+                  <a:pt x="1858206" y="0"/>
+                </a:lnTo>
+                <a:lnTo>
+                  <a:pt x="1858206" y="1612039"/>
+                </a:lnTo>
+                <a:lnTo>
+                  <a:pt x="0" y="1612039"/>
+                </a:lnTo>
+                <a:lnTo>
+                  <a:pt x="0" y="0"/>
+                </a:lnTo>
+                <a:close/>
+              </a:path>
+            </a:pathLst>
+          </a:custGeom>
+          <a:blipFill>
+            <a:blip r:embed="rId19"/>
+            <a:stretch>
+              <a:fillRect l="0" t="-3664" r="0" b="-3664"/>
+            </a:stretch>
+          </a:blipFill>
+        </p:spPr>
+      </p:sp>
+      <p:sp>
+        <p:nvSpPr>
+          <p:cNvPr name="Freeform 16" id="16"/>
+          <p:cNvSpPr/>
+          <p:nvPr/>
+        </p:nvSpPr>
+        <p:spPr>
+          <a:xfrm flipH="false" flipV="false" rot="-6700255">
+            <a:off x="11988093" y="4563174"/>
+            <a:ext cx="2704946" cy="2704946"/>
+          </a:xfrm>
+          <a:custGeom>
+            <a:avLst/>
+            <a:gdLst/>
+            <a:ahLst/>
+            <a:cxnLst/>
+            <a:rect r="r" b="b" t="t" l="l"/>
+            <a:pathLst>
+              <a:path h="2704946" w="2704946">
+                <a:moveTo>
+                  <a:pt x="0" y="0"/>
+                </a:moveTo>
+                <a:lnTo>
+                  <a:pt x="2704946" y="0"/>
+                </a:lnTo>
+                <a:lnTo>
+                  <a:pt x="2704946" y="2704946"/>
+                </a:lnTo>
+                <a:lnTo>
+                  <a:pt x="0" y="2704946"/>
+                </a:lnTo>
+                <a:lnTo>
+                  <a:pt x="0" y="0"/>
+                </a:lnTo>
+                <a:close/>
+              </a:path>
+            </a:pathLst>
+          </a:custGeom>
+          <a:blipFill>
+            <a:blip r:embed="rId20"/>
+            <a:stretch>
+              <a:fillRect l="0" t="0" r="0" b="0"/>
+            </a:stretch>
+          </a:blipFill>
+        </p:spPr>
+      </p:sp>
+      <p:sp>
+        <p:nvSpPr>
+          <p:cNvPr name="Freeform 17" id="17"/>
+          <p:cNvSpPr/>
+          <p:nvPr/>
+        </p:nvSpPr>
+        <p:spPr>
+          <a:xfrm flipH="false" flipV="false" rot="-1177608">
+            <a:off x="12405581" y="8334519"/>
+            <a:ext cx="3511962" cy="1336215"/>
+          </a:xfrm>
+          <a:custGeom>
+            <a:avLst/>
+            <a:gdLst/>
+            <a:ahLst/>
+            <a:cxnLst/>
+            <a:rect r="r" b="b" t="t" l="l"/>
+            <a:pathLst>
+              <a:path h="1336215" w="3511962">
+                <a:moveTo>
+                  <a:pt x="0" y="0"/>
+                </a:moveTo>
+                <a:lnTo>
+                  <a:pt x="3511962" y="0"/>
+                </a:lnTo>
+                <a:lnTo>
+                  <a:pt x="3511962" y="1336215"/>
+                </a:lnTo>
+                <a:lnTo>
+                  <a:pt x="0" y="1336215"/>
+                </a:lnTo>
+                <a:lnTo>
+                  <a:pt x="0" y="0"/>
+                </a:lnTo>
+                <a:close/>
+              </a:path>
+            </a:pathLst>
+          </a:custGeom>
+          <a:blipFill>
+            <a:blip r:embed="rId21"/>
+            <a:stretch>
+              <a:fillRect l="0" t="-3679" r="0" b="-7037"/>
+            </a:stretch>
+          </a:blipFill>
+        </p:spPr>
+      </p:sp>
+      <p:sp>
+        <p:nvSpPr>
+          <p:cNvPr name="Freeform 18" id="18"/>
+          <p:cNvSpPr/>
+          <p:nvPr/>
+        </p:nvSpPr>
+        <p:spPr>
+          <a:xfrm flipH="false" flipV="false" rot="-4036681">
+            <a:off x="14293794" y="6183651"/>
+            <a:ext cx="2344716" cy="2344716"/>
+          </a:xfrm>
+          <a:custGeom>
+            <a:avLst/>
+            <a:gdLst/>
+            <a:ahLst/>
+            <a:cxnLst/>
+            <a:rect r="r" b="b" t="t" l="l"/>
+            <a:pathLst>
+              <a:path h="2344716" w="2344716">
+                <a:moveTo>
+                  <a:pt x="0" y="0"/>
+                </a:moveTo>
+                <a:lnTo>
+                  <a:pt x="2344715" y="0"/>
+                </a:lnTo>
+                <a:lnTo>
+                  <a:pt x="2344715" y="2344716"/>
+                </a:lnTo>
+                <a:lnTo>
+                  <a:pt x="0" y="2344716"/>
+                </a:lnTo>
+                <a:lnTo>
+                  <a:pt x="0" y="0"/>
+                </a:lnTo>
+                <a:close/>
+              </a:path>
+            </a:pathLst>
+          </a:custGeom>
+          <a:blipFill>
+            <a:blip r:embed="rId22"/>
+            <a:stretch>
+              <a:fillRect l="0" t="0" r="0" b="0"/>
+            </a:stretch>
+          </a:blipFill>
+        </p:spPr>
+      </p:sp>
+      <p:sp>
+        <p:nvSpPr>
+          <p:cNvPr name="Freeform 19" id="19"/>
+          <p:cNvSpPr/>
+          <p:nvPr/>
+        </p:nvSpPr>
+        <p:spPr>
+          <a:xfrm flipH="false" flipV="false" rot="-8100000">
+            <a:off x="11665735" y="6525200"/>
+            <a:ext cx="3260222" cy="1833875"/>
+          </a:xfrm>
+          <a:custGeom>
+            <a:avLst/>
+            <a:gdLst/>
+            <a:ahLst/>
+            <a:cxnLst/>
+            <a:rect r="r" b="b" t="t" l="l"/>
+            <a:pathLst>
+              <a:path h="1833875" w="3260222">
+                <a:moveTo>
+                  <a:pt x="0" y="0"/>
+                </a:moveTo>
+                <a:lnTo>
+                  <a:pt x="3260222" y="0"/>
+                </a:lnTo>
+                <a:lnTo>
+                  <a:pt x="3260222" y="1833875"/>
+                </a:lnTo>
+                <a:lnTo>
+                  <a:pt x="0" y="1833875"/>
+                </a:lnTo>
+                <a:lnTo>
+                  <a:pt x="0" y="0"/>
+                </a:lnTo>
+                <a:close/>
+              </a:path>
+            </a:pathLst>
+          </a:custGeom>
+          <a:blipFill>
+            <a:blip r:embed="rId23"/>
+            <a:stretch>
+              <a:fillRect l="0" t="0" r="0" b="0"/>
+            </a:stretch>
+          </a:blipFill>
+        </p:spPr>
+      </p:sp>
+      <p:sp>
+        <p:nvSpPr>
+          <p:cNvPr name="TextBox 20" id="20"/>
+          <p:cNvSpPr txBox="true"/>
+          <p:nvPr/>
+        </p:nvSpPr>
+        <p:spPr>
+          <a:xfrm rot="0">
+            <a:off x="7547129" y="3321187"/>
+            <a:ext cx="4633204" cy="5740587"/>
+          </a:xfrm>
+          <a:prstGeom prst="rect">
+            <a:avLst/>
+          </a:prstGeom>
+        </p:spPr>
+        <p:txBody>
+          <a:bodyPr anchor="t" rtlCol="false" tIns="0" lIns="0" bIns="0" rIns="0">
+            <a:spAutoFit/>
+          </a:bodyPr>
+          <a:lstStyle/>
+          <a:p>
+            <a:pPr algn="l">
+              <a:lnSpc>
+                <a:spcPts val="4558"/>
+              </a:lnSpc>
+            </a:pPr>
+            <a:r>
+              <a:rPr lang="en-US" sz="3256">
+                <a:solidFill>
+                  <a:srgbClr val="000000"/>
+                </a:solidFill>
+                <a:latin typeface="Glacial Indifference"/>
+                <a:ea typeface="Glacial Indifference"/>
+                <a:cs typeface="Glacial Indifference"/>
+                <a:sym typeface="Glacial Indifference"/>
+              </a:rPr>
+              <a:t>Componentes utilizados:</a:t>
+            </a:r>
+          </a:p>
+          <a:p>
+            <a:pPr algn="l" marL="702999" indent="-351499" lvl="1">
+              <a:lnSpc>
+                <a:spcPts val="4558"/>
+              </a:lnSpc>
+              <a:buAutoNum type="arabicPeriod" startAt="1"/>
+            </a:pPr>
+            <a:r>
+              <a:rPr lang="en-US" sz="3256">
+                <a:solidFill>
+                  <a:srgbClr val="000000"/>
+                </a:solidFill>
+                <a:latin typeface="Glacial Indifference"/>
+                <a:ea typeface="Glacial Indifference"/>
+                <a:cs typeface="Glacial Indifference"/>
+                <a:sym typeface="Glacial Indifference"/>
+              </a:rPr>
+              <a:t>Potenciómetro (1)</a:t>
+            </a:r>
+          </a:p>
+          <a:p>
+            <a:pPr algn="l" marL="702999" indent="-351499" lvl="1">
+              <a:lnSpc>
+                <a:spcPts val="4558"/>
+              </a:lnSpc>
+              <a:buAutoNum type="arabicPeriod" startAt="1"/>
+            </a:pPr>
+            <a:r>
+              <a:rPr lang="en-US" sz="3256">
+                <a:solidFill>
+                  <a:srgbClr val="000000"/>
+                </a:solidFill>
+                <a:latin typeface="Glacial Indifference"/>
+                <a:ea typeface="Glacial Indifference"/>
+                <a:cs typeface="Glacial Indifference"/>
+                <a:sym typeface="Glacial Indifference"/>
+              </a:rPr>
+              <a:t>Pantalla LCD 16X2 (1)</a:t>
+            </a:r>
+          </a:p>
+          <a:p>
+            <a:pPr algn="l" marL="702999" indent="-351499" lvl="1">
+              <a:lnSpc>
+                <a:spcPts val="4558"/>
+              </a:lnSpc>
+              <a:buAutoNum type="arabicPeriod" startAt="1"/>
+            </a:pPr>
+            <a:r>
+              <a:rPr lang="en-US" sz="3256">
+                <a:solidFill>
+                  <a:srgbClr val="000000"/>
+                </a:solidFill>
+                <a:latin typeface="Glacial Indifference"/>
+                <a:ea typeface="Glacial Indifference"/>
+                <a:cs typeface="Glacial Indifference"/>
+                <a:sym typeface="Glacial Indifference"/>
+              </a:rPr>
+              <a:t>Pulsador(1)</a:t>
+            </a:r>
+          </a:p>
+          <a:p>
+            <a:pPr algn="l" marL="702999" indent="-351499" lvl="1">
+              <a:lnSpc>
+                <a:spcPts val="4558"/>
+              </a:lnSpc>
+              <a:buAutoNum type="arabicPeriod" startAt="1"/>
+            </a:pPr>
+            <a:r>
+              <a:rPr lang="en-US" sz="3256">
+                <a:solidFill>
+                  <a:srgbClr val="000000"/>
+                </a:solidFill>
+                <a:latin typeface="Glacial Indifference"/>
+                <a:ea typeface="Glacial Indifference"/>
+                <a:cs typeface="Glacial Indifference"/>
+                <a:sym typeface="Glacial Indifference"/>
+              </a:rPr>
+              <a:t>LED(1)</a:t>
+            </a:r>
+          </a:p>
+          <a:p>
+            <a:pPr algn="l" marL="702999" indent="-351499" lvl="1">
+              <a:lnSpc>
+                <a:spcPts val="4558"/>
+              </a:lnSpc>
+              <a:buAutoNum type="arabicPeriod" startAt="1"/>
+            </a:pPr>
+            <a:r>
+              <a:rPr lang="en-US" sz="3256">
+                <a:solidFill>
+                  <a:srgbClr val="000000"/>
+                </a:solidFill>
+                <a:latin typeface="Glacial Indifference"/>
+                <a:ea typeface="Glacial Indifference"/>
+                <a:cs typeface="Glacial Indifference"/>
+                <a:sym typeface="Glacial Indifference"/>
+              </a:rPr>
+              <a:t>Cables</a:t>
+            </a:r>
+          </a:p>
+          <a:p>
+            <a:pPr algn="l" marL="702999" indent="-351499" lvl="1">
+              <a:lnSpc>
+                <a:spcPts val="4558"/>
+              </a:lnSpc>
+              <a:buAutoNum type="arabicPeriod" startAt="1"/>
+            </a:pPr>
+            <a:r>
+              <a:rPr lang="en-US" sz="3256">
+                <a:solidFill>
+                  <a:srgbClr val="000000"/>
+                </a:solidFill>
+                <a:latin typeface="Glacial Indifference"/>
+                <a:ea typeface="Glacial Indifference"/>
+                <a:cs typeface="Glacial Indifference"/>
+                <a:sym typeface="Glacial Indifference"/>
+              </a:rPr>
+              <a:t>Resistencias 220 </a:t>
+            </a:r>
+            <a:r>
+              <a:rPr lang="en-US" sz="3256" u="sng">
+                <a:solidFill>
+                  <a:srgbClr val="000000"/>
+                </a:solidFill>
+                <a:latin typeface="Glacial Indifference"/>
+                <a:ea typeface="Glacial Indifference"/>
+                <a:cs typeface="Glacial Indifference"/>
+                <a:sym typeface="Glacial Indifference"/>
+                <a:hlinkClick r:id="rId24" tooltip="https://es.wikipedia.org/wiki/%CE%A9"/>
+              </a:rPr>
+              <a:t>Ω</a:t>
+            </a:r>
+            <a:r>
+              <a:rPr lang="en-US" sz="3256">
+                <a:solidFill>
+                  <a:srgbClr val="000000"/>
+                </a:solidFill>
+                <a:latin typeface="Glacial Indifference"/>
+                <a:ea typeface="Glacial Indifference"/>
+                <a:cs typeface="Glacial Indifference"/>
+                <a:sym typeface="Glacial Indifference"/>
+              </a:rPr>
+              <a:t>(2)</a:t>
+            </a:r>
+          </a:p>
+          <a:p>
+            <a:pPr algn="l" marL="702999" indent="-351499" lvl="1">
+              <a:lnSpc>
+                <a:spcPts val="4558"/>
+              </a:lnSpc>
+              <a:buAutoNum type="arabicPeriod" startAt="1"/>
+            </a:pPr>
+            <a:r>
+              <a:rPr lang="en-US" sz="3256">
+                <a:solidFill>
+                  <a:srgbClr val="000000"/>
+                </a:solidFill>
+                <a:latin typeface="Glacial Indifference"/>
+                <a:ea typeface="Glacial Indifference"/>
+                <a:cs typeface="Glacial Indifference"/>
+                <a:sym typeface="Glacial Indifference"/>
+              </a:rPr>
+              <a:t>Arduino(1)</a:t>
+            </a:r>
+          </a:p>
+          <a:p>
+            <a:pPr algn="l" marL="702999" indent="-351499" lvl="1">
+              <a:lnSpc>
+                <a:spcPts val="4558"/>
+              </a:lnSpc>
+              <a:spcBef>
+                <a:spcPct val="0"/>
+              </a:spcBef>
+              <a:buAutoNum type="arabicPeriod" startAt="1"/>
+            </a:pPr>
+            <a:r>
+              <a:rPr lang="en-US" sz="3256">
+                <a:solidFill>
+                  <a:srgbClr val="000000"/>
+                </a:solidFill>
+                <a:latin typeface="Glacial Indifference"/>
+                <a:ea typeface="Glacial Indifference"/>
+                <a:cs typeface="Glacial Indifference"/>
+                <a:sym typeface="Glacial Indifference"/>
+              </a:rPr>
+              <a:t>Placa de pruebas(1)</a:t>
+            </a:r>
           </a:p>
         </p:txBody>
       </p:sp>
@@ -11072,9 +9883,9 @@
           <p:nvPr/>
         </p:nvSpPr>
         <p:spPr>
-          <a:xfrm flipH="false" flipV="false" rot="-10800000">
-            <a:off x="2208032" y="2230862"/>
-            <a:ext cx="5183619" cy="7562309"/>
+          <a:xfrm flipH="false" flipV="false" rot="0">
+            <a:off x="7066781" y="3585712"/>
+            <a:ext cx="4154438" cy="1223886"/>
           </a:xfrm>
           <a:custGeom>
             <a:avLst/>
@@ -11083,18 +9894,18 @@
             <a:cxnLst/>
             <a:rect r="r" b="b" t="t" l="l"/>
             <a:pathLst>
-              <a:path h="7562309" w="5183619">
+              <a:path h="1223886" w="4154438">
                 <a:moveTo>
                   <a:pt x="0" y="0"/>
                 </a:moveTo>
                 <a:lnTo>
-                  <a:pt x="5183619" y="0"/>
-                </a:lnTo>
-                <a:lnTo>
-                  <a:pt x="5183619" y="7562309"/>
-                </a:lnTo>
-                <a:lnTo>
-                  <a:pt x="0" y="7562309"/>
+                  <a:pt x="4154438" y="0"/>
+                </a:lnTo>
+                <a:lnTo>
+                  <a:pt x="4154438" y="1223886"/>
+                </a:lnTo>
+                <a:lnTo>
+                  <a:pt x="0" y="1223886"/>
                 </a:lnTo>
                 <a:lnTo>
                   <a:pt x="0" y="0"/>
@@ -11125,8 +9936,8 @@
         </p:nvSpPr>
         <p:spPr>
           <a:xfrm flipH="false" flipV="false" rot="0">
-            <a:off x="7391651" y="2394665"/>
-            <a:ext cx="3301171" cy="2748835"/>
+            <a:off x="2548327" y="5879925"/>
+            <a:ext cx="3345130" cy="2956911"/>
           </a:xfrm>
           <a:custGeom>
             <a:avLst/>
@@ -11135,18 +9946,18 @@
             <a:cxnLst/>
             <a:rect r="r" b="b" t="t" l="l"/>
             <a:pathLst>
-              <a:path h="2748835" w="3301171">
+              <a:path h="2956911" w="3345130">
                 <a:moveTo>
                   <a:pt x="0" y="0"/>
                 </a:moveTo>
                 <a:lnTo>
-                  <a:pt x="3301171" y="0"/>
-                </a:lnTo>
-                <a:lnTo>
-                  <a:pt x="3301171" y="2748835"/>
-                </a:lnTo>
-                <a:lnTo>
-                  <a:pt x="0" y="2748835"/>
+                  <a:pt x="3345130" y="0"/>
+                </a:lnTo>
+                <a:lnTo>
+                  <a:pt x="3345130" y="2956911"/>
+                </a:lnTo>
+                <a:lnTo>
+                  <a:pt x="0" y="2956911"/>
                 </a:lnTo>
                 <a:lnTo>
                   <a:pt x="0" y="0"/>
@@ -11158,7 +9969,7 @@
           <a:blipFill>
             <a:blip r:embed="rId16"/>
             <a:stretch>
-              <a:fillRect l="0" t="0" r="0" b="0"/>
+              <a:fillRect l="-8341" t="0" r="-14563" b="0"/>
             </a:stretch>
           </a:blipFill>
         </p:spPr>
@@ -11170,9 +9981,9 @@
           <p:nvPr/>
         </p:nvSpPr>
         <p:spPr>
-          <a:xfrm flipH="false" flipV="false" rot="-6266201">
-            <a:off x="12226228" y="2295376"/>
-            <a:ext cx="3648673" cy="2522145"/>
+          <a:xfrm flipH="false" flipV="false" rot="-2384199">
+            <a:off x="5949443" y="5902744"/>
+            <a:ext cx="1771331" cy="1779758"/>
           </a:xfrm>
           <a:custGeom>
             <a:avLst/>
@@ -11181,18 +9992,18 @@
             <a:cxnLst/>
             <a:rect r="r" b="b" t="t" l="l"/>
             <a:pathLst>
-              <a:path h="2522145" w="3648673">
+              <a:path h="1779758" w="1771331">
                 <a:moveTo>
                   <a:pt x="0" y="0"/>
                 </a:moveTo>
                 <a:lnTo>
-                  <a:pt x="3648673" y="0"/>
-                </a:lnTo>
-                <a:lnTo>
-                  <a:pt x="3648673" y="2522145"/>
-                </a:lnTo>
-                <a:lnTo>
-                  <a:pt x="0" y="2522145"/>
+                  <a:pt x="1771330" y="0"/>
+                </a:lnTo>
+                <a:lnTo>
+                  <a:pt x="1771330" y="1779757"/>
+                </a:lnTo>
+                <a:lnTo>
+                  <a:pt x="0" y="1779757"/>
                 </a:lnTo>
                 <a:lnTo>
                   <a:pt x="0" y="0"/>
@@ -11202,7 +10013,13 @@
             </a:pathLst>
           </a:custGeom>
           <a:blipFill>
-            <a:blip r:embed="rId17"/>
+            <a:blip r:embed="rId17">
+              <a:extLst>
+                <a:ext uri="{96DAC541-7B7A-43D3-8B79-37D633B846F1}">
+                  <asvg:svgBlip xmlns:asvg="http://schemas.microsoft.com/office/drawing/2016/SVG/main" r:embed="rId18"/>
+                </a:ext>
+              </a:extLst>
+            </a:blip>
             <a:stretch>
               <a:fillRect l="0" t="0" r="0" b="0"/>
             </a:stretch>
@@ -11211,237 +10028,7 @@
       </p:sp>
       <p:sp>
         <p:nvSpPr>
-          <p:cNvPr name="Freeform 11" id="11"/>
-          <p:cNvSpPr/>
-          <p:nvPr/>
-        </p:nvSpPr>
-        <p:spPr>
-          <a:xfrm flipH="false" flipV="false" rot="1732514">
-            <a:off x="10746944" y="2910926"/>
-            <a:ext cx="1858206" cy="1612039"/>
-          </a:xfrm>
-          <a:custGeom>
-            <a:avLst/>
-            <a:gdLst/>
-            <a:ahLst/>
-            <a:cxnLst/>
-            <a:rect r="r" b="b" t="t" l="l"/>
-            <a:pathLst>
-              <a:path h="1612039" w="1858206">
-                <a:moveTo>
-                  <a:pt x="0" y="0"/>
-                </a:moveTo>
-                <a:lnTo>
-                  <a:pt x="1858206" y="0"/>
-                </a:lnTo>
-                <a:lnTo>
-                  <a:pt x="1858206" y="1612040"/>
-                </a:lnTo>
-                <a:lnTo>
-                  <a:pt x="0" y="1612040"/>
-                </a:lnTo>
-                <a:lnTo>
-                  <a:pt x="0" y="0"/>
-                </a:lnTo>
-                <a:close/>
-              </a:path>
-            </a:pathLst>
-          </a:custGeom>
-          <a:blipFill>
-            <a:blip r:embed="rId18"/>
-            <a:stretch>
-              <a:fillRect l="0" t="-3664" r="0" b="-3664"/>
-            </a:stretch>
-          </a:blipFill>
-        </p:spPr>
-      </p:sp>
-      <p:sp>
-        <p:nvSpPr>
-          <p:cNvPr name="Freeform 12" id="12"/>
-          <p:cNvSpPr/>
-          <p:nvPr/>
-        </p:nvSpPr>
-        <p:spPr>
-          <a:xfrm flipH="false" flipV="false" rot="-6700255">
-            <a:off x="9547842" y="3518950"/>
-            <a:ext cx="2704946" cy="2704946"/>
-          </a:xfrm>
-          <a:custGeom>
-            <a:avLst/>
-            <a:gdLst/>
-            <a:ahLst/>
-            <a:cxnLst/>
-            <a:rect r="r" b="b" t="t" l="l"/>
-            <a:pathLst>
-              <a:path h="2704946" w="2704946">
-                <a:moveTo>
-                  <a:pt x="0" y="0"/>
-                </a:moveTo>
-                <a:lnTo>
-                  <a:pt x="2704946" y="0"/>
-                </a:lnTo>
-                <a:lnTo>
-                  <a:pt x="2704946" y="2704946"/>
-                </a:lnTo>
-                <a:lnTo>
-                  <a:pt x="0" y="2704946"/>
-                </a:lnTo>
-                <a:lnTo>
-                  <a:pt x="0" y="0"/>
-                </a:lnTo>
-                <a:close/>
-              </a:path>
-            </a:pathLst>
-          </a:custGeom>
-          <a:blipFill>
-            <a:blip r:embed="rId19"/>
-            <a:stretch>
-              <a:fillRect l="0" t="0" r="0" b="0"/>
-            </a:stretch>
-          </a:blipFill>
-        </p:spPr>
-      </p:sp>
-      <p:sp>
-        <p:nvSpPr>
-          <p:cNvPr name="Freeform 13" id="13"/>
-          <p:cNvSpPr/>
-          <p:nvPr/>
-        </p:nvSpPr>
-        <p:spPr>
-          <a:xfrm flipH="false" flipV="false" rot="-1177608">
-            <a:off x="7445201" y="5847644"/>
-            <a:ext cx="4488039" cy="1707589"/>
-          </a:xfrm>
-          <a:custGeom>
-            <a:avLst/>
-            <a:gdLst/>
-            <a:ahLst/>
-            <a:cxnLst/>
-            <a:rect r="r" b="b" t="t" l="l"/>
-            <a:pathLst>
-              <a:path h="1707589" w="4488039">
-                <a:moveTo>
-                  <a:pt x="0" y="0"/>
-                </a:moveTo>
-                <a:lnTo>
-                  <a:pt x="4488039" y="0"/>
-                </a:lnTo>
-                <a:lnTo>
-                  <a:pt x="4488039" y="1707588"/>
-                </a:lnTo>
-                <a:lnTo>
-                  <a:pt x="0" y="1707588"/>
-                </a:lnTo>
-                <a:lnTo>
-                  <a:pt x="0" y="0"/>
-                </a:lnTo>
-                <a:close/>
-              </a:path>
-            </a:pathLst>
-          </a:custGeom>
-          <a:blipFill>
-            <a:blip r:embed="rId20"/>
-            <a:stretch>
-              <a:fillRect l="0" t="-3679" r="0" b="-7037"/>
-            </a:stretch>
-          </a:blipFill>
-        </p:spPr>
-      </p:sp>
-      <p:sp>
-        <p:nvSpPr>
-          <p:cNvPr name="Freeform 14" id="14"/>
-          <p:cNvSpPr/>
-          <p:nvPr/>
-        </p:nvSpPr>
-        <p:spPr>
-          <a:xfrm flipH="false" flipV="false" rot="-4036681">
-            <a:off x="12098779" y="4586943"/>
-            <a:ext cx="2344716" cy="2344716"/>
-          </a:xfrm>
-          <a:custGeom>
-            <a:avLst/>
-            <a:gdLst/>
-            <a:ahLst/>
-            <a:cxnLst/>
-            <a:rect r="r" b="b" t="t" l="l"/>
-            <a:pathLst>
-              <a:path h="2344716" w="2344716">
-                <a:moveTo>
-                  <a:pt x="0" y="0"/>
-                </a:moveTo>
-                <a:lnTo>
-                  <a:pt x="2344716" y="0"/>
-                </a:lnTo>
-                <a:lnTo>
-                  <a:pt x="2344716" y="2344716"/>
-                </a:lnTo>
-                <a:lnTo>
-                  <a:pt x="0" y="2344716"/>
-                </a:lnTo>
-                <a:lnTo>
-                  <a:pt x="0" y="0"/>
-                </a:lnTo>
-                <a:close/>
-              </a:path>
-            </a:pathLst>
-          </a:custGeom>
-          <a:blipFill>
-            <a:blip r:embed="rId21"/>
-            <a:stretch>
-              <a:fillRect l="0" t="0" r="0" b="0"/>
-            </a:stretch>
-          </a:blipFill>
-        </p:spPr>
-      </p:sp>
-      <p:sp>
-        <p:nvSpPr>
-          <p:cNvPr name="Freeform 15" id="15"/>
-          <p:cNvSpPr/>
-          <p:nvPr/>
-        </p:nvSpPr>
-        <p:spPr>
-          <a:xfrm flipH="false" flipV="false" rot="-8100000">
-            <a:off x="11248756" y="7121750"/>
-            <a:ext cx="3260222" cy="1833875"/>
-          </a:xfrm>
-          <a:custGeom>
-            <a:avLst/>
-            <a:gdLst/>
-            <a:ahLst/>
-            <a:cxnLst/>
-            <a:rect r="r" b="b" t="t" l="l"/>
-            <a:pathLst>
-              <a:path h="1833875" w="3260222">
-                <a:moveTo>
-                  <a:pt x="0" y="0"/>
-                </a:moveTo>
-                <a:lnTo>
-                  <a:pt x="3260223" y="0"/>
-                </a:lnTo>
-                <a:lnTo>
-                  <a:pt x="3260223" y="1833874"/>
-                </a:lnTo>
-                <a:lnTo>
-                  <a:pt x="0" y="1833874"/>
-                </a:lnTo>
-                <a:lnTo>
-                  <a:pt x="0" y="0"/>
-                </a:lnTo>
-                <a:close/>
-              </a:path>
-            </a:pathLst>
-          </a:custGeom>
-          <a:blipFill>
-            <a:blip r:embed="rId22"/>
-            <a:stretch>
-              <a:fillRect l="0" t="0" r="0" b="0"/>
-            </a:stretch>
-          </a:blipFill>
-        </p:spPr>
-      </p:sp>
-      <p:sp>
-        <p:nvSpPr>
-          <p:cNvPr name="TextBox 16" id="16"/>
+          <p:cNvPr name="TextBox 11" id="11"/>
           <p:cNvSpPr txBox="true"/>
           <p:nvPr/>
         </p:nvSpPr>
@@ -11482,14 +10069,14 @@
       </p:sp>
       <p:sp>
         <p:nvSpPr>
-          <p:cNvPr name="TextBox 17" id="17"/>
+          <p:cNvPr name="TextBox 12" id="12"/>
           <p:cNvSpPr txBox="true"/>
           <p:nvPr/>
         </p:nvSpPr>
         <p:spPr>
           <a:xfrm rot="0">
-            <a:off x="2655590" y="3136961"/>
-            <a:ext cx="4633204" cy="5740587"/>
+            <a:off x="7150397" y="3768504"/>
+            <a:ext cx="4044355" cy="763053"/>
           </a:xfrm>
           <a:prstGeom prst="rect">
             <a:avLst/>
@@ -11501,13 +10088,54 @@
           </a:bodyPr>
           <a:lstStyle/>
           <a:p>
-            <a:pPr algn="l">
+            <a:pPr algn="ctr">
               <a:lnSpc>
-                <a:spcPts val="4558"/>
+                <a:spcPts val="6139"/>
               </a:lnSpc>
             </a:pPr>
             <a:r>
-              <a:rPr lang="en-US" sz="3256">
+              <a:rPr lang="en-US" sz="4385" b="true">
+                <a:solidFill>
+                  <a:srgbClr val="000000"/>
+                </a:solidFill>
+                <a:latin typeface="Glacial Indifference Bold"/>
+                <a:ea typeface="Glacial Indifference Bold"/>
+                <a:cs typeface="Glacial Indifference Bold"/>
+                <a:sym typeface="Glacial Indifference Bold"/>
+              </a:rPr>
+              <a:t>Problemáticas</a:t>
+            </a:r>
+          </a:p>
+        </p:txBody>
+      </p:sp>
+      <p:sp>
+        <p:nvSpPr>
+          <p:cNvPr name="TextBox 13" id="13"/>
+          <p:cNvSpPr txBox="true"/>
+          <p:nvPr/>
+        </p:nvSpPr>
+        <p:spPr>
+          <a:xfrm rot="0">
+            <a:off x="7331732" y="5399073"/>
+            <a:ext cx="9056378" cy="1481349"/>
+          </a:xfrm>
+          <a:prstGeom prst="rect">
+            <a:avLst/>
+          </a:prstGeom>
+        </p:spPr>
+        <p:txBody>
+          <a:bodyPr anchor="t" rtlCol="false" tIns="0" lIns="0" bIns="0" rIns="0">
+            <a:spAutoFit/>
+          </a:bodyPr>
+          <a:lstStyle/>
+          <a:p>
+            <a:pPr algn="ctr">
+              <a:lnSpc>
+                <a:spcPts val="3940"/>
+              </a:lnSpc>
+            </a:pPr>
+            <a:r>
+              <a:rPr lang="en-US" sz="2814">
                 <a:solidFill>
                   <a:srgbClr val="000000"/>
                 </a:solidFill>
@@ -11516,18 +10144,24 @@
                 <a:cs typeface="Glacial Indifference"/>
                 <a:sym typeface="Glacial Indifference"/>
               </a:rPr>
-              <a:t>Componentes utilizados:</a:t>
-            </a:r>
-          </a:p>
-          <a:p>
-            <a:pPr algn="l" marL="702999" indent="-351499" lvl="1">
+              <a:t>Módulos Bluetooth HC-05, HC-06 (Maestro y esclavo)</a:t>
+            </a:r>
+          </a:p>
+          <a:p>
+            <a:pPr algn="ctr">
               <a:lnSpc>
-                <a:spcPts val="4558"/>
+                <a:spcPts val="3940"/>
               </a:lnSpc>
-              <a:buAutoNum type="arabicPeriod" startAt="1"/>
             </a:pPr>
-            <a:r>
-              <a:rPr lang="en-US" sz="3256">
+          </a:p>
+          <a:p>
+            <a:pPr algn="ctr">
+              <a:lnSpc>
+                <a:spcPts val="3940"/>
+              </a:lnSpc>
+            </a:pPr>
+            <a:r>
+              <a:rPr lang="en-US" sz="2814">
                 <a:solidFill>
                   <a:srgbClr val="000000"/>
                 </a:solidFill>
@@ -11536,175 +10170,7 @@
                 <a:cs typeface="Glacial Indifference"/>
                 <a:sym typeface="Glacial Indifference"/>
               </a:rPr>
-              <a:t>Potenciómetro (1)</a:t>
-            </a:r>
-          </a:p>
-          <a:p>
-            <a:pPr algn="l" marL="702999" indent="-351499" lvl="1">
-              <a:lnSpc>
-                <a:spcPts val="4558"/>
-              </a:lnSpc>
-              <a:buAutoNum type="arabicPeriod" startAt="1"/>
-            </a:pPr>
-            <a:r>
-              <a:rPr lang="en-US" sz="3256">
-                <a:solidFill>
-                  <a:srgbClr val="000000"/>
-                </a:solidFill>
-                <a:latin typeface="Glacial Indifference"/>
-                <a:ea typeface="Glacial Indifference"/>
-                <a:cs typeface="Glacial Indifference"/>
-                <a:sym typeface="Glacial Indifference"/>
-              </a:rPr>
-              <a:t>Pantalla LCD 16X2 (1)</a:t>
-            </a:r>
-          </a:p>
-          <a:p>
-            <a:pPr algn="l" marL="702999" indent="-351499" lvl="1">
-              <a:lnSpc>
-                <a:spcPts val="4558"/>
-              </a:lnSpc>
-              <a:buAutoNum type="arabicPeriod" startAt="1"/>
-            </a:pPr>
-            <a:r>
-              <a:rPr lang="en-US" sz="3256">
-                <a:solidFill>
-                  <a:srgbClr val="000000"/>
-                </a:solidFill>
-                <a:latin typeface="Glacial Indifference"/>
-                <a:ea typeface="Glacial Indifference"/>
-                <a:cs typeface="Glacial Indifference"/>
-                <a:sym typeface="Glacial Indifference"/>
-              </a:rPr>
-              <a:t>Pulsador(1)</a:t>
-            </a:r>
-          </a:p>
-          <a:p>
-            <a:pPr algn="l" marL="702999" indent="-351499" lvl="1">
-              <a:lnSpc>
-                <a:spcPts val="4558"/>
-              </a:lnSpc>
-              <a:buAutoNum type="arabicPeriod" startAt="1"/>
-            </a:pPr>
-            <a:r>
-              <a:rPr lang="en-US" sz="3256">
-                <a:solidFill>
-                  <a:srgbClr val="000000"/>
-                </a:solidFill>
-                <a:latin typeface="Glacial Indifference"/>
-                <a:ea typeface="Glacial Indifference"/>
-                <a:cs typeface="Glacial Indifference"/>
-                <a:sym typeface="Glacial Indifference"/>
-              </a:rPr>
-              <a:t>LED(1)</a:t>
-            </a:r>
-          </a:p>
-          <a:p>
-            <a:pPr algn="l" marL="702999" indent="-351499" lvl="1">
-              <a:lnSpc>
-                <a:spcPts val="4558"/>
-              </a:lnSpc>
-              <a:buAutoNum type="arabicPeriod" startAt="1"/>
-            </a:pPr>
-            <a:r>
-              <a:rPr lang="en-US" sz="3256">
-                <a:solidFill>
-                  <a:srgbClr val="000000"/>
-                </a:solidFill>
-                <a:latin typeface="Glacial Indifference"/>
-                <a:ea typeface="Glacial Indifference"/>
-                <a:cs typeface="Glacial Indifference"/>
-                <a:sym typeface="Glacial Indifference"/>
-              </a:rPr>
-              <a:t>Cables</a:t>
-            </a:r>
-          </a:p>
-          <a:p>
-            <a:pPr algn="l" marL="702999" indent="-351499" lvl="1">
-              <a:lnSpc>
-                <a:spcPts val="4558"/>
-              </a:lnSpc>
-              <a:buAutoNum type="arabicPeriod" startAt="1"/>
-            </a:pPr>
-            <a:r>
-              <a:rPr lang="en-US" sz="3256">
-                <a:solidFill>
-                  <a:srgbClr val="000000"/>
-                </a:solidFill>
-                <a:latin typeface="Glacial Indifference"/>
-                <a:ea typeface="Glacial Indifference"/>
-                <a:cs typeface="Glacial Indifference"/>
-                <a:sym typeface="Glacial Indifference"/>
-              </a:rPr>
-              <a:t>Resistencias 220 </a:t>
-            </a:r>
-            <a:r>
-              <a:rPr lang="en-US" sz="3256" u="sng">
-                <a:solidFill>
-                  <a:srgbClr val="000000"/>
-                </a:solidFill>
-                <a:latin typeface="Glacial Indifference"/>
-                <a:ea typeface="Glacial Indifference"/>
-                <a:cs typeface="Glacial Indifference"/>
-                <a:sym typeface="Glacial Indifference"/>
-                <a:hlinkClick r:id="rId23" tooltip="https://es.wikipedia.org/wiki/%CE%A9"/>
-              </a:rPr>
-              <a:t>Ω</a:t>
-            </a:r>
-            <a:r>
-              <a:rPr lang="en-US" sz="3256">
-                <a:solidFill>
-                  <a:srgbClr val="000000"/>
-                </a:solidFill>
-                <a:latin typeface="Glacial Indifference"/>
-                <a:ea typeface="Glacial Indifference"/>
-                <a:cs typeface="Glacial Indifference"/>
-                <a:sym typeface="Glacial Indifference"/>
-              </a:rPr>
-              <a:t>(2)</a:t>
-            </a:r>
-          </a:p>
-          <a:p>
-            <a:pPr algn="l" marL="702999" indent="-351499" lvl="1">
-              <a:lnSpc>
-                <a:spcPts val="4558"/>
-              </a:lnSpc>
-              <a:buAutoNum type="arabicPeriod" startAt="1"/>
-            </a:pPr>
-            <a:r>
-              <a:rPr lang="en-US" sz="3256">
-                <a:solidFill>
-                  <a:srgbClr val="000000"/>
-                </a:solidFill>
-                <a:latin typeface="Glacial Indifference"/>
-                <a:ea typeface="Glacial Indifference"/>
-                <a:cs typeface="Glacial Indifference"/>
-                <a:sym typeface="Glacial Indifference"/>
-              </a:rPr>
-              <a:t>Arduino(1)</a:t>
-            </a:r>
-          </a:p>
-          <a:p>
-            <a:pPr algn="l" marL="702999" indent="-351499" lvl="1">
-              <a:lnSpc>
-                <a:spcPts val="4558"/>
-              </a:lnSpc>
-              <a:spcBef>
-                <a:spcPct val="0"/>
-              </a:spcBef>
-              <a:buAutoNum type="arabicPeriod" startAt="1"/>
-            </a:pPr>
-            <a:r>
-              <a:rPr lang="en-US" sz="3256">
-                <a:solidFill>
-                  <a:srgbClr val="000000"/>
-                </a:solidFill>
-                <a:latin typeface="Glacial Indifference"/>
-                <a:ea typeface="Glacial Indifference"/>
-                <a:cs typeface="Glacial Indifference"/>
-                <a:sym typeface="Glacial Indifference"/>
-              </a:rPr>
-              <a:t>Placa de pruebas(1)</a:t>
+              <a:t>No funcionan, no fueron usados en el proyecto.</a:t>
             </a:r>
           </a:p>
         </p:txBody>
@@ -11852,9 +10318,9 @@
           <p:nvPr/>
         </p:nvSpPr>
         <p:spPr>
-          <a:xfrm flipH="false" flipV="false" rot="0">
-            <a:off x="16813874" y="6172200"/>
-            <a:ext cx="3492436" cy="4114800"/>
+          <a:xfrm flipH="true" flipV="false" rot="-5400000">
+            <a:off x="4316370" y="-2211614"/>
+            <a:ext cx="9655259" cy="14710229"/>
           </a:xfrm>
           <a:custGeom>
             <a:avLst/>
@@ -11863,21 +10329,21 @@
             <a:cxnLst/>
             <a:rect r="r" b="b" t="t" l="l"/>
             <a:pathLst>
-              <a:path h="4114800" w="3492436">
+              <a:path h="14710229" w="9655259">
                 <a:moveTo>
-                  <a:pt x="0" y="0"/>
+                  <a:pt x="9655260" y="0"/>
                 </a:moveTo>
                 <a:lnTo>
-                  <a:pt x="3492436" y="0"/>
-                </a:lnTo>
-                <a:lnTo>
-                  <a:pt x="3492436" y="4114800"/>
-                </a:lnTo>
-                <a:lnTo>
-                  <a:pt x="0" y="4114800"/>
-                </a:lnTo>
-                <a:lnTo>
-                  <a:pt x="0" y="0"/>
+                  <a:pt x="0" y="0"/>
+                </a:lnTo>
+                <a:lnTo>
+                  <a:pt x="0" y="14710228"/>
+                </a:lnTo>
+                <a:lnTo>
+                  <a:pt x="9655260" y="14710228"/>
+                </a:lnTo>
+                <a:lnTo>
+                  <a:pt x="9655260" y="0"/>
                 </a:lnTo>
                 <a:close/>
               </a:path>
@@ -11904,9 +10370,9 @@
           <p:nvPr/>
         </p:nvSpPr>
         <p:spPr>
-          <a:xfrm flipH="false" flipV="false" rot="-10612816">
-            <a:off x="-302998" y="6367592"/>
-            <a:ext cx="1144663" cy="4114800"/>
+          <a:xfrm flipH="false" flipV="false" rot="0">
+            <a:off x="16813874" y="6172200"/>
+            <a:ext cx="3492436" cy="4114800"/>
           </a:xfrm>
           <a:custGeom>
             <a:avLst/>
@@ -11915,15 +10381,15 @@
             <a:cxnLst/>
             <a:rect r="r" b="b" t="t" l="l"/>
             <a:pathLst>
-              <a:path h="4114800" w="1144663">
+              <a:path h="4114800" w="3492436">
                 <a:moveTo>
                   <a:pt x="0" y="0"/>
                 </a:moveTo>
                 <a:lnTo>
-                  <a:pt x="1144663" y="0"/>
-                </a:lnTo>
-                <a:lnTo>
-                  <a:pt x="1144663" y="4114800"/>
+                  <a:pt x="3492436" y="0"/>
+                </a:lnTo>
+                <a:lnTo>
+                  <a:pt x="3492436" y="4114800"/>
                 </a:lnTo>
                 <a:lnTo>
                   <a:pt x="0" y="4114800"/>
@@ -11956,9 +10422,9 @@
           <p:nvPr/>
         </p:nvSpPr>
         <p:spPr>
-          <a:xfrm flipH="true" flipV="false" rot="-5400000">
-            <a:off x="4316370" y="-2211614"/>
-            <a:ext cx="9655259" cy="14710229"/>
+          <a:xfrm flipH="false" flipV="false" rot="-10612816">
+            <a:off x="-302998" y="6367592"/>
+            <a:ext cx="1144663" cy="4114800"/>
           </a:xfrm>
           <a:custGeom>
             <a:avLst/>
@@ -11967,21 +10433,21 @@
             <a:cxnLst/>
             <a:rect r="r" b="b" t="t" l="l"/>
             <a:pathLst>
-              <a:path h="14710229" w="9655259">
+              <a:path h="4114800" w="1144663">
                 <a:moveTo>
-                  <a:pt x="9655260" y="0"/>
+                  <a:pt x="0" y="0"/>
                 </a:moveTo>
                 <a:lnTo>
-                  <a:pt x="0" y="0"/>
-                </a:lnTo>
-                <a:lnTo>
-                  <a:pt x="0" y="14710228"/>
-                </a:lnTo>
-                <a:lnTo>
-                  <a:pt x="9655260" y="14710228"/>
-                </a:lnTo>
-                <a:lnTo>
-                  <a:pt x="9655260" y="0"/>
+                  <a:pt x="1144663" y="0"/>
+                </a:lnTo>
+                <a:lnTo>
+                  <a:pt x="1144663" y="4114800"/>
+                </a:lnTo>
+                <a:lnTo>
+                  <a:pt x="0" y="4114800"/>
+                </a:lnTo>
+                <a:lnTo>
+                  <a:pt x="0" y="0"/>
                 </a:lnTo>
                 <a:close/>
               </a:path>
@@ -12009,8 +10475,8 @@
         </p:nvSpPr>
         <p:spPr>
           <a:xfrm flipH="false" flipV="false" rot="0">
-            <a:off x="5893457" y="634100"/>
-            <a:ext cx="6440392" cy="1690603"/>
+            <a:off x="2478004" y="3425916"/>
+            <a:ext cx="6567490" cy="5827155"/>
           </a:xfrm>
           <a:custGeom>
             <a:avLst/>
@@ -12019,18 +10485,18 @@
             <a:cxnLst/>
             <a:rect r="r" b="b" t="t" l="l"/>
             <a:pathLst>
-              <a:path h="1690603" w="6440392">
+              <a:path h="5827155" w="6567490">
                 <a:moveTo>
                   <a:pt x="0" y="0"/>
                 </a:moveTo>
                 <a:lnTo>
-                  <a:pt x="6440392" y="0"/>
-                </a:lnTo>
-                <a:lnTo>
-                  <a:pt x="6440392" y="1690602"/>
-                </a:lnTo>
-                <a:lnTo>
-                  <a:pt x="0" y="1690602"/>
+                  <a:pt x="6567490" y="0"/>
+                </a:lnTo>
+                <a:lnTo>
+                  <a:pt x="6567490" y="5827155"/>
+                </a:lnTo>
+                <a:lnTo>
+                  <a:pt x="0" y="5827155"/>
                 </a:lnTo>
                 <a:lnTo>
                   <a:pt x="0" y="0"/>
@@ -12061,8 +10527,8 @@
         </p:nvSpPr>
         <p:spPr>
           <a:xfrm flipH="false" flipV="false" rot="0">
-            <a:off x="7066781" y="3585712"/>
-            <a:ext cx="4154438" cy="1223886"/>
+            <a:off x="9045494" y="2831305"/>
+            <a:ext cx="7404774" cy="6570054"/>
           </a:xfrm>
           <a:custGeom>
             <a:avLst/>
@@ -12071,18 +10537,291 @@
             <a:cxnLst/>
             <a:rect r="r" b="b" t="t" l="l"/>
             <a:pathLst>
-              <a:path h="1223886" w="4154438">
+              <a:path h="6570054" w="7404774">
                 <a:moveTo>
                   <a:pt x="0" y="0"/>
                 </a:moveTo>
                 <a:lnTo>
-                  <a:pt x="4154438" y="0"/>
-                </a:lnTo>
-                <a:lnTo>
-                  <a:pt x="4154438" y="1223886"/>
-                </a:lnTo>
-                <a:lnTo>
-                  <a:pt x="0" y="1223886"/>
+                  <a:pt x="7404774" y="0"/>
+                </a:lnTo>
+                <a:lnTo>
+                  <a:pt x="7404774" y="6570054"/>
+                </a:lnTo>
+                <a:lnTo>
+                  <a:pt x="0" y="6570054"/>
+                </a:lnTo>
+                <a:lnTo>
+                  <a:pt x="0" y="0"/>
+                </a:lnTo>
+                <a:close/>
+              </a:path>
+            </a:pathLst>
+          </a:custGeom>
+          <a:blipFill>
+            <a:blip r:embed="rId12">
+              <a:extLst>
+                <a:ext uri="{96DAC541-7B7A-43D3-8B79-37D633B846F1}">
+                  <asvg:svgBlip xmlns:asvg="http://schemas.microsoft.com/office/drawing/2016/SVG/main" r:embed="rId13"/>
+                </a:ext>
+              </a:extLst>
+            </a:blip>
+            <a:stretch>
+              <a:fillRect l="0" t="0" r="0" b="0"/>
+            </a:stretch>
+          </a:blipFill>
+        </p:spPr>
+      </p:sp>
+      <p:sp>
+        <p:nvSpPr>
+          <p:cNvPr name="TextBox 9" id="9"/>
+          <p:cNvSpPr txBox="true"/>
+          <p:nvPr/>
+        </p:nvSpPr>
+        <p:spPr>
+          <a:xfrm rot="0">
+            <a:off x="2858822" y="3934841"/>
+            <a:ext cx="5367522" cy="4490151"/>
+          </a:xfrm>
+          <a:prstGeom prst="rect">
+            <a:avLst/>
+          </a:prstGeom>
+        </p:spPr>
+        <p:txBody>
+          <a:bodyPr anchor="t" rtlCol="false" tIns="0" lIns="0" bIns="0" rIns="0">
+            <a:spAutoFit/>
+          </a:bodyPr>
+          <a:lstStyle/>
+          <a:p>
+            <a:pPr algn="ctr">
+              <a:lnSpc>
+                <a:spcPts val="3994"/>
+              </a:lnSpc>
+              <a:spcBef>
+                <a:spcPct val="0"/>
+              </a:spcBef>
+            </a:pPr>
+            <a:r>
+              <a:rPr lang="en-US" sz="2852">
+                <a:solidFill>
+                  <a:srgbClr val="2A1B15"/>
+                </a:solidFill>
+                <a:latin typeface="Glacial Indifference"/>
+                <a:ea typeface="Glacial Indifference"/>
+                <a:cs typeface="Glacial Indifference"/>
+                <a:sym typeface="Glacial Indifference"/>
+              </a:rPr>
+              <a:t>Cuando ya teníamos la idea del funcionamiento y una base pensadas, creamos 2 vectores con las equivalencias en morse de cada una de las letras y números. Esto para comparar variables con las posiciones de los vectores y poder hacer la traducción satisfactoriamente.</a:t>
+            </a:r>
+          </a:p>
+        </p:txBody>
+      </p:sp>
+      <p:sp>
+        <p:nvSpPr>
+          <p:cNvPr name="TextBox 10" id="10"/>
+          <p:cNvSpPr txBox="true"/>
+          <p:nvPr/>
+        </p:nvSpPr>
+        <p:spPr>
+          <a:xfrm rot="0">
+            <a:off x="9497433" y="3520796"/>
+            <a:ext cx="6500897" cy="5236133"/>
+          </a:xfrm>
+          <a:prstGeom prst="rect">
+            <a:avLst/>
+          </a:prstGeom>
+        </p:spPr>
+        <p:txBody>
+          <a:bodyPr anchor="t" rtlCol="false" tIns="0" lIns="0" bIns="0" rIns="0">
+            <a:spAutoFit/>
+          </a:bodyPr>
+          <a:lstStyle/>
+          <a:p>
+            <a:pPr algn="just">
+              <a:lnSpc>
+                <a:spcPts val="3819"/>
+              </a:lnSpc>
+            </a:pPr>
+            <a:r>
+              <a:rPr lang="en-US" sz="2728">
+                <a:solidFill>
+                  <a:srgbClr val="000000"/>
+                </a:solidFill>
+                <a:latin typeface="Glacial Indifference"/>
+                <a:ea typeface="Glacial Indifference"/>
+                <a:cs typeface="Glacial Indifference"/>
+                <a:sym typeface="Glacial Indifference"/>
+              </a:rPr>
+              <a:t>String letrasMor[] = </a:t>
+            </a:r>
+          </a:p>
+          <a:p>
+            <a:pPr algn="just">
+              <a:lnSpc>
+                <a:spcPts val="3819"/>
+              </a:lnSpc>
+            </a:pPr>
+            <a:r>
+              <a:rPr lang="en-US" sz="2728">
+                <a:solidFill>
+                  <a:srgbClr val="000000"/>
+                </a:solidFill>
+                <a:latin typeface="Glacial Indifference"/>
+                <a:ea typeface="Glacial Indifference"/>
+                <a:cs typeface="Glacial Indifference"/>
+                <a:sym typeface="Glacial Indifference"/>
+              </a:rPr>
+              <a:t>{".-","-...","-.-.","-..",".","..-.","--.","....",".." // A-I</a:t>
+            </a:r>
+          </a:p>
+          <a:p>
+            <a:pPr algn="just">
+              <a:lnSpc>
+                <a:spcPts val="3819"/>
+              </a:lnSpc>
+            </a:pPr>
+            <a:r>
+              <a:rPr lang="en-US" sz="2728">
+                <a:solidFill>
+                  <a:srgbClr val="000000"/>
+                </a:solidFill>
+                <a:latin typeface="Glacial Indifference"/>
+                <a:ea typeface="Glacial Indifference"/>
+                <a:cs typeface="Glacial Indifference"/>
+                <a:sym typeface="Glacial Indifference"/>
+              </a:rPr>
+              <a:t>,".---","-.-",".-..","--","-.","---",".--.","--.-",".-." // J-R</a:t>
+            </a:r>
+          </a:p>
+          <a:p>
+            <a:pPr algn="just">
+              <a:lnSpc>
+                <a:spcPts val="3819"/>
+              </a:lnSpc>
+            </a:pPr>
+            <a:r>
+              <a:rPr lang="en-US" sz="2728">
+                <a:solidFill>
+                  <a:srgbClr val="000000"/>
+                </a:solidFill>
+                <a:latin typeface="Glacial Indifference"/>
+                <a:ea typeface="Glacial Indifference"/>
+                <a:cs typeface="Glacial Indifference"/>
+                <a:sym typeface="Glacial Indifference"/>
+              </a:rPr>
+              <a:t>,"...","-..-","...-",".--","-..-","-.--","--.."}; </a:t>
+            </a:r>
+          </a:p>
+          <a:p>
+            <a:pPr algn="just">
+              <a:lnSpc>
+                <a:spcPts val="3819"/>
+              </a:lnSpc>
+            </a:pPr>
+            <a:r>
+              <a:rPr lang="en-US" sz="2728">
+                <a:solidFill>
+                  <a:srgbClr val="000000"/>
+                </a:solidFill>
+                <a:latin typeface="Glacial Indifference"/>
+                <a:ea typeface="Glacial Indifference"/>
+                <a:cs typeface="Glacial Indifference"/>
+                <a:sym typeface="Glacial Indifference"/>
+              </a:rPr>
+              <a:t>// S-Z</a:t>
+            </a:r>
+          </a:p>
+          <a:p>
+            <a:pPr algn="just">
+              <a:lnSpc>
+                <a:spcPts val="3819"/>
+              </a:lnSpc>
+            </a:pPr>
+            <a:r>
+              <a:rPr lang="en-US" sz="2728">
+                <a:solidFill>
+                  <a:srgbClr val="000000"/>
+                </a:solidFill>
+                <a:latin typeface="Glacial Indifference"/>
+                <a:ea typeface="Glacial Indifference"/>
+                <a:cs typeface="Glacial Indifference"/>
+                <a:sym typeface="Glacial Indifference"/>
+              </a:rPr>
+              <a:t>String numerosMor[] = </a:t>
+            </a:r>
+          </a:p>
+          <a:p>
+            <a:pPr algn="just">
+              <a:lnSpc>
+                <a:spcPts val="3819"/>
+              </a:lnSpc>
+            </a:pPr>
+            <a:r>
+              <a:rPr lang="en-US" sz="2728">
+                <a:solidFill>
+                  <a:srgbClr val="000000"/>
+                </a:solidFill>
+                <a:latin typeface="Glacial Indifference"/>
+                <a:ea typeface="Glacial Indifference"/>
+                <a:cs typeface="Glacial Indifference"/>
+                <a:sym typeface="Glacial Indifference"/>
+              </a:rPr>
+              <a:t>{"-----",".----","..---","...--","....,",".....","-...." // 0-6</a:t>
+            </a:r>
+          </a:p>
+          <a:p>
+            <a:pPr algn="just">
+              <a:lnSpc>
+                <a:spcPts val="3819"/>
+              </a:lnSpc>
+              <a:spcBef>
+                <a:spcPct val="0"/>
+              </a:spcBef>
+            </a:pPr>
+            <a:r>
+              <a:rPr lang="en-US" sz="2728">
+                <a:solidFill>
+                  <a:srgbClr val="000000"/>
+                </a:solidFill>
+                <a:latin typeface="Glacial Indifference"/>
+                <a:ea typeface="Glacial Indifference"/>
+                <a:cs typeface="Glacial Indifference"/>
+                <a:sym typeface="Glacial Indifference"/>
+              </a:rPr>
+              <a:t>,"--...","---..","----."}; // 7-9</a:t>
+            </a:r>
+          </a:p>
+        </p:txBody>
+      </p:sp>
+      <p:sp>
+        <p:nvSpPr>
+          <p:cNvPr name="Freeform 11" id="11"/>
+          <p:cNvSpPr/>
+          <p:nvPr/>
+        </p:nvSpPr>
+        <p:spPr>
+          <a:xfrm flipH="false" flipV="false" rot="0">
+            <a:off x="2754035" y="623135"/>
+            <a:ext cx="6389965" cy="1677366"/>
+          </a:xfrm>
+          <a:custGeom>
+            <a:avLst/>
+            <a:gdLst/>
+            <a:ahLst/>
+            <a:cxnLst/>
+            <a:rect r="r" b="b" t="t" l="l"/>
+            <a:pathLst>
+              <a:path h="1677366" w="6389965">
+                <a:moveTo>
+                  <a:pt x="0" y="0"/>
+                </a:moveTo>
+                <a:lnTo>
+                  <a:pt x="6389965" y="0"/>
+                </a:lnTo>
+                <a:lnTo>
+                  <a:pt x="6389965" y="1677366"/>
+                </a:lnTo>
+                <a:lnTo>
+                  <a:pt x="0" y="1677366"/>
                 </a:lnTo>
                 <a:lnTo>
                   <a:pt x="0" y="0"/>
@@ -12107,14 +10846,14 @@
       </p:sp>
       <p:sp>
         <p:nvSpPr>
-          <p:cNvPr name="Freeform 9" id="9"/>
+          <p:cNvPr name="Freeform 12" id="12"/>
           <p:cNvSpPr/>
           <p:nvPr/>
         </p:nvSpPr>
         <p:spPr>
           <a:xfrm flipH="false" flipV="false" rot="0">
-            <a:off x="2548327" y="5879925"/>
-            <a:ext cx="3345130" cy="2956911"/>
+            <a:off x="8908676" y="623135"/>
+            <a:ext cx="6389965" cy="1677366"/>
           </a:xfrm>
           <a:custGeom>
             <a:avLst/>
@@ -12123,18 +10862,18 @@
             <a:cxnLst/>
             <a:rect r="r" b="b" t="t" l="l"/>
             <a:pathLst>
-              <a:path h="2956911" w="3345130">
+              <a:path h="1677366" w="6389965">
                 <a:moveTo>
                   <a:pt x="0" y="0"/>
                 </a:moveTo>
                 <a:lnTo>
-                  <a:pt x="3345130" y="0"/>
-                </a:lnTo>
-                <a:lnTo>
-                  <a:pt x="3345130" y="2956911"/>
-                </a:lnTo>
-                <a:lnTo>
-                  <a:pt x="0" y="2956911"/>
+                  <a:pt x="6389965" y="0"/>
+                </a:lnTo>
+                <a:lnTo>
+                  <a:pt x="6389965" y="1677366"/>
+                </a:lnTo>
+                <a:lnTo>
+                  <a:pt x="0" y="1677366"/>
                 </a:lnTo>
                 <a:lnTo>
                   <a:pt x="0" y="0"/>
@@ -12144,56 +10883,10 @@
             </a:pathLst>
           </a:custGeom>
           <a:blipFill>
-            <a:blip r:embed="rId16"/>
-            <a:stretch>
-              <a:fillRect l="-8341" t="0" r="-14563" b="0"/>
-            </a:stretch>
-          </a:blipFill>
-        </p:spPr>
-      </p:sp>
-      <p:sp>
-        <p:nvSpPr>
-          <p:cNvPr name="Freeform 10" id="10"/>
-          <p:cNvSpPr/>
-          <p:nvPr/>
-        </p:nvSpPr>
-        <p:spPr>
-          <a:xfrm flipH="false" flipV="false" rot="-2384199">
-            <a:off x="5949443" y="5902744"/>
-            <a:ext cx="1771331" cy="1779758"/>
-          </a:xfrm>
-          <a:custGeom>
-            <a:avLst/>
-            <a:gdLst/>
-            <a:ahLst/>
-            <a:cxnLst/>
-            <a:rect r="r" b="b" t="t" l="l"/>
-            <a:pathLst>
-              <a:path h="1779758" w="1771331">
-                <a:moveTo>
-                  <a:pt x="0" y="0"/>
-                </a:moveTo>
-                <a:lnTo>
-                  <a:pt x="1771330" y="0"/>
-                </a:lnTo>
-                <a:lnTo>
-                  <a:pt x="1771330" y="1779757"/>
-                </a:lnTo>
-                <a:lnTo>
-                  <a:pt x="0" y="1779757"/>
-                </a:lnTo>
-                <a:lnTo>
-                  <a:pt x="0" y="0"/>
-                </a:lnTo>
-                <a:close/>
-              </a:path>
-            </a:pathLst>
-          </a:custGeom>
-          <a:blipFill>
-            <a:blip r:embed="rId17">
+            <a:blip r:embed="rId14">
               <a:extLst>
                 <a:ext uri="{96DAC541-7B7A-43D3-8B79-37D633B846F1}">
-                  <asvg:svgBlip xmlns:asvg="http://schemas.microsoft.com/office/drawing/2016/SVG/main" r:embed="rId18"/>
+                  <asvg:svgBlip xmlns:asvg="http://schemas.microsoft.com/office/drawing/2016/SVG/main" r:embed="rId15"/>
                 </a:ext>
               </a:extLst>
             </a:blip>
@@ -12205,14 +10898,14 @@
       </p:sp>
       <p:sp>
         <p:nvSpPr>
-          <p:cNvPr name="TextBox 11" id="11"/>
+          <p:cNvPr name="TextBox 13" id="13"/>
           <p:cNvSpPr txBox="true"/>
           <p:nvPr/>
         </p:nvSpPr>
         <p:spPr>
           <a:xfrm rot="0">
-            <a:off x="4429124" y="864033"/>
-            <a:ext cx="9429752" cy="1097386"/>
+            <a:off x="2320915" y="1055792"/>
+            <a:ext cx="13646171" cy="1045198"/>
           </a:xfrm>
           <a:prstGeom prst="rect">
             <a:avLst/>
@@ -12226,11 +10919,11 @@
           <a:p>
             <a:pPr algn="ctr">
               <a:lnSpc>
-                <a:spcPts val="8900"/>
+                <a:spcPts val="8540"/>
               </a:lnSpc>
             </a:pPr>
             <a:r>
-              <a:rPr lang="en-US" sz="6357">
+              <a:rPr lang="en-US" sz="6100">
                 <a:solidFill>
                   <a:srgbClr val="AF805A"/>
                 </a:solidFill>
@@ -12239,115 +10932,7 @@
                 <a:cs typeface="Lazydog"/>
                 <a:sym typeface="Lazydog"/>
               </a:rPr>
-              <a:t>Hardware usado</a:t>
-            </a:r>
-          </a:p>
-        </p:txBody>
-      </p:sp>
-      <p:sp>
-        <p:nvSpPr>
-          <p:cNvPr name="TextBox 12" id="12"/>
-          <p:cNvSpPr txBox="true"/>
-          <p:nvPr/>
-        </p:nvSpPr>
-        <p:spPr>
-          <a:xfrm rot="0">
-            <a:off x="7150397" y="3768504"/>
-            <a:ext cx="4044355" cy="763053"/>
-          </a:xfrm>
-          <a:prstGeom prst="rect">
-            <a:avLst/>
-          </a:prstGeom>
-        </p:spPr>
-        <p:txBody>
-          <a:bodyPr anchor="t" rtlCol="false" tIns="0" lIns="0" bIns="0" rIns="0">
-            <a:spAutoFit/>
-          </a:bodyPr>
-          <a:lstStyle/>
-          <a:p>
-            <a:pPr algn="ctr">
-              <a:lnSpc>
-                <a:spcPts val="6139"/>
-              </a:lnSpc>
-            </a:pPr>
-            <a:r>
-              <a:rPr lang="en-US" sz="4385" b="true">
-                <a:solidFill>
-                  <a:srgbClr val="000000"/>
-                </a:solidFill>
-                <a:latin typeface="Glacial Indifference Bold"/>
-                <a:ea typeface="Glacial Indifference Bold"/>
-                <a:cs typeface="Glacial Indifference Bold"/>
-                <a:sym typeface="Glacial Indifference Bold"/>
-              </a:rPr>
-              <a:t>Problemáticas</a:t>
-            </a:r>
-          </a:p>
-        </p:txBody>
-      </p:sp>
-      <p:sp>
-        <p:nvSpPr>
-          <p:cNvPr name="TextBox 13" id="13"/>
-          <p:cNvSpPr txBox="true"/>
-          <p:nvPr/>
-        </p:nvSpPr>
-        <p:spPr>
-          <a:xfrm rot="0">
-            <a:off x="7331732" y="5399073"/>
-            <a:ext cx="9056378" cy="1481349"/>
-          </a:xfrm>
-          <a:prstGeom prst="rect">
-            <a:avLst/>
-          </a:prstGeom>
-        </p:spPr>
-        <p:txBody>
-          <a:bodyPr anchor="t" rtlCol="false" tIns="0" lIns="0" bIns="0" rIns="0">
-            <a:spAutoFit/>
-          </a:bodyPr>
-          <a:lstStyle/>
-          <a:p>
-            <a:pPr algn="ctr">
-              <a:lnSpc>
-                <a:spcPts val="3940"/>
-              </a:lnSpc>
-            </a:pPr>
-            <a:r>
-              <a:rPr lang="en-US" sz="2814">
-                <a:solidFill>
-                  <a:srgbClr val="000000"/>
-                </a:solidFill>
-                <a:latin typeface="Glacial Indifference"/>
-                <a:ea typeface="Glacial Indifference"/>
-                <a:cs typeface="Glacial Indifference"/>
-                <a:sym typeface="Glacial Indifference"/>
-              </a:rPr>
-              <a:t>Módulos Bluetooth HC-05, HC-06 (Maestro y esclavo)</a:t>
-            </a:r>
-          </a:p>
-          <a:p>
-            <a:pPr algn="ctr">
-              <a:lnSpc>
-                <a:spcPts val="3940"/>
-              </a:lnSpc>
-            </a:pPr>
-          </a:p>
-          <a:p>
-            <a:pPr algn="ctr">
-              <a:lnSpc>
-                <a:spcPts val="3940"/>
-              </a:lnSpc>
-            </a:pPr>
-            <a:r>
-              <a:rPr lang="en-US" sz="2814">
-                <a:solidFill>
-                  <a:srgbClr val="000000"/>
-                </a:solidFill>
-                <a:latin typeface="Glacial Indifference"/>
-                <a:ea typeface="Glacial Indifference"/>
-                <a:cs typeface="Glacial Indifference"/>
-                <a:sym typeface="Glacial Indifference"/>
-              </a:rPr>
-              <a:t>No funcionan, no fueron usados en el proyecto.</a:t>
+              <a:t>Desarrollo del código</a:t>
             </a:r>
           </a:p>
         </p:txBody>
@@ -12652,8 +11237,8 @@
         </p:nvSpPr>
         <p:spPr>
           <a:xfrm flipH="false" flipV="false" rot="0">
-            <a:off x="2478004" y="3425916"/>
-            <a:ext cx="6567490" cy="5827155"/>
+            <a:off x="2754035" y="623135"/>
+            <a:ext cx="6389965" cy="1677366"/>
           </a:xfrm>
           <a:custGeom>
             <a:avLst/>
@@ -12662,18 +11247,18 @@
             <a:cxnLst/>
             <a:rect r="r" b="b" t="t" l="l"/>
             <a:pathLst>
-              <a:path h="5827155" w="6567490">
+              <a:path h="1677366" w="6389965">
                 <a:moveTo>
                   <a:pt x="0" y="0"/>
                 </a:moveTo>
                 <a:lnTo>
-                  <a:pt x="6567490" y="0"/>
-                </a:lnTo>
-                <a:lnTo>
-                  <a:pt x="6567490" y="5827155"/>
-                </a:lnTo>
-                <a:lnTo>
-                  <a:pt x="0" y="5827155"/>
+                  <a:pt x="6389965" y="0"/>
+                </a:lnTo>
+                <a:lnTo>
+                  <a:pt x="6389965" y="1677366"/>
+                </a:lnTo>
+                <a:lnTo>
+                  <a:pt x="0" y="1677366"/>
                 </a:lnTo>
                 <a:lnTo>
                   <a:pt x="0" y="0"/>
@@ -12704,8 +11289,8 @@
         </p:nvSpPr>
         <p:spPr>
           <a:xfrm flipH="false" flipV="false" rot="0">
-            <a:off x="9045494" y="2831305"/>
-            <a:ext cx="7404774" cy="6570054"/>
+            <a:off x="8908676" y="623135"/>
+            <a:ext cx="6389965" cy="1677366"/>
           </a:xfrm>
           <a:custGeom>
             <a:avLst/>
@@ -12714,18 +11299,18 @@
             <a:cxnLst/>
             <a:rect r="r" b="b" t="t" l="l"/>
             <a:pathLst>
-              <a:path h="6570054" w="7404774">
+              <a:path h="1677366" w="6389965">
                 <a:moveTo>
                   <a:pt x="0" y="0"/>
                 </a:moveTo>
                 <a:lnTo>
-                  <a:pt x="7404774" y="0"/>
-                </a:lnTo>
-                <a:lnTo>
-                  <a:pt x="7404774" y="6570054"/>
-                </a:lnTo>
-                <a:lnTo>
-                  <a:pt x="0" y="6570054"/>
+                  <a:pt x="6389965" y="0"/>
+                </a:lnTo>
+                <a:lnTo>
+                  <a:pt x="6389965" y="1677366"/>
+                </a:lnTo>
+                <a:lnTo>
+                  <a:pt x="0" y="1677366"/>
                 </a:lnTo>
                 <a:lnTo>
                   <a:pt x="0" y="0"/>
@@ -12750,235 +11335,14 @@
       </p:sp>
       <p:sp>
         <p:nvSpPr>
-          <p:cNvPr name="TextBox 9" id="9"/>
-          <p:cNvSpPr txBox="true"/>
-          <p:nvPr/>
-        </p:nvSpPr>
-        <p:spPr>
-          <a:xfrm rot="0">
-            <a:off x="2858822" y="3934841"/>
-            <a:ext cx="5367522" cy="4490151"/>
-          </a:xfrm>
-          <a:prstGeom prst="rect">
-            <a:avLst/>
-          </a:prstGeom>
-        </p:spPr>
-        <p:txBody>
-          <a:bodyPr anchor="t" rtlCol="false" tIns="0" lIns="0" bIns="0" rIns="0">
-            <a:spAutoFit/>
-          </a:bodyPr>
-          <a:lstStyle/>
-          <a:p>
-            <a:pPr algn="ctr">
-              <a:lnSpc>
-                <a:spcPts val="3994"/>
-              </a:lnSpc>
-              <a:spcBef>
-                <a:spcPct val="0"/>
-              </a:spcBef>
-            </a:pPr>
-            <a:r>
-              <a:rPr lang="en-US" sz="2852">
-                <a:solidFill>
-                  <a:srgbClr val="2A1B15"/>
-                </a:solidFill>
-                <a:latin typeface="Glacial Indifference"/>
-                <a:ea typeface="Glacial Indifference"/>
-                <a:cs typeface="Glacial Indifference"/>
-                <a:sym typeface="Glacial Indifference"/>
-              </a:rPr>
-              <a:t>Cuando ya teníamos la idea del funcionamiento y una base pensadas, creamos 2 vectores con las equivalencias en morse de cada una de las letras y números. Esto para comparar variables con las posiciones de los vectores y poder hacer la traducción satisfactoriamente.</a:t>
-            </a:r>
-          </a:p>
-        </p:txBody>
-      </p:sp>
-      <p:sp>
-        <p:nvSpPr>
-          <p:cNvPr name="TextBox 10" id="10"/>
-          <p:cNvSpPr txBox="true"/>
-          <p:nvPr/>
-        </p:nvSpPr>
-        <p:spPr>
-          <a:xfrm rot="0">
-            <a:off x="9497433" y="3520796"/>
-            <a:ext cx="6500897" cy="5236133"/>
-          </a:xfrm>
-          <a:prstGeom prst="rect">
-            <a:avLst/>
-          </a:prstGeom>
-        </p:spPr>
-        <p:txBody>
-          <a:bodyPr anchor="t" rtlCol="false" tIns="0" lIns="0" bIns="0" rIns="0">
-            <a:spAutoFit/>
-          </a:bodyPr>
-          <a:lstStyle/>
-          <a:p>
-            <a:pPr algn="just">
-              <a:lnSpc>
-                <a:spcPts val="3819"/>
-              </a:lnSpc>
-            </a:pPr>
-            <a:r>
-              <a:rPr lang="en-US" sz="2728">
-                <a:solidFill>
-                  <a:srgbClr val="000000"/>
-                </a:solidFill>
-                <a:latin typeface="Glacial Indifference"/>
-                <a:ea typeface="Glacial Indifference"/>
-                <a:cs typeface="Glacial Indifference"/>
-                <a:sym typeface="Glacial Indifference"/>
-              </a:rPr>
-              <a:t>String letrasMor[] = </a:t>
-            </a:r>
-          </a:p>
-          <a:p>
-            <a:pPr algn="just">
-              <a:lnSpc>
-                <a:spcPts val="3819"/>
-              </a:lnSpc>
-            </a:pPr>
-            <a:r>
-              <a:rPr lang="en-US" sz="2728">
-                <a:solidFill>
-                  <a:srgbClr val="000000"/>
-                </a:solidFill>
-                <a:latin typeface="Glacial Indifference"/>
-                <a:ea typeface="Glacial Indifference"/>
-                <a:cs typeface="Glacial Indifference"/>
-                <a:sym typeface="Glacial Indifference"/>
-              </a:rPr>
-              <a:t>{".-","-...","-.-.","-..",".","..-.","--.","....",".." // A-I</a:t>
-            </a:r>
-          </a:p>
-          <a:p>
-            <a:pPr algn="just">
-              <a:lnSpc>
-                <a:spcPts val="3819"/>
-              </a:lnSpc>
-            </a:pPr>
-            <a:r>
-              <a:rPr lang="en-US" sz="2728">
-                <a:solidFill>
-                  <a:srgbClr val="000000"/>
-                </a:solidFill>
-                <a:latin typeface="Glacial Indifference"/>
-                <a:ea typeface="Glacial Indifference"/>
-                <a:cs typeface="Glacial Indifference"/>
-                <a:sym typeface="Glacial Indifference"/>
-              </a:rPr>
-              <a:t>,".---","-.-",".-..","--","-.","---",".--.","--.-",".-." // J-R</a:t>
-            </a:r>
-          </a:p>
-          <a:p>
-            <a:pPr algn="just">
-              <a:lnSpc>
-                <a:spcPts val="3819"/>
-              </a:lnSpc>
-            </a:pPr>
-            <a:r>
-              <a:rPr lang="en-US" sz="2728">
-                <a:solidFill>
-                  <a:srgbClr val="000000"/>
-                </a:solidFill>
-                <a:latin typeface="Glacial Indifference"/>
-                <a:ea typeface="Glacial Indifference"/>
-                <a:cs typeface="Glacial Indifference"/>
-                <a:sym typeface="Glacial Indifference"/>
-              </a:rPr>
-              <a:t>,"...","-..-","...-",".--","-..-","-.--","--.."}; </a:t>
-            </a:r>
-          </a:p>
-          <a:p>
-            <a:pPr algn="just">
-              <a:lnSpc>
-                <a:spcPts val="3819"/>
-              </a:lnSpc>
-            </a:pPr>
-            <a:r>
-              <a:rPr lang="en-US" sz="2728">
-                <a:solidFill>
-                  <a:srgbClr val="000000"/>
-                </a:solidFill>
-                <a:latin typeface="Glacial Indifference"/>
-                <a:ea typeface="Glacial Indifference"/>
-                <a:cs typeface="Glacial Indifference"/>
-                <a:sym typeface="Glacial Indifference"/>
-              </a:rPr>
-              <a:t>// S-Z</a:t>
-            </a:r>
-          </a:p>
-          <a:p>
-            <a:pPr algn="just">
-              <a:lnSpc>
-                <a:spcPts val="3819"/>
-              </a:lnSpc>
-            </a:pPr>
-            <a:r>
-              <a:rPr lang="en-US" sz="2728">
-                <a:solidFill>
-                  <a:srgbClr val="000000"/>
-                </a:solidFill>
-                <a:latin typeface="Glacial Indifference"/>
-                <a:ea typeface="Glacial Indifference"/>
-                <a:cs typeface="Glacial Indifference"/>
-                <a:sym typeface="Glacial Indifference"/>
-              </a:rPr>
-              <a:t>String numerosMor[] = </a:t>
-            </a:r>
-          </a:p>
-          <a:p>
-            <a:pPr algn="just">
-              <a:lnSpc>
-                <a:spcPts val="3819"/>
-              </a:lnSpc>
-            </a:pPr>
-            <a:r>
-              <a:rPr lang="en-US" sz="2728">
-                <a:solidFill>
-                  <a:srgbClr val="000000"/>
-                </a:solidFill>
-                <a:latin typeface="Glacial Indifference"/>
-                <a:ea typeface="Glacial Indifference"/>
-                <a:cs typeface="Glacial Indifference"/>
-                <a:sym typeface="Glacial Indifference"/>
-              </a:rPr>
-              <a:t>{"-----",".----","..---","...--","....,",".....","-...." // 0-6</a:t>
-            </a:r>
-          </a:p>
-          <a:p>
-            <a:pPr algn="just">
-              <a:lnSpc>
-                <a:spcPts val="3819"/>
-              </a:lnSpc>
-              <a:spcBef>
-                <a:spcPct val="0"/>
-              </a:spcBef>
-            </a:pPr>
-            <a:r>
-              <a:rPr lang="en-US" sz="2728">
-                <a:solidFill>
-                  <a:srgbClr val="000000"/>
-                </a:solidFill>
-                <a:latin typeface="Glacial Indifference"/>
-                <a:ea typeface="Glacial Indifference"/>
-                <a:cs typeface="Glacial Indifference"/>
-                <a:sym typeface="Glacial Indifference"/>
-              </a:rPr>
-              <a:t>,"--...","---..","----."}; // 7-9</a:t>
-            </a:r>
-          </a:p>
-        </p:txBody>
-      </p:sp>
-      <p:sp>
-        <p:nvSpPr>
-          <p:cNvPr name="Freeform 11" id="11"/>
+          <p:cNvPr name="Freeform 9" id="9"/>
           <p:cNvSpPr/>
           <p:nvPr/>
         </p:nvSpPr>
         <p:spPr>
           <a:xfrm flipH="false" flipV="false" rot="0">
-            <a:off x="2754035" y="623135"/>
-            <a:ext cx="6389965" cy="1677366"/>
+            <a:off x="3676970" y="4564162"/>
+            <a:ext cx="3272397" cy="5186796"/>
           </a:xfrm>
           <a:custGeom>
             <a:avLst/>
@@ -12987,18 +11351,18 @@
             <a:cxnLst/>
             <a:rect r="r" b="b" t="t" l="l"/>
             <a:pathLst>
-              <a:path h="1677366" w="6389965">
+              <a:path h="5186796" w="3272397">
                 <a:moveTo>
                   <a:pt x="0" y="0"/>
                 </a:moveTo>
                 <a:lnTo>
-                  <a:pt x="6389965" y="0"/>
-                </a:lnTo>
-                <a:lnTo>
-                  <a:pt x="6389965" y="1677366"/>
-                </a:lnTo>
-                <a:lnTo>
-                  <a:pt x="0" y="1677366"/>
+                  <a:pt x="3272397" y="0"/>
+                </a:lnTo>
+                <a:lnTo>
+                  <a:pt x="3272397" y="5186797"/>
+                </a:lnTo>
+                <a:lnTo>
+                  <a:pt x="0" y="5186797"/>
                 </a:lnTo>
                 <a:lnTo>
                   <a:pt x="0" y="0"/>
@@ -13023,14 +11387,14 @@
       </p:sp>
       <p:sp>
         <p:nvSpPr>
-          <p:cNvPr name="Freeform 12" id="12"/>
+          <p:cNvPr name="Freeform 10" id="10"/>
           <p:cNvSpPr/>
           <p:nvPr/>
         </p:nvSpPr>
         <p:spPr>
           <a:xfrm flipH="false" flipV="false" rot="0">
-            <a:off x="8908676" y="623135"/>
-            <a:ext cx="6389965" cy="1677366"/>
+            <a:off x="8816302" y="3935179"/>
+            <a:ext cx="6802813" cy="6035951"/>
           </a:xfrm>
           <a:custGeom>
             <a:avLst/>
@@ -13039,18 +11403,18 @@
             <a:cxnLst/>
             <a:rect r="r" b="b" t="t" l="l"/>
             <a:pathLst>
-              <a:path h="1677366" w="6389965">
+              <a:path h="6035951" w="6802813">
                 <a:moveTo>
                   <a:pt x="0" y="0"/>
                 </a:moveTo>
                 <a:lnTo>
-                  <a:pt x="6389965" y="0"/>
-                </a:lnTo>
-                <a:lnTo>
-                  <a:pt x="6389965" y="1677366"/>
-                </a:lnTo>
-                <a:lnTo>
-                  <a:pt x="0" y="1677366"/>
+                  <a:pt x="6802813" y="0"/>
+                </a:lnTo>
+                <a:lnTo>
+                  <a:pt x="6802813" y="6035951"/>
+                </a:lnTo>
+                <a:lnTo>
+                  <a:pt x="0" y="6035951"/>
                 </a:lnTo>
                 <a:lnTo>
                   <a:pt x="0" y="0"/>
@@ -13060,10 +11424,10 @@
             </a:pathLst>
           </a:custGeom>
           <a:blipFill>
-            <a:blip r:embed="rId14">
+            <a:blip r:embed="rId16">
               <a:extLst>
                 <a:ext uri="{96DAC541-7B7A-43D3-8B79-37D633B846F1}">
-                  <asvg:svgBlip xmlns:asvg="http://schemas.microsoft.com/office/drawing/2016/SVG/main" r:embed="rId15"/>
+                  <asvg:svgBlip xmlns:asvg="http://schemas.microsoft.com/office/drawing/2016/SVG/main" r:embed="rId17"/>
                 </a:ext>
               </a:extLst>
             </a:blip>
@@ -13075,7 +11439,7 @@
       </p:sp>
       <p:sp>
         <p:nvSpPr>
-          <p:cNvPr name="TextBox 13" id="13"/>
+          <p:cNvPr name="TextBox 11" id="11"/>
           <p:cNvSpPr txBox="true"/>
           <p:nvPr/>
         </p:nvSpPr>
@@ -13111,6 +11475,513 @@
               </a:rPr>
               <a:t>Desarrollo del código</a:t>
             </a:r>
+          </a:p>
+        </p:txBody>
+      </p:sp>
+      <p:sp>
+        <p:nvSpPr>
+          <p:cNvPr name="TextBox 12" id="12"/>
+          <p:cNvSpPr txBox="true"/>
+          <p:nvPr/>
+        </p:nvSpPr>
+        <p:spPr>
+          <a:xfrm rot="0">
+            <a:off x="4023541" y="2379616"/>
+            <a:ext cx="9950824" cy="1671424"/>
+          </a:xfrm>
+          <a:prstGeom prst="rect">
+            <a:avLst/>
+          </a:prstGeom>
+        </p:spPr>
+        <p:txBody>
+          <a:bodyPr anchor="t" rtlCol="false" tIns="0" lIns="0" bIns="0" rIns="0">
+            <a:spAutoFit/>
+          </a:bodyPr>
+          <a:lstStyle/>
+          <a:p>
+            <a:pPr algn="ctr">
+              <a:lnSpc>
+                <a:spcPts val="4474"/>
+              </a:lnSpc>
+              <a:spcBef>
+                <a:spcPct val="0"/>
+              </a:spcBef>
+            </a:pPr>
+            <a:r>
+              <a:rPr lang="en-US" sz="3195">
+                <a:solidFill>
+                  <a:srgbClr val="000000"/>
+                </a:solidFill>
+                <a:latin typeface="Glacial Indifference"/>
+                <a:ea typeface="Glacial Indifference"/>
+                <a:cs typeface="Glacial Indifference"/>
+                <a:sym typeface="Glacial Indifference"/>
+              </a:rPr>
+              <a:t>Creamos funciones que nos ayudarían a simplificar ciertas tareas, además de recortar el código y la memoria que este consume.</a:t>
+            </a:r>
+          </a:p>
+        </p:txBody>
+      </p:sp>
+      <p:sp>
+        <p:nvSpPr>
+          <p:cNvPr name="TextBox 13" id="13"/>
+          <p:cNvSpPr txBox="true"/>
+          <p:nvPr/>
+        </p:nvSpPr>
+        <p:spPr>
+          <a:xfrm rot="0">
+            <a:off x="4329446" y="4765414"/>
+            <a:ext cx="2836110" cy="4746193"/>
+          </a:xfrm>
+          <a:prstGeom prst="rect">
+            <a:avLst/>
+          </a:prstGeom>
+        </p:spPr>
+        <p:txBody>
+          <a:bodyPr anchor="t" rtlCol="false" tIns="0" lIns="0" bIns="0" rIns="0">
+            <a:spAutoFit/>
+          </a:bodyPr>
+          <a:lstStyle/>
+          <a:p>
+            <a:pPr algn="l">
+              <a:lnSpc>
+                <a:spcPts val="2879"/>
+              </a:lnSpc>
+            </a:pPr>
+            <a:r>
+              <a:rPr lang="en-US" sz="2056">
+                <a:solidFill>
+                  <a:srgbClr val="000000"/>
+                </a:solidFill>
+                <a:latin typeface="Glacial Indifference"/>
+                <a:ea typeface="Glacial Indifference"/>
+                <a:cs typeface="Glacial Indifference"/>
+                <a:sym typeface="Glacial Indifference"/>
+              </a:rPr>
+              <a:t>String lectura() {</a:t>
+            </a:r>
+          </a:p>
+          <a:p>
+            <a:pPr algn="l">
+              <a:lnSpc>
+                <a:spcPts val="2879"/>
+              </a:lnSpc>
+            </a:pPr>
+            <a:r>
+              <a:rPr lang="en-US" sz="2056">
+                <a:solidFill>
+                  <a:srgbClr val="000000"/>
+                </a:solidFill>
+                <a:latin typeface="Glacial Indifference"/>
+                <a:ea typeface="Glacial Indifference"/>
+                <a:cs typeface="Glacial Indifference"/>
+                <a:sym typeface="Glacial Indifference"/>
+              </a:rPr>
+              <a:t>  String a = "";</a:t>
+            </a:r>
+          </a:p>
+          <a:p>
+            <a:pPr algn="l">
+              <a:lnSpc>
+                <a:spcPts val="2879"/>
+              </a:lnSpc>
+            </a:pPr>
+            <a:r>
+              <a:rPr lang="en-US" sz="2056">
+                <a:solidFill>
+                  <a:srgbClr val="000000"/>
+                </a:solidFill>
+                <a:latin typeface="Glacial Indifference"/>
+                <a:ea typeface="Glacial Indifference"/>
+                <a:cs typeface="Glacial Indifference"/>
+                <a:sym typeface="Glacial Indifference"/>
+              </a:rPr>
+              <a:t>  while (Serial.available()) { </a:t>
+            </a:r>
+          </a:p>
+          <a:p>
+            <a:pPr algn="l">
+              <a:lnSpc>
+                <a:spcPts val="2879"/>
+              </a:lnSpc>
+            </a:pPr>
+            <a:r>
+              <a:rPr lang="en-US" sz="2056">
+                <a:solidFill>
+                  <a:srgbClr val="000000"/>
+                </a:solidFill>
+                <a:latin typeface="Glacial Indifference"/>
+                <a:ea typeface="Glacial Indifference"/>
+                <a:cs typeface="Glacial Indifference"/>
+                <a:sym typeface="Glacial Indifference"/>
+              </a:rPr>
+              <a:t>    char caracter = Serial.read();</a:t>
+            </a:r>
+          </a:p>
+          <a:p>
+            <a:pPr algn="l">
+              <a:lnSpc>
+                <a:spcPts val="2879"/>
+              </a:lnSpc>
+            </a:pPr>
+            <a:r>
+              <a:rPr lang="en-US" sz="2056">
+                <a:solidFill>
+                  <a:srgbClr val="000000"/>
+                </a:solidFill>
+                <a:latin typeface="Glacial Indifference"/>
+                <a:ea typeface="Glacial Indifference"/>
+                <a:cs typeface="Glacial Indifference"/>
+                <a:sym typeface="Glacial Indifference"/>
+              </a:rPr>
+              <a:t>    a += caracter;</a:t>
+            </a:r>
+          </a:p>
+          <a:p>
+            <a:pPr algn="l">
+              <a:lnSpc>
+                <a:spcPts val="2879"/>
+              </a:lnSpc>
+            </a:pPr>
+            <a:r>
+              <a:rPr lang="en-US" sz="2056">
+                <a:solidFill>
+                  <a:srgbClr val="000000"/>
+                </a:solidFill>
+                <a:latin typeface="Glacial Indifference"/>
+                <a:ea typeface="Glacial Indifference"/>
+                <a:cs typeface="Glacial Indifference"/>
+                <a:sym typeface="Glacial Indifference"/>
+              </a:rPr>
+              <a:t>    delay(2);</a:t>
+            </a:r>
+          </a:p>
+          <a:p>
+            <a:pPr algn="l">
+              <a:lnSpc>
+                <a:spcPts val="2879"/>
+              </a:lnSpc>
+            </a:pPr>
+            <a:r>
+              <a:rPr lang="en-US" sz="2056">
+                <a:solidFill>
+                  <a:srgbClr val="000000"/>
+                </a:solidFill>
+                <a:latin typeface="Glacial Indifference"/>
+                <a:ea typeface="Glacial Indifference"/>
+                <a:cs typeface="Glacial Indifference"/>
+                <a:sym typeface="Glacial Indifference"/>
+              </a:rPr>
+              <a:t>  }</a:t>
+            </a:r>
+          </a:p>
+          <a:p>
+            <a:pPr algn="l">
+              <a:lnSpc>
+                <a:spcPts val="2879"/>
+              </a:lnSpc>
+            </a:pPr>
+            <a:r>
+              <a:rPr lang="en-US" sz="2056">
+                <a:solidFill>
+                  <a:srgbClr val="000000"/>
+                </a:solidFill>
+                <a:latin typeface="Glacial Indifference"/>
+                <a:ea typeface="Glacial Indifference"/>
+                <a:cs typeface="Glacial Indifference"/>
+                <a:sym typeface="Glacial Indifference"/>
+              </a:rPr>
+              <a:t>  Serial.println(a);</a:t>
+            </a:r>
+          </a:p>
+          <a:p>
+            <a:pPr algn="l">
+              <a:lnSpc>
+                <a:spcPts val="2879"/>
+              </a:lnSpc>
+            </a:pPr>
+            <a:r>
+              <a:rPr lang="en-US" sz="2056">
+                <a:solidFill>
+                  <a:srgbClr val="000000"/>
+                </a:solidFill>
+                <a:latin typeface="Glacial Indifference"/>
+                <a:ea typeface="Glacial Indifference"/>
+                <a:cs typeface="Glacial Indifference"/>
+                <a:sym typeface="Glacial Indifference"/>
+              </a:rPr>
+              <a:t>  return a;</a:t>
+            </a:r>
+          </a:p>
+          <a:p>
+            <a:pPr algn="l">
+              <a:lnSpc>
+                <a:spcPts val="2879"/>
+              </a:lnSpc>
+            </a:pPr>
+            <a:r>
+              <a:rPr lang="en-US" sz="2056">
+                <a:solidFill>
+                  <a:srgbClr val="000000"/>
+                </a:solidFill>
+                <a:latin typeface="Glacial Indifference"/>
+                <a:ea typeface="Glacial Indifference"/>
+                <a:cs typeface="Glacial Indifference"/>
+                <a:sym typeface="Glacial Indifference"/>
+              </a:rPr>
+              <a:t>}</a:t>
+            </a:r>
+          </a:p>
+          <a:p>
+            <a:pPr algn="l">
+              <a:lnSpc>
+                <a:spcPts val="3206"/>
+              </a:lnSpc>
+              <a:spcBef>
+                <a:spcPct val="0"/>
+              </a:spcBef>
+            </a:pPr>
+          </a:p>
+        </p:txBody>
+      </p:sp>
+      <p:sp>
+        <p:nvSpPr>
+          <p:cNvPr name="TextBox 14" id="14"/>
+          <p:cNvSpPr txBox="true"/>
+          <p:nvPr/>
+        </p:nvSpPr>
+        <p:spPr>
+          <a:xfrm rot="0">
+            <a:off x="8955087" y="4461673"/>
+            <a:ext cx="6525244" cy="4935338"/>
+          </a:xfrm>
+          <a:prstGeom prst="rect">
+            <a:avLst/>
+          </a:prstGeom>
+        </p:spPr>
+        <p:txBody>
+          <a:bodyPr anchor="t" rtlCol="false" tIns="0" lIns="0" bIns="0" rIns="0">
+            <a:spAutoFit/>
+          </a:bodyPr>
+          <a:lstStyle/>
+          <a:p>
+            <a:pPr algn="ctr">
+              <a:lnSpc>
+                <a:spcPts val="3108"/>
+              </a:lnSpc>
+            </a:pPr>
+            <a:r>
+              <a:rPr lang="en-US" sz="2220">
+                <a:solidFill>
+                  <a:srgbClr val="000000"/>
+                </a:solidFill>
+                <a:latin typeface="Glacial Indifference"/>
+                <a:ea typeface="Glacial Indifference"/>
+                <a:cs typeface="Glacial Indifference"/>
+                <a:sym typeface="Glacial Indifference"/>
+              </a:rPr>
+              <a:t>bool buscar(String string, int hastaDonde, String vectorComparar[], String vectorImprimir[]) {</a:t>
+            </a:r>
+          </a:p>
+          <a:p>
+            <a:pPr algn="ctr">
+              <a:lnSpc>
+                <a:spcPts val="3108"/>
+              </a:lnSpc>
+            </a:pPr>
+            <a:r>
+              <a:rPr lang="en-US" sz="2220">
+                <a:solidFill>
+                  <a:srgbClr val="000000"/>
+                </a:solidFill>
+                <a:latin typeface="Glacial Indifference"/>
+                <a:ea typeface="Glacial Indifference"/>
+                <a:cs typeface="Glacial Indifference"/>
+                <a:sym typeface="Glacial Indifference"/>
+              </a:rPr>
+              <a:t>  bool encontrado = false;</a:t>
+            </a:r>
+          </a:p>
+          <a:p>
+            <a:pPr algn="ctr">
+              <a:lnSpc>
+                <a:spcPts val="3108"/>
+              </a:lnSpc>
+            </a:pPr>
+            <a:r>
+              <a:rPr lang="en-US" sz="2220">
+                <a:solidFill>
+                  <a:srgbClr val="000000"/>
+                </a:solidFill>
+                <a:latin typeface="Glacial Indifference"/>
+                <a:ea typeface="Glacial Indifference"/>
+                <a:cs typeface="Glacial Indifference"/>
+                <a:sym typeface="Glacial Indifference"/>
+              </a:rPr>
+              <a:t>  for (int n = 0; n &lt; hastaDonde; n++) {</a:t>
+            </a:r>
+          </a:p>
+          <a:p>
+            <a:pPr algn="ctr">
+              <a:lnSpc>
+                <a:spcPts val="3108"/>
+              </a:lnSpc>
+            </a:pPr>
+            <a:r>
+              <a:rPr lang="en-US" sz="2220">
+                <a:solidFill>
+                  <a:srgbClr val="000000"/>
+                </a:solidFill>
+                <a:latin typeface="Glacial Indifference"/>
+                <a:ea typeface="Glacial Indifference"/>
+                <a:cs typeface="Glacial Indifference"/>
+                <a:sym typeface="Glacial Indifference"/>
+              </a:rPr>
+              <a:t>    if (string == vectorComparar[n]) {</a:t>
+            </a:r>
+          </a:p>
+          <a:p>
+            <a:pPr algn="ctr">
+              <a:lnSpc>
+                <a:spcPts val="3108"/>
+              </a:lnSpc>
+            </a:pPr>
+            <a:r>
+              <a:rPr lang="en-US" sz="2220">
+                <a:solidFill>
+                  <a:srgbClr val="000000"/>
+                </a:solidFill>
+                <a:latin typeface="Glacial Indifference"/>
+                <a:ea typeface="Glacial Indifference"/>
+                <a:cs typeface="Glacial Indifference"/>
+                <a:sym typeface="Glacial Indifference"/>
+              </a:rPr>
+              <a:t>      LCD.print(vectorImprimir[n]);</a:t>
+            </a:r>
+          </a:p>
+          <a:p>
+            <a:pPr algn="ctr">
+              <a:lnSpc>
+                <a:spcPts val="3108"/>
+              </a:lnSpc>
+            </a:pPr>
+            <a:r>
+              <a:rPr lang="en-US" sz="2220">
+                <a:solidFill>
+                  <a:srgbClr val="000000"/>
+                </a:solidFill>
+                <a:latin typeface="Glacial Indifference"/>
+                <a:ea typeface="Glacial Indifference"/>
+                <a:cs typeface="Glacial Indifference"/>
+                <a:sym typeface="Glacial Indifference"/>
+              </a:rPr>
+              <a:t>      encontrado = true;</a:t>
+            </a:r>
+          </a:p>
+          <a:p>
+            <a:pPr algn="ctr">
+              <a:lnSpc>
+                <a:spcPts val="3108"/>
+              </a:lnSpc>
+            </a:pPr>
+            <a:r>
+              <a:rPr lang="en-US" sz="2220">
+                <a:solidFill>
+                  <a:srgbClr val="000000"/>
+                </a:solidFill>
+                <a:latin typeface="Glacial Indifference"/>
+                <a:ea typeface="Glacial Indifference"/>
+                <a:cs typeface="Glacial Indifference"/>
+                <a:sym typeface="Glacial Indifference"/>
+              </a:rPr>
+              <a:t>      break;</a:t>
+            </a:r>
+          </a:p>
+          <a:p>
+            <a:pPr algn="ctr">
+              <a:lnSpc>
+                <a:spcPts val="3108"/>
+              </a:lnSpc>
+            </a:pPr>
+            <a:r>
+              <a:rPr lang="en-US" sz="2220">
+                <a:solidFill>
+                  <a:srgbClr val="000000"/>
+                </a:solidFill>
+                <a:latin typeface="Glacial Indifference"/>
+                <a:ea typeface="Glacial Indifference"/>
+                <a:cs typeface="Glacial Indifference"/>
+                <a:sym typeface="Glacial Indifference"/>
+              </a:rPr>
+              <a:t>    }</a:t>
+            </a:r>
+          </a:p>
+          <a:p>
+            <a:pPr algn="ctr">
+              <a:lnSpc>
+                <a:spcPts val="3108"/>
+              </a:lnSpc>
+            </a:pPr>
+            <a:r>
+              <a:rPr lang="en-US" sz="2220">
+                <a:solidFill>
+                  <a:srgbClr val="000000"/>
+                </a:solidFill>
+                <a:latin typeface="Glacial Indifference"/>
+                <a:ea typeface="Glacial Indifference"/>
+                <a:cs typeface="Glacial Indifference"/>
+                <a:sym typeface="Glacial Indifference"/>
+              </a:rPr>
+              <a:t>  }</a:t>
+            </a:r>
+          </a:p>
+          <a:p>
+            <a:pPr algn="ctr">
+              <a:lnSpc>
+                <a:spcPts val="3108"/>
+              </a:lnSpc>
+            </a:pPr>
+            <a:r>
+              <a:rPr lang="en-US" sz="2220">
+                <a:solidFill>
+                  <a:srgbClr val="000000"/>
+                </a:solidFill>
+                <a:latin typeface="Glacial Indifference"/>
+                <a:ea typeface="Glacial Indifference"/>
+                <a:cs typeface="Glacial Indifference"/>
+                <a:sym typeface="Glacial Indifference"/>
+              </a:rPr>
+              <a:t>  return encontrado;</a:t>
+            </a:r>
+          </a:p>
+          <a:p>
+            <a:pPr algn="ctr">
+              <a:lnSpc>
+                <a:spcPts val="3108"/>
+              </a:lnSpc>
+            </a:pPr>
+            <a:r>
+              <a:rPr lang="en-US" sz="2220">
+                <a:solidFill>
+                  <a:srgbClr val="000000"/>
+                </a:solidFill>
+                <a:latin typeface="Glacial Indifference"/>
+                <a:ea typeface="Glacial Indifference"/>
+                <a:cs typeface="Glacial Indifference"/>
+                <a:sym typeface="Glacial Indifference"/>
+              </a:rPr>
+              <a:t>}</a:t>
+            </a:r>
+          </a:p>
+          <a:p>
+            <a:pPr algn="ctr">
+              <a:lnSpc>
+                <a:spcPts val="1988"/>
+              </a:lnSpc>
+              <a:spcBef>
+                <a:spcPct val="0"/>
+              </a:spcBef>
+            </a:pPr>
           </a:p>
         </p:txBody>
       </p:sp>
@@ -13257,9 +12128,9 @@
           <p:nvPr/>
         </p:nvSpPr>
         <p:spPr>
-          <a:xfrm flipH="true" flipV="false" rot="-5400000">
-            <a:off x="4316370" y="-2211614"/>
-            <a:ext cx="9655259" cy="14710229"/>
+          <a:xfrm flipH="false" flipV="false" rot="0">
+            <a:off x="16813874" y="6172200"/>
+            <a:ext cx="3492436" cy="4114800"/>
           </a:xfrm>
           <a:custGeom>
             <a:avLst/>
@@ -13268,21 +12139,21 @@
             <a:cxnLst/>
             <a:rect r="r" b="b" t="t" l="l"/>
             <a:pathLst>
-              <a:path h="14710229" w="9655259">
+              <a:path h="4114800" w="3492436">
                 <a:moveTo>
-                  <a:pt x="9655260" y="0"/>
+                  <a:pt x="0" y="0"/>
                 </a:moveTo>
                 <a:lnTo>
-                  <a:pt x="0" y="0"/>
-                </a:lnTo>
-                <a:lnTo>
-                  <a:pt x="0" y="14710228"/>
-                </a:lnTo>
-                <a:lnTo>
-                  <a:pt x="9655260" y="14710228"/>
-                </a:lnTo>
-                <a:lnTo>
-                  <a:pt x="9655260" y="0"/>
+                  <a:pt x="3492436" y="0"/>
+                </a:lnTo>
+                <a:lnTo>
+                  <a:pt x="3492436" y="4114800"/>
+                </a:lnTo>
+                <a:lnTo>
+                  <a:pt x="0" y="4114800"/>
+                </a:lnTo>
+                <a:lnTo>
+                  <a:pt x="0" y="0"/>
                 </a:lnTo>
                 <a:close/>
               </a:path>
@@ -13309,9 +12180,9 @@
           <p:nvPr/>
         </p:nvSpPr>
         <p:spPr>
-          <a:xfrm flipH="false" flipV="false" rot="0">
-            <a:off x="16813874" y="6172200"/>
-            <a:ext cx="3492436" cy="4114800"/>
+          <a:xfrm flipH="false" flipV="false" rot="-10612816">
+            <a:off x="-302998" y="6367592"/>
+            <a:ext cx="1144663" cy="4114800"/>
           </a:xfrm>
           <a:custGeom>
             <a:avLst/>
@@ -13320,15 +12191,15 @@
             <a:cxnLst/>
             <a:rect r="r" b="b" t="t" l="l"/>
             <a:pathLst>
-              <a:path h="4114800" w="3492436">
+              <a:path h="4114800" w="1144663">
                 <a:moveTo>
                   <a:pt x="0" y="0"/>
                 </a:moveTo>
                 <a:lnTo>
-                  <a:pt x="3492436" y="0"/>
-                </a:lnTo>
-                <a:lnTo>
-                  <a:pt x="3492436" y="4114800"/>
+                  <a:pt x="1144663" y="0"/>
+                </a:lnTo>
+                <a:lnTo>
+                  <a:pt x="1144663" y="4114800"/>
                 </a:lnTo>
                 <a:lnTo>
                   <a:pt x="0" y="4114800"/>
@@ -13361,9 +12232,9 @@
           <p:nvPr/>
         </p:nvSpPr>
         <p:spPr>
-          <a:xfrm flipH="false" flipV="false" rot="-10612816">
-            <a:off x="-302998" y="6367592"/>
-            <a:ext cx="1144663" cy="4114800"/>
+          <a:xfrm flipH="true" flipV="false" rot="-5400000">
+            <a:off x="4316370" y="-2211614"/>
+            <a:ext cx="9655259" cy="14710229"/>
           </a:xfrm>
           <a:custGeom>
             <a:avLst/>
@@ -13372,21 +12243,21 @@
             <a:cxnLst/>
             <a:rect r="r" b="b" t="t" l="l"/>
             <a:pathLst>
-              <a:path h="4114800" w="1144663">
+              <a:path h="14710229" w="9655259">
                 <a:moveTo>
-                  <a:pt x="0" y="0"/>
+                  <a:pt x="9655260" y="0"/>
                 </a:moveTo>
                 <a:lnTo>
-                  <a:pt x="1144663" y="0"/>
-                </a:lnTo>
-                <a:lnTo>
-                  <a:pt x="1144663" y="4114800"/>
-                </a:lnTo>
-                <a:lnTo>
-                  <a:pt x="0" y="4114800"/>
-                </a:lnTo>
-                <a:lnTo>
-                  <a:pt x="0" y="0"/>
+                  <a:pt x="0" y="0"/>
+                </a:lnTo>
+                <a:lnTo>
+                  <a:pt x="0" y="14710228"/>
+                </a:lnTo>
+                <a:lnTo>
+                  <a:pt x="9655260" y="14710228"/>
+                </a:lnTo>
+                <a:lnTo>
+                  <a:pt x="9655260" y="0"/>
                 </a:lnTo>
                 <a:close/>
               </a:path>
@@ -13512,14 +12383,99 @@
       </p:sp>
       <p:sp>
         <p:nvSpPr>
-          <p:cNvPr name="Freeform 9" id="9"/>
+          <p:cNvPr name="TextBox 9" id="9"/>
+          <p:cNvSpPr txBox="true"/>
+          <p:nvPr/>
+        </p:nvSpPr>
+        <p:spPr>
+          <a:xfrm rot="0">
+            <a:off x="2320915" y="1055792"/>
+            <a:ext cx="13646171" cy="1045198"/>
+          </a:xfrm>
+          <a:prstGeom prst="rect">
+            <a:avLst/>
+          </a:prstGeom>
+        </p:spPr>
+        <p:txBody>
+          <a:bodyPr anchor="t" rtlCol="false" tIns="0" lIns="0" bIns="0" rIns="0">
+            <a:spAutoFit/>
+          </a:bodyPr>
+          <a:lstStyle/>
+          <a:p>
+            <a:pPr algn="ctr">
+              <a:lnSpc>
+                <a:spcPts val="8540"/>
+              </a:lnSpc>
+            </a:pPr>
+            <a:r>
+              <a:rPr lang="en-US" sz="6100">
+                <a:solidFill>
+                  <a:srgbClr val="AF805A"/>
+                </a:solidFill>
+                <a:latin typeface="Lazydog"/>
+                <a:ea typeface="Lazydog"/>
+                <a:cs typeface="Lazydog"/>
+                <a:sym typeface="Lazydog"/>
+              </a:rPr>
+              <a:t>Desarrollo del código</a:t>
+            </a:r>
+          </a:p>
+        </p:txBody>
+      </p:sp>
+      <p:sp>
+        <p:nvSpPr>
+          <p:cNvPr name="TextBox 10" id="10"/>
+          <p:cNvSpPr txBox="true"/>
+          <p:nvPr/>
+        </p:nvSpPr>
+        <p:spPr>
+          <a:xfrm rot="0">
+            <a:off x="4168588" y="2607497"/>
+            <a:ext cx="9950824" cy="1109449"/>
+          </a:xfrm>
+          <a:prstGeom prst="rect">
+            <a:avLst/>
+          </a:prstGeom>
+        </p:spPr>
+        <p:txBody>
+          <a:bodyPr anchor="t" rtlCol="false" tIns="0" lIns="0" bIns="0" rIns="0">
+            <a:spAutoFit/>
+          </a:bodyPr>
+          <a:lstStyle/>
+          <a:p>
+            <a:pPr algn="ctr">
+              <a:lnSpc>
+                <a:spcPts val="4474"/>
+              </a:lnSpc>
+              <a:spcBef>
+                <a:spcPct val="0"/>
+              </a:spcBef>
+            </a:pPr>
+            <a:r>
+              <a:rPr lang="en-US" sz="3195">
+                <a:solidFill>
+                  <a:srgbClr val="000000"/>
+                </a:solidFill>
+                <a:latin typeface="Glacial Indifference"/>
+                <a:ea typeface="Glacial Indifference"/>
+                <a:cs typeface="Glacial Indifference"/>
+                <a:sym typeface="Glacial Indifference"/>
+              </a:rPr>
+              <a:t>Para terminar el código, creamos una última función principal estilo menú para poder seleccionar opciones</a:t>
+            </a:r>
+          </a:p>
+        </p:txBody>
+      </p:sp>
+      <p:sp>
+        <p:nvSpPr>
+          <p:cNvPr name="Freeform 11" id="11"/>
           <p:cNvSpPr/>
           <p:nvPr/>
         </p:nvSpPr>
         <p:spPr>
           <a:xfrm flipH="false" flipV="false" rot="0">
-            <a:off x="3676970" y="4564162"/>
-            <a:ext cx="3272397" cy="5186796"/>
+            <a:off x="7504167" y="3893518"/>
+            <a:ext cx="3279667" cy="966181"/>
           </a:xfrm>
           <a:custGeom>
             <a:avLst/>
@@ -13528,18 +12484,18 @@
             <a:cxnLst/>
             <a:rect r="r" b="b" t="t" l="l"/>
             <a:pathLst>
-              <a:path h="5186796" w="3272397">
+              <a:path h="966181" w="3279667">
                 <a:moveTo>
                   <a:pt x="0" y="0"/>
                 </a:moveTo>
                 <a:lnTo>
-                  <a:pt x="3272397" y="0"/>
-                </a:lnTo>
-                <a:lnTo>
-                  <a:pt x="3272397" y="5186797"/>
-                </a:lnTo>
-                <a:lnTo>
-                  <a:pt x="0" y="5186797"/>
+                  <a:pt x="3279666" y="0"/>
+                </a:lnTo>
+                <a:lnTo>
+                  <a:pt x="3279666" y="966181"/>
+                </a:lnTo>
+                <a:lnTo>
+                  <a:pt x="0" y="966181"/>
                 </a:lnTo>
                 <a:lnTo>
                   <a:pt x="0" y="0"/>
@@ -13564,14 +12520,58 @@
       </p:sp>
       <p:sp>
         <p:nvSpPr>
-          <p:cNvPr name="Freeform 10" id="10"/>
+          <p:cNvPr name="TextBox 12" id="12"/>
+          <p:cNvSpPr txBox="true"/>
+          <p:nvPr/>
+        </p:nvSpPr>
+        <p:spPr>
+          <a:xfrm rot="0">
+            <a:off x="8332634" y="4010690"/>
+            <a:ext cx="1763464" cy="547474"/>
+          </a:xfrm>
+          <a:prstGeom prst="rect">
+            <a:avLst/>
+          </a:prstGeom>
+        </p:spPr>
+        <p:txBody>
+          <a:bodyPr anchor="t" rtlCol="false" tIns="0" lIns="0" bIns="0" rIns="0">
+            <a:spAutoFit/>
+          </a:bodyPr>
+          <a:lstStyle/>
+          <a:p>
+            <a:pPr algn="ctr">
+              <a:lnSpc>
+                <a:spcPts val="4474"/>
+              </a:lnSpc>
+              <a:spcBef>
+                <a:spcPct val="0"/>
+              </a:spcBef>
+            </a:pPr>
+            <a:r>
+              <a:rPr lang="en-US" sz="3195">
+                <a:solidFill>
+                  <a:srgbClr val="000000"/>
+                </a:solidFill>
+                <a:latin typeface="Glacial Indifference"/>
+                <a:ea typeface="Glacial Indifference"/>
+                <a:cs typeface="Glacial Indifference"/>
+                <a:sym typeface="Glacial Indifference"/>
+              </a:rPr>
+              <a:t>principal()</a:t>
+            </a:r>
+          </a:p>
+        </p:txBody>
+      </p:sp>
+      <p:sp>
+        <p:nvSpPr>
+          <p:cNvPr name="Freeform 13" id="13"/>
           <p:cNvSpPr/>
           <p:nvPr/>
         </p:nvSpPr>
         <p:spPr>
           <a:xfrm flipH="false" flipV="false" rot="0">
-            <a:off x="8816302" y="3935179"/>
-            <a:ext cx="6802813" cy="6035951"/>
+            <a:off x="7634164" y="4923744"/>
+            <a:ext cx="3160404" cy="5009286"/>
           </a:xfrm>
           <a:custGeom>
             <a:avLst/>
@@ -13580,18 +12580,18 @@
             <a:cxnLst/>
             <a:rect r="r" b="b" t="t" l="l"/>
             <a:pathLst>
-              <a:path h="6035951" w="6802813">
+              <a:path h="5009286" w="3160404">
                 <a:moveTo>
                   <a:pt x="0" y="0"/>
                 </a:moveTo>
                 <a:lnTo>
-                  <a:pt x="6802813" y="0"/>
-                </a:lnTo>
-                <a:lnTo>
-                  <a:pt x="6802813" y="6035951"/>
-                </a:lnTo>
-                <a:lnTo>
-                  <a:pt x="0" y="6035951"/>
+                  <a:pt x="3160405" y="0"/>
+                </a:lnTo>
+                <a:lnTo>
+                  <a:pt x="3160405" y="5009286"/>
+                </a:lnTo>
+                <a:lnTo>
+                  <a:pt x="0" y="5009286"/>
                 </a:lnTo>
                 <a:lnTo>
                   <a:pt x="0" y="0"/>
@@ -13616,14 +12616,14 @@
       </p:sp>
       <p:sp>
         <p:nvSpPr>
-          <p:cNvPr name="TextBox 11" id="11"/>
+          <p:cNvPr name="TextBox 14" id="14"/>
           <p:cNvSpPr txBox="true"/>
           <p:nvPr/>
         </p:nvSpPr>
         <p:spPr>
           <a:xfrm rot="0">
-            <a:off x="2320915" y="1055792"/>
-            <a:ext cx="13646171" cy="1045198"/>
+            <a:off x="7302802" y="5105400"/>
+            <a:ext cx="3491767" cy="4581854"/>
           </a:xfrm>
           <a:prstGeom prst="rect">
             <a:avLst/>
@@ -13637,55 +12637,14 @@
           <a:p>
             <a:pPr algn="ctr">
               <a:lnSpc>
-                <a:spcPts val="8540"/>
-              </a:lnSpc>
-            </a:pPr>
-            <a:r>
-              <a:rPr lang="en-US" sz="6100">
-                <a:solidFill>
-                  <a:srgbClr val="AF805A"/>
-                </a:solidFill>
-                <a:latin typeface="Lazydog"/>
-                <a:ea typeface="Lazydog"/>
-                <a:cs typeface="Lazydog"/>
-                <a:sym typeface="Lazydog"/>
-              </a:rPr>
-              <a:t>Desarrollo del código</a:t>
-            </a:r>
-          </a:p>
-        </p:txBody>
-      </p:sp>
-      <p:sp>
-        <p:nvSpPr>
-          <p:cNvPr name="TextBox 12" id="12"/>
-          <p:cNvSpPr txBox="true"/>
-          <p:nvPr/>
-        </p:nvSpPr>
-        <p:spPr>
-          <a:xfrm rot="0">
-            <a:off x="4023541" y="2379616"/>
-            <a:ext cx="9950824" cy="1671424"/>
-          </a:xfrm>
-          <a:prstGeom prst="rect">
-            <a:avLst/>
-          </a:prstGeom>
-        </p:spPr>
-        <p:txBody>
-          <a:bodyPr anchor="t" rtlCol="false" tIns="0" lIns="0" bIns="0" rIns="0">
-            <a:spAutoFit/>
-          </a:bodyPr>
-          <a:lstStyle/>
-          <a:p>
-            <a:pPr algn="ctr">
-              <a:lnSpc>
-                <a:spcPts val="4474"/>
+                <a:spcPts val="2435"/>
               </a:lnSpc>
               <a:spcBef>
                 <a:spcPct val="0"/>
               </a:spcBef>
             </a:pPr>
             <a:r>
-              <a:rPr lang="en-US" sz="3195">
+              <a:rPr lang="en-US" sz="1739">
                 <a:solidFill>
                   <a:srgbClr val="000000"/>
                 </a:solidFill>
@@ -13694,39 +12653,20 @@
                 <a:cs typeface="Glacial Indifference"/>
                 <a:sym typeface="Glacial Indifference"/>
               </a:rPr>
-              <a:t>Creamos funciones que nos ayudarían a simplificar ciertas tareas, además de recortar el código y la memoria que este consume.</a:t>
-            </a:r>
-          </a:p>
-        </p:txBody>
-      </p:sp>
-      <p:sp>
-        <p:nvSpPr>
-          <p:cNvPr name="TextBox 13" id="13"/>
-          <p:cNvSpPr txBox="true"/>
-          <p:nvPr/>
-        </p:nvSpPr>
-        <p:spPr>
-          <a:xfrm rot="0">
-            <a:off x="4329446" y="4765414"/>
-            <a:ext cx="2836110" cy="4746193"/>
-          </a:xfrm>
-          <a:prstGeom prst="rect">
-            <a:avLst/>
-          </a:prstGeom>
-        </p:spPr>
-        <p:txBody>
-          <a:bodyPr anchor="t" rtlCol="false" tIns="0" lIns="0" bIns="0" rIns="0">
-            <a:spAutoFit/>
-          </a:bodyPr>
-          <a:lstStyle/>
-          <a:p>
-            <a:pPr algn="l">
+              <a:t>LCD.clear();</a:t>
+            </a:r>
+          </a:p>
+          <a:p>
+            <a:pPr algn="ctr">
               <a:lnSpc>
-                <a:spcPts val="2879"/>
+                <a:spcPts val="2435"/>
               </a:lnSpc>
+              <a:spcBef>
+                <a:spcPct val="0"/>
+              </a:spcBef>
             </a:pPr>
             <a:r>
-              <a:rPr lang="en-US" sz="2056">
+              <a:rPr lang="en-US" sz="1739">
                 <a:solidFill>
                   <a:srgbClr val="000000"/>
                 </a:solidFill>
@@ -13735,17 +12675,20 @@
                 <a:cs typeface="Glacial Indifference"/>
                 <a:sym typeface="Glacial Indifference"/>
               </a:rPr>
-              <a:t>String lectura() {</a:t>
-            </a:r>
-          </a:p>
-          <a:p>
-            <a:pPr algn="l">
+              <a:t>  LCD.setCursor(0,0);</a:t>
+            </a:r>
+          </a:p>
+          <a:p>
+            <a:pPr algn="ctr">
               <a:lnSpc>
-                <a:spcPts val="2879"/>
+                <a:spcPts val="2435"/>
               </a:lnSpc>
+              <a:spcBef>
+                <a:spcPct val="0"/>
+              </a:spcBef>
             </a:pPr>
             <a:r>
-              <a:rPr lang="en-US" sz="2056">
+              <a:rPr lang="en-US" sz="1739">
                 <a:solidFill>
                   <a:srgbClr val="000000"/>
                 </a:solidFill>
@@ -13754,17 +12697,20 @@
                 <a:cs typeface="Glacial Indifference"/>
                 <a:sym typeface="Glacial Indifference"/>
               </a:rPr>
-              <a:t>  String a = "";</a:t>
-            </a:r>
-          </a:p>
-          <a:p>
-            <a:pPr algn="l">
+              <a:t>  LCD.print("1 - Boton");</a:t>
+            </a:r>
+          </a:p>
+          <a:p>
+            <a:pPr algn="ctr">
               <a:lnSpc>
-                <a:spcPts val="2879"/>
+                <a:spcPts val="2435"/>
               </a:lnSpc>
+              <a:spcBef>
+                <a:spcPct val="0"/>
+              </a:spcBef>
             </a:pPr>
             <a:r>
-              <a:rPr lang="en-US" sz="2056">
+              <a:rPr lang="en-US" sz="1739">
                 <a:solidFill>
                   <a:srgbClr val="000000"/>
                 </a:solidFill>
@@ -13773,17 +12719,20 @@
                 <a:cs typeface="Glacial Indifference"/>
                 <a:sym typeface="Glacial Indifference"/>
               </a:rPr>
-              <a:t>  while (Serial.available()) { </a:t>
-            </a:r>
-          </a:p>
-          <a:p>
-            <a:pPr algn="l">
+              <a:t>  LCD.setCursor(0,1);</a:t>
+            </a:r>
+          </a:p>
+          <a:p>
+            <a:pPr algn="ctr">
               <a:lnSpc>
-                <a:spcPts val="2879"/>
+                <a:spcPts val="2435"/>
               </a:lnSpc>
+              <a:spcBef>
+                <a:spcPct val="0"/>
+              </a:spcBef>
             </a:pPr>
             <a:r>
-              <a:rPr lang="en-US" sz="2056">
+              <a:rPr lang="en-US" sz="1739">
                 <a:solidFill>
                   <a:srgbClr val="000000"/>
                 </a:solidFill>
@@ -13792,17 +12741,20 @@
                 <a:cs typeface="Glacial Indifference"/>
                 <a:sym typeface="Glacial Indifference"/>
               </a:rPr>
-              <a:t>    char caracter = Serial.read();</a:t>
-            </a:r>
-          </a:p>
-          <a:p>
-            <a:pPr algn="l">
+              <a:t>  LCD.print("2 - Texto");</a:t>
+            </a:r>
+          </a:p>
+          <a:p>
+            <a:pPr algn="ctr">
               <a:lnSpc>
-                <a:spcPts val="2879"/>
+                <a:spcPts val="2435"/>
               </a:lnSpc>
+              <a:spcBef>
+                <a:spcPct val="0"/>
+              </a:spcBef>
             </a:pPr>
             <a:r>
-              <a:rPr lang="en-US" sz="2056">
+              <a:rPr lang="en-US" sz="1739">
                 <a:solidFill>
                   <a:srgbClr val="000000"/>
                 </a:solidFill>
@@ -13811,17 +12763,20 @@
                 <a:cs typeface="Glacial Indifference"/>
                 <a:sym typeface="Glacial Indifference"/>
               </a:rPr>
-              <a:t>    a += caracter;</a:t>
-            </a:r>
-          </a:p>
-          <a:p>
-            <a:pPr algn="l">
+              <a:t>  LCD.setCursor(0,0);</a:t>
+            </a:r>
+          </a:p>
+          <a:p>
+            <a:pPr algn="ctr">
               <a:lnSpc>
-                <a:spcPts val="2879"/>
+                <a:spcPts val="2435"/>
               </a:lnSpc>
+              <a:spcBef>
+                <a:spcPct val="0"/>
+              </a:spcBef>
             </a:pPr>
             <a:r>
-              <a:rPr lang="en-US" sz="2056">
+              <a:rPr lang="en-US" sz="1739">
                 <a:solidFill>
                   <a:srgbClr val="000000"/>
                 </a:solidFill>
@@ -13830,17 +12785,42 @@
                 <a:cs typeface="Glacial Indifference"/>
                 <a:sym typeface="Glacial Indifference"/>
               </a:rPr>
-              <a:t>    delay(2);</a:t>
-            </a:r>
-          </a:p>
-          <a:p>
-            <a:pPr algn="l">
+              <a:t>  while(!Serial.available()){</a:t>
+            </a:r>
+          </a:p>
+          <a:p>
+            <a:pPr algn="ctr">
               <a:lnSpc>
-                <a:spcPts val="2879"/>
+                <a:spcPts val="2435"/>
               </a:lnSpc>
+              <a:spcBef>
+                <a:spcPct val="0"/>
+              </a:spcBef>
             </a:pPr>
             <a:r>
-              <a:rPr lang="en-US" sz="2056">
+              <a:rPr lang="en-US" sz="1739">
+                <a:solidFill>
+                  <a:srgbClr val="000000"/>
+                </a:solidFill>
+                <a:latin typeface="Glacial Indifference"/>
+                <a:ea typeface="Glacial Indifference"/>
+                <a:cs typeface="Glacial Indifference"/>
+                <a:sym typeface="Glacial Indifference"/>
+              </a:rPr>
+              <a:t>  </a:t>
+            </a:r>
+          </a:p>
+          <a:p>
+            <a:pPr algn="ctr">
+              <a:lnSpc>
+                <a:spcPts val="2435"/>
+              </a:lnSpc>
+              <a:spcBef>
+                <a:spcPct val="0"/>
+              </a:spcBef>
+            </a:pPr>
+            <a:r>
+              <a:rPr lang="en-US" sz="1739">
                 <a:solidFill>
                   <a:srgbClr val="000000"/>
                 </a:solidFill>
@@ -13853,13 +12833,16 @@
             </a:r>
           </a:p>
           <a:p>
-            <a:pPr algn="l">
+            <a:pPr algn="ctr">
               <a:lnSpc>
-                <a:spcPts val="2879"/>
+                <a:spcPts val="2435"/>
               </a:lnSpc>
+              <a:spcBef>
+                <a:spcPct val="0"/>
+              </a:spcBef>
             </a:pPr>
             <a:r>
-              <a:rPr lang="en-US" sz="2056">
+              <a:rPr lang="en-US" sz="1739">
                 <a:solidFill>
                   <a:srgbClr val="000000"/>
                 </a:solidFill>
@@ -13868,17 +12851,20 @@
                 <a:cs typeface="Glacial Indifference"/>
                 <a:sym typeface="Glacial Indifference"/>
               </a:rPr>
-              <a:t>  Serial.println(a);</a:t>
-            </a:r>
-          </a:p>
-          <a:p>
-            <a:pPr algn="l">
+              <a:t>  if (Serial.available()) {</a:t>
+            </a:r>
+          </a:p>
+          <a:p>
+            <a:pPr algn="ctr">
               <a:lnSpc>
-                <a:spcPts val="2879"/>
+                <a:spcPts val="2435"/>
               </a:lnSpc>
+              <a:spcBef>
+                <a:spcPct val="0"/>
+              </a:spcBef>
             </a:pPr>
             <a:r>
-              <a:rPr lang="en-US" sz="2056">
+              <a:rPr lang="en-US" sz="1739">
                 <a:solidFill>
                   <a:srgbClr val="000000"/>
                 </a:solidFill>
@@ -13887,17 +12873,20 @@
                 <a:cs typeface="Glacial Indifference"/>
                 <a:sym typeface="Glacial Indifference"/>
               </a:rPr>
-              <a:t>  return a;</a:t>
-            </a:r>
-          </a:p>
-          <a:p>
-            <a:pPr algn="l">
+              <a:t>    String opcion = lectura();</a:t>
+            </a:r>
+          </a:p>
+          <a:p>
+            <a:pPr algn="ctr">
               <a:lnSpc>
-                <a:spcPts val="2879"/>
+                <a:spcPts val="2435"/>
               </a:lnSpc>
+              <a:spcBef>
+                <a:spcPct val="0"/>
+              </a:spcBef>
             </a:pPr>
             <a:r>
-              <a:rPr lang="en-US" sz="2056">
+              <a:rPr lang="en-US" sz="1739">
                 <a:solidFill>
                   <a:srgbClr val="000000"/>
                 </a:solidFill>
@@ -13906,49 +12895,20 @@
                 <a:cs typeface="Glacial Indifference"/>
                 <a:sym typeface="Glacial Indifference"/>
               </a:rPr>
-              <a:t>}</a:t>
-            </a:r>
-          </a:p>
-          <a:p>
-            <a:pPr algn="l">
+              <a:t>    if(opcion == "1"){</a:t>
+            </a:r>
+          </a:p>
+          <a:p>
+            <a:pPr algn="ctr">
               <a:lnSpc>
-                <a:spcPts val="3206"/>
+                <a:spcPts val="2435"/>
               </a:lnSpc>
               <a:spcBef>
                 <a:spcPct val="0"/>
               </a:spcBef>
             </a:pPr>
-          </a:p>
-        </p:txBody>
-      </p:sp>
-      <p:sp>
-        <p:nvSpPr>
-          <p:cNvPr name="TextBox 14" id="14"/>
-          <p:cNvSpPr txBox="true"/>
-          <p:nvPr/>
-        </p:nvSpPr>
-        <p:spPr>
-          <a:xfrm rot="0">
-            <a:off x="8955087" y="4461673"/>
-            <a:ext cx="6525244" cy="4935338"/>
-          </a:xfrm>
-          <a:prstGeom prst="rect">
-            <a:avLst/>
-          </a:prstGeom>
-        </p:spPr>
-        <p:txBody>
-          <a:bodyPr anchor="t" rtlCol="false" tIns="0" lIns="0" bIns="0" rIns="0">
-            <a:spAutoFit/>
-          </a:bodyPr>
-          <a:lstStyle/>
-          <a:p>
-            <a:pPr algn="ctr">
-              <a:lnSpc>
-                <a:spcPts val="3108"/>
-              </a:lnSpc>
-            </a:pPr>
-            <a:r>
-              <a:rPr lang="en-US" sz="2220">
+            <a:r>
+              <a:rPr lang="en-US" sz="1739">
                 <a:solidFill>
                   <a:srgbClr val="000000"/>
                 </a:solidFill>
@@ -13957,17 +12917,20 @@
                 <a:cs typeface="Glacial Indifference"/>
                 <a:sym typeface="Glacial Indifference"/>
               </a:rPr>
-              <a:t>bool buscar(String string, int hastaDonde, String vectorComparar[], String vectorImprimir[]) {</a:t>
+              <a:t>      LCD.clear();</a:t>
             </a:r>
           </a:p>
           <a:p>
             <a:pPr algn="ctr">
               <a:lnSpc>
-                <a:spcPts val="3108"/>
+                <a:spcPts val="2435"/>
               </a:lnSpc>
+              <a:spcBef>
+                <a:spcPct val="0"/>
+              </a:spcBef>
             </a:pPr>
             <a:r>
-              <a:rPr lang="en-US" sz="2220">
+              <a:rPr lang="en-US" sz="1739">
                 <a:solidFill>
                   <a:srgbClr val="000000"/>
                 </a:solidFill>
@@ -13976,112 +12939,20 @@
                 <a:cs typeface="Glacial Indifference"/>
                 <a:sym typeface="Glacial Indifference"/>
               </a:rPr>
-              <a:t>  bool encontrado = false;</a:t>
+              <a:t>      BotonATXT();</a:t>
             </a:r>
           </a:p>
           <a:p>
             <a:pPr algn="ctr">
               <a:lnSpc>
-                <a:spcPts val="3108"/>
+                <a:spcPts val="2435"/>
               </a:lnSpc>
+              <a:spcBef>
+                <a:spcPct val="0"/>
+              </a:spcBef>
             </a:pPr>
             <a:r>
-              <a:rPr lang="en-US" sz="2220">
-                <a:solidFill>
-                  <a:srgbClr val="000000"/>
-                </a:solidFill>
-                <a:latin typeface="Glacial Indifference"/>
-                <a:ea typeface="Glacial Indifference"/>
-                <a:cs typeface="Glacial Indifference"/>
-                <a:sym typeface="Glacial Indifference"/>
-              </a:rPr>
-              <a:t>  for (int n = 0; n &lt; hastaDonde; n++) {</a:t>
-            </a:r>
-          </a:p>
-          <a:p>
-            <a:pPr algn="ctr">
-              <a:lnSpc>
-                <a:spcPts val="3108"/>
-              </a:lnSpc>
-            </a:pPr>
-            <a:r>
-              <a:rPr lang="en-US" sz="2220">
-                <a:solidFill>
-                  <a:srgbClr val="000000"/>
-                </a:solidFill>
-                <a:latin typeface="Glacial Indifference"/>
-                <a:ea typeface="Glacial Indifference"/>
-                <a:cs typeface="Glacial Indifference"/>
-                <a:sym typeface="Glacial Indifference"/>
-              </a:rPr>
-              <a:t>    if (string == vectorComparar[n]) {</a:t>
-            </a:r>
-          </a:p>
-          <a:p>
-            <a:pPr algn="ctr">
-              <a:lnSpc>
-                <a:spcPts val="3108"/>
-              </a:lnSpc>
-            </a:pPr>
-            <a:r>
-              <a:rPr lang="en-US" sz="2220">
-                <a:solidFill>
-                  <a:srgbClr val="000000"/>
-                </a:solidFill>
-                <a:latin typeface="Glacial Indifference"/>
-                <a:ea typeface="Glacial Indifference"/>
-                <a:cs typeface="Glacial Indifference"/>
-                <a:sym typeface="Glacial Indifference"/>
-              </a:rPr>
-              <a:t>      LCD.print(vectorImprimir[n]);</a:t>
-            </a:r>
-          </a:p>
-          <a:p>
-            <a:pPr algn="ctr">
-              <a:lnSpc>
-                <a:spcPts val="3108"/>
-              </a:lnSpc>
-            </a:pPr>
-            <a:r>
-              <a:rPr lang="en-US" sz="2220">
-                <a:solidFill>
-                  <a:srgbClr val="000000"/>
-                </a:solidFill>
-                <a:latin typeface="Glacial Indifference"/>
-                <a:ea typeface="Glacial Indifference"/>
-                <a:cs typeface="Glacial Indifference"/>
-                <a:sym typeface="Glacial Indifference"/>
-              </a:rPr>
-              <a:t>      encontrado = true;</a:t>
-            </a:r>
-          </a:p>
-          <a:p>
-            <a:pPr algn="ctr">
-              <a:lnSpc>
-                <a:spcPts val="3108"/>
-              </a:lnSpc>
-            </a:pPr>
-            <a:r>
-              <a:rPr lang="en-US" sz="2220">
-                <a:solidFill>
-                  <a:srgbClr val="000000"/>
-                </a:solidFill>
-                <a:latin typeface="Glacial Indifference"/>
-                <a:ea typeface="Glacial Indifference"/>
-                <a:cs typeface="Glacial Indifference"/>
-                <a:sym typeface="Glacial Indifference"/>
-              </a:rPr>
-              <a:t>      break;</a:t>
-            </a:r>
-          </a:p>
-          <a:p>
-            <a:pPr algn="ctr">
-              <a:lnSpc>
-                <a:spcPts val="3108"/>
-              </a:lnSpc>
-            </a:pPr>
-            <a:r>
-              <a:rPr lang="en-US" sz="2220">
+              <a:rPr lang="en-US" sz="1739">
                 <a:solidFill>
                   <a:srgbClr val="000000"/>
                 </a:solidFill>
@@ -14092,73 +12963,6 @@
               </a:rPr>
               <a:t>    }</a:t>
             </a:r>
-          </a:p>
-          <a:p>
-            <a:pPr algn="ctr">
-              <a:lnSpc>
-                <a:spcPts val="3108"/>
-              </a:lnSpc>
-            </a:pPr>
-            <a:r>
-              <a:rPr lang="en-US" sz="2220">
-                <a:solidFill>
-                  <a:srgbClr val="000000"/>
-                </a:solidFill>
-                <a:latin typeface="Glacial Indifference"/>
-                <a:ea typeface="Glacial Indifference"/>
-                <a:cs typeface="Glacial Indifference"/>
-                <a:sym typeface="Glacial Indifference"/>
-              </a:rPr>
-              <a:t>  }</a:t>
-            </a:r>
-          </a:p>
-          <a:p>
-            <a:pPr algn="ctr">
-              <a:lnSpc>
-                <a:spcPts val="3108"/>
-              </a:lnSpc>
-            </a:pPr>
-            <a:r>
-              <a:rPr lang="en-US" sz="2220">
-                <a:solidFill>
-                  <a:srgbClr val="000000"/>
-                </a:solidFill>
-                <a:latin typeface="Glacial Indifference"/>
-                <a:ea typeface="Glacial Indifference"/>
-                <a:cs typeface="Glacial Indifference"/>
-                <a:sym typeface="Glacial Indifference"/>
-              </a:rPr>
-              <a:t>  return encontrado;</a:t>
-            </a:r>
-          </a:p>
-          <a:p>
-            <a:pPr algn="ctr">
-              <a:lnSpc>
-                <a:spcPts val="3108"/>
-              </a:lnSpc>
-            </a:pPr>
-            <a:r>
-              <a:rPr lang="en-US" sz="2220">
-                <a:solidFill>
-                  <a:srgbClr val="000000"/>
-                </a:solidFill>
-                <a:latin typeface="Glacial Indifference"/>
-                <a:ea typeface="Glacial Indifference"/>
-                <a:cs typeface="Glacial Indifference"/>
-                <a:sym typeface="Glacial Indifference"/>
-              </a:rPr>
-              <a:t>}</a:t>
-            </a:r>
-          </a:p>
-          <a:p>
-            <a:pPr algn="ctr">
-              <a:lnSpc>
-                <a:spcPts val="1988"/>
-              </a:lnSpc>
-              <a:spcBef>
-                <a:spcPct val="0"/>
-              </a:spcBef>
-            </a:pPr>
           </a:p>
         </p:txBody>
       </p:sp>
@@ -14358,8 +13162,8 @@
         </p:nvSpPr>
         <p:spPr>
           <a:xfrm flipH="false" flipV="false" rot="0">
-            <a:off x="2754035" y="623135"/>
-            <a:ext cx="6389965" cy="1677366"/>
+            <a:off x="16813874" y="6172200"/>
+            <a:ext cx="3492436" cy="4114800"/>
           </a:xfrm>
           <a:custGeom>
             <a:avLst/>
@@ -14368,18 +13172,18 @@
             <a:cxnLst/>
             <a:rect r="r" b="b" t="t" l="l"/>
             <a:pathLst>
-              <a:path h="1677366" w="6389965">
+              <a:path h="4114800" w="3492436">
                 <a:moveTo>
                   <a:pt x="0" y="0"/>
                 </a:moveTo>
                 <a:lnTo>
-                  <a:pt x="6389965" y="0"/>
-                </a:lnTo>
-                <a:lnTo>
-                  <a:pt x="6389965" y="1677366"/>
-                </a:lnTo>
-                <a:lnTo>
-                  <a:pt x="0" y="1677366"/>
+                  <a:pt x="3492436" y="0"/>
+                </a:lnTo>
+                <a:lnTo>
+                  <a:pt x="3492436" y="4114800"/>
+                </a:lnTo>
+                <a:lnTo>
+                  <a:pt x="0" y="4114800"/>
                 </a:lnTo>
                 <a:lnTo>
                   <a:pt x="0" y="0"/>
@@ -14409,9 +13213,9 @@
           <p:nvPr/>
         </p:nvSpPr>
         <p:spPr>
-          <a:xfrm flipH="false" flipV="false" rot="0">
-            <a:off x="8908676" y="623135"/>
-            <a:ext cx="6389965" cy="1677366"/>
+          <a:xfrm flipH="false" flipV="false" rot="-10612816">
+            <a:off x="-302998" y="6367592"/>
+            <a:ext cx="1144663" cy="4114800"/>
           </a:xfrm>
           <a:custGeom>
             <a:avLst/>
@@ -14420,108 +13224,15 @@
             <a:cxnLst/>
             <a:rect r="r" b="b" t="t" l="l"/>
             <a:pathLst>
-              <a:path h="1677366" w="6389965">
+              <a:path h="4114800" w="1144663">
                 <a:moveTo>
                   <a:pt x="0" y="0"/>
                 </a:moveTo>
                 <a:lnTo>
-                  <a:pt x="6389965" y="0"/>
-                </a:lnTo>
-                <a:lnTo>
-                  <a:pt x="6389965" y="1677366"/>
-                </a:lnTo>
-                <a:lnTo>
-                  <a:pt x="0" y="1677366"/>
-                </a:lnTo>
-                <a:lnTo>
-                  <a:pt x="0" y="0"/>
-                </a:lnTo>
-                <a:close/>
-              </a:path>
-            </a:pathLst>
-          </a:custGeom>
-          <a:blipFill>
-            <a:blip r:embed="rId8">
-              <a:extLst>
-                <a:ext uri="{96DAC541-7B7A-43D3-8B79-37D633B846F1}">
-                  <asvg:svgBlip xmlns:asvg="http://schemas.microsoft.com/office/drawing/2016/SVG/main" r:embed="rId9"/>
-                </a:ext>
-              </a:extLst>
-            </a:blip>
-            <a:stretch>
-              <a:fillRect l="0" t="0" r="0" b="0"/>
-            </a:stretch>
-          </a:blipFill>
-        </p:spPr>
-      </p:sp>
-      <p:sp>
-        <p:nvSpPr>
-          <p:cNvPr name="TextBox 7" id="7"/>
-          <p:cNvSpPr txBox="true"/>
-          <p:nvPr/>
-        </p:nvSpPr>
-        <p:spPr>
-          <a:xfrm rot="0">
-            <a:off x="2320915" y="1055792"/>
-            <a:ext cx="13646171" cy="1045198"/>
-          </a:xfrm>
-          <a:prstGeom prst="rect">
-            <a:avLst/>
-          </a:prstGeom>
-        </p:spPr>
-        <p:txBody>
-          <a:bodyPr anchor="t" rtlCol="false" tIns="0" lIns="0" bIns="0" rIns="0">
-            <a:spAutoFit/>
-          </a:bodyPr>
-          <a:lstStyle/>
-          <a:p>
-            <a:pPr algn="ctr">
-              <a:lnSpc>
-                <a:spcPts val="8540"/>
-              </a:lnSpc>
-            </a:pPr>
-            <a:r>
-              <a:rPr lang="en-US" sz="6100">
-                <a:solidFill>
-                  <a:srgbClr val="AF805A"/>
-                </a:solidFill>
-                <a:latin typeface="Lazydog"/>
-                <a:ea typeface="Lazydog"/>
-                <a:cs typeface="Lazydog"/>
-                <a:sym typeface="Lazydog"/>
-              </a:rPr>
-              <a:t>Desarrollo del código</a:t>
-            </a:r>
-          </a:p>
-        </p:txBody>
-      </p:sp>
-      <p:sp>
-        <p:nvSpPr>
-          <p:cNvPr name="Freeform 8" id="8"/>
-          <p:cNvSpPr/>
-          <p:nvPr/>
-        </p:nvSpPr>
-        <p:spPr>
-          <a:xfrm flipH="false" flipV="false" rot="0">
-            <a:off x="16813874" y="6172200"/>
-            <a:ext cx="3492436" cy="4114800"/>
-          </a:xfrm>
-          <a:custGeom>
-            <a:avLst/>
-            <a:gdLst/>
-            <a:ahLst/>
-            <a:cxnLst/>
-            <a:rect r="r" b="b" t="t" l="l"/>
-            <a:pathLst>
-              <a:path h="4114800" w="3492436">
-                <a:moveTo>
-                  <a:pt x="0" y="0"/>
-                </a:moveTo>
-                <a:lnTo>
-                  <a:pt x="3492436" y="0"/>
-                </a:lnTo>
-                <a:lnTo>
-                  <a:pt x="3492436" y="4114800"/>
+                  <a:pt x="1144663" y="0"/>
+                </a:lnTo>
+                <a:lnTo>
+                  <a:pt x="1144663" y="4114800"/>
                 </a:lnTo>
                 <a:lnTo>
                   <a:pt x="0" y="4114800"/>
@@ -14549,14 +13260,14 @@
       </p:sp>
       <p:sp>
         <p:nvSpPr>
-          <p:cNvPr name="Freeform 9" id="9"/>
+          <p:cNvPr name="Freeform 7" id="7"/>
           <p:cNvSpPr/>
           <p:nvPr/>
         </p:nvSpPr>
         <p:spPr>
-          <a:xfrm flipH="false" flipV="false" rot="-10612816">
-            <a:off x="-302998" y="6367592"/>
-            <a:ext cx="1144663" cy="4114800"/>
+          <a:xfrm flipH="false" flipV="false" rot="0">
+            <a:off x="2754035" y="623135"/>
+            <a:ext cx="6389965" cy="1677366"/>
           </a:xfrm>
           <a:custGeom>
             <a:avLst/>
@@ -14565,18 +13276,18 @@
             <a:cxnLst/>
             <a:rect r="r" b="b" t="t" l="l"/>
             <a:pathLst>
-              <a:path h="4114800" w="1144663">
+              <a:path h="1677366" w="6389965">
                 <a:moveTo>
                   <a:pt x="0" y="0"/>
                 </a:moveTo>
                 <a:lnTo>
-                  <a:pt x="1144663" y="0"/>
-                </a:lnTo>
-                <a:lnTo>
-                  <a:pt x="1144663" y="4114800"/>
-                </a:lnTo>
-                <a:lnTo>
-                  <a:pt x="0" y="4114800"/>
+                  <a:pt x="6389965" y="0"/>
+                </a:lnTo>
+                <a:lnTo>
+                  <a:pt x="6389965" y="1677366"/>
+                </a:lnTo>
+                <a:lnTo>
+                  <a:pt x="0" y="1677366"/>
                 </a:lnTo>
                 <a:lnTo>
                   <a:pt x="0" y="0"/>
@@ -14601,14 +13312,14 @@
       </p:sp>
       <p:sp>
         <p:nvSpPr>
-          <p:cNvPr name="Freeform 10" id="10"/>
+          <p:cNvPr name="Freeform 8" id="8"/>
           <p:cNvSpPr/>
           <p:nvPr/>
         </p:nvSpPr>
         <p:spPr>
           <a:xfrm flipH="false" flipV="false" rot="0">
-            <a:off x="2473315" y="3716946"/>
-            <a:ext cx="3279667" cy="966181"/>
+            <a:off x="8908676" y="623135"/>
+            <a:ext cx="6389965" cy="1677366"/>
           </a:xfrm>
           <a:custGeom>
             <a:avLst/>
@@ -14617,18 +13328,70 @@
             <a:cxnLst/>
             <a:rect r="r" b="b" t="t" l="l"/>
             <a:pathLst>
-              <a:path h="966181" w="3279667">
+              <a:path h="1677366" w="6389965">
                 <a:moveTo>
                   <a:pt x="0" y="0"/>
                 </a:moveTo>
                 <a:lnTo>
-                  <a:pt x="3279667" y="0"/>
-                </a:lnTo>
-                <a:lnTo>
-                  <a:pt x="3279667" y="966181"/>
-                </a:lnTo>
-                <a:lnTo>
-                  <a:pt x="0" y="966181"/>
+                  <a:pt x="6389965" y="0"/>
+                </a:lnTo>
+                <a:lnTo>
+                  <a:pt x="6389965" y="1677366"/>
+                </a:lnTo>
+                <a:lnTo>
+                  <a:pt x="0" y="1677366"/>
+                </a:lnTo>
+                <a:lnTo>
+                  <a:pt x="0" y="0"/>
+                </a:lnTo>
+                <a:close/>
+              </a:path>
+            </a:pathLst>
+          </a:custGeom>
+          <a:blipFill>
+            <a:blip r:embed="rId12">
+              <a:extLst>
+                <a:ext uri="{96DAC541-7B7A-43D3-8B79-37D633B846F1}">
+                  <asvg:svgBlip xmlns:asvg="http://schemas.microsoft.com/office/drawing/2016/SVG/main" r:embed="rId13"/>
+                </a:ext>
+              </a:extLst>
+            </a:blip>
+            <a:stretch>
+              <a:fillRect l="0" t="0" r="0" b="0"/>
+            </a:stretch>
+          </a:blipFill>
+        </p:spPr>
+      </p:sp>
+      <p:sp>
+        <p:nvSpPr>
+          <p:cNvPr name="Freeform 9" id="9"/>
+          <p:cNvSpPr/>
+          <p:nvPr/>
+        </p:nvSpPr>
+        <p:spPr>
+          <a:xfrm flipH="false" flipV="false" rot="0">
+            <a:off x="7066781" y="2464485"/>
+            <a:ext cx="4154438" cy="1223886"/>
+          </a:xfrm>
+          <a:custGeom>
+            <a:avLst/>
+            <a:gdLst/>
+            <a:ahLst/>
+            <a:cxnLst/>
+            <a:rect r="r" b="b" t="t" l="l"/>
+            <a:pathLst>
+              <a:path h="1223886" w="4154438">
+                <a:moveTo>
+                  <a:pt x="0" y="0"/>
+                </a:moveTo>
+                <a:lnTo>
+                  <a:pt x="4154438" y="0"/>
+                </a:lnTo>
+                <a:lnTo>
+                  <a:pt x="4154438" y="1223886"/>
+                </a:lnTo>
+                <a:lnTo>
+                  <a:pt x="0" y="1223886"/>
                 </a:lnTo>
                 <a:lnTo>
                   <a:pt x="0" y="0"/>
@@ -14653,14 +13416,14 @@
       </p:sp>
       <p:sp>
         <p:nvSpPr>
-          <p:cNvPr name="Freeform 11" id="11"/>
+          <p:cNvPr name="Freeform 10" id="10"/>
           <p:cNvSpPr/>
           <p:nvPr/>
         </p:nvSpPr>
         <p:spPr>
           <a:xfrm flipH="false" flipV="false" rot="0">
-            <a:off x="2436796" y="4748406"/>
-            <a:ext cx="3352705" cy="5314086"/>
+            <a:off x="2754035" y="3971174"/>
+            <a:ext cx="1260020" cy="1266015"/>
           </a:xfrm>
           <a:custGeom>
             <a:avLst/>
@@ -14669,18 +13432,18 @@
             <a:cxnLst/>
             <a:rect r="r" b="b" t="t" l="l"/>
             <a:pathLst>
-              <a:path h="5314086" w="3352705">
+              <a:path h="1266015" w="1260020">
                 <a:moveTo>
                   <a:pt x="0" y="0"/>
                 </a:moveTo>
                 <a:lnTo>
-                  <a:pt x="3352705" y="0"/>
-                </a:lnTo>
-                <a:lnTo>
-                  <a:pt x="3352705" y="5314086"/>
-                </a:lnTo>
-                <a:lnTo>
-                  <a:pt x="0" y="5314086"/>
+                  <a:pt x="1260020" y="0"/>
+                </a:lnTo>
+                <a:lnTo>
+                  <a:pt x="1260020" y="1266014"/>
+                </a:lnTo>
+                <a:lnTo>
+                  <a:pt x="0" y="1266014"/>
                 </a:lnTo>
                 <a:lnTo>
                   <a:pt x="0" y="0"/>
@@ -14705,14 +13468,14 @@
       </p:sp>
       <p:sp>
         <p:nvSpPr>
-          <p:cNvPr name="TextBox 12" id="12"/>
+          <p:cNvPr name="TextBox 11" id="11"/>
           <p:cNvSpPr txBox="true"/>
           <p:nvPr/>
         </p:nvSpPr>
         <p:spPr>
           <a:xfrm rot="0">
-            <a:off x="4168588" y="2607497"/>
-            <a:ext cx="9950824" cy="1109449"/>
+            <a:off x="2320915" y="1055792"/>
+            <a:ext cx="13646171" cy="1045198"/>
           </a:xfrm>
           <a:prstGeom prst="rect">
             <a:avLst/>
@@ -14726,14 +13489,93 @@
           <a:p>
             <a:pPr algn="ctr">
               <a:lnSpc>
-                <a:spcPts val="4474"/>
+                <a:spcPts val="8540"/>
               </a:lnSpc>
-              <a:spcBef>
-                <a:spcPct val="0"/>
-              </a:spcBef>
             </a:pPr>
             <a:r>
-              <a:rPr lang="en-US" sz="3195">
+              <a:rPr lang="en-US" sz="6100">
+                <a:solidFill>
+                  <a:srgbClr val="AF805A"/>
+                </a:solidFill>
+                <a:latin typeface="Lazydog"/>
+                <a:ea typeface="Lazydog"/>
+                <a:cs typeface="Lazydog"/>
+                <a:sym typeface="Lazydog"/>
+              </a:rPr>
+              <a:t>Desarrollo del código</a:t>
+            </a:r>
+          </a:p>
+        </p:txBody>
+      </p:sp>
+      <p:sp>
+        <p:nvSpPr>
+          <p:cNvPr name="TextBox 12" id="12"/>
+          <p:cNvSpPr txBox="true"/>
+          <p:nvPr/>
+        </p:nvSpPr>
+        <p:spPr>
+          <a:xfrm rot="0">
+            <a:off x="7150397" y="2647276"/>
+            <a:ext cx="4044355" cy="763053"/>
+          </a:xfrm>
+          <a:prstGeom prst="rect">
+            <a:avLst/>
+          </a:prstGeom>
+        </p:spPr>
+        <p:txBody>
+          <a:bodyPr anchor="t" rtlCol="false" tIns="0" lIns="0" bIns="0" rIns="0">
+            <a:spAutoFit/>
+          </a:bodyPr>
+          <a:lstStyle/>
+          <a:p>
+            <a:pPr algn="ctr">
+              <a:lnSpc>
+                <a:spcPts val="6139"/>
+              </a:lnSpc>
+            </a:pPr>
+            <a:r>
+              <a:rPr lang="en-US" sz="4385" b="true">
+                <a:solidFill>
+                  <a:srgbClr val="000000"/>
+                </a:solidFill>
+                <a:latin typeface="Glacial Indifference Bold"/>
+                <a:ea typeface="Glacial Indifference Bold"/>
+                <a:cs typeface="Glacial Indifference Bold"/>
+                <a:sym typeface="Glacial Indifference Bold"/>
+              </a:rPr>
+              <a:t>Problemáticas</a:t>
+            </a:r>
+          </a:p>
+        </p:txBody>
+      </p:sp>
+      <p:sp>
+        <p:nvSpPr>
+          <p:cNvPr name="TextBox 13" id="13"/>
+          <p:cNvSpPr txBox="true"/>
+          <p:nvPr/>
+        </p:nvSpPr>
+        <p:spPr>
+          <a:xfrm rot="0">
+            <a:off x="4241552" y="4246587"/>
+            <a:ext cx="3727502" cy="638988"/>
+          </a:xfrm>
+          <a:prstGeom prst="rect">
+            <a:avLst/>
+          </a:prstGeom>
+        </p:spPr>
+        <p:txBody>
+          <a:bodyPr anchor="t" rtlCol="false" tIns="0" lIns="0" bIns="0" rIns="0">
+            <a:spAutoFit/>
+          </a:bodyPr>
+          <a:lstStyle/>
+          <a:p>
+            <a:pPr algn="ctr">
+              <a:lnSpc>
+                <a:spcPts val="5214"/>
+              </a:lnSpc>
+            </a:pPr>
+            <a:r>
+              <a:rPr lang="en-US" sz="3724">
                 <a:solidFill>
                   <a:srgbClr val="000000"/>
                 </a:solidFill>
@@ -14742,427 +13584,21 @@
                 <a:cs typeface="Glacial Indifference"/>
                 <a:sym typeface="Glacial Indifference"/>
               </a:rPr>
-              <a:t>Separamos los tres códigos principales para los diferentes funcionamientos del código</a:t>
+              <a:t>Manejo de pulseIn</a:t>
             </a:r>
           </a:p>
         </p:txBody>
       </p:sp>
       <p:sp>
         <p:nvSpPr>
-          <p:cNvPr name="TextBox 13" id="13"/>
-          <p:cNvSpPr txBox="true"/>
-          <p:nvPr/>
-        </p:nvSpPr>
-        <p:spPr>
-          <a:xfrm rot="0">
-            <a:off x="3105925" y="3834118"/>
-            <a:ext cx="2155180" cy="547474"/>
-          </a:xfrm>
-          <a:prstGeom prst="rect">
-            <a:avLst/>
-          </a:prstGeom>
-        </p:spPr>
-        <p:txBody>
-          <a:bodyPr anchor="t" rtlCol="false" tIns="0" lIns="0" bIns="0" rIns="0">
-            <a:spAutoFit/>
-          </a:bodyPr>
-          <a:lstStyle/>
-          <a:p>
-            <a:pPr algn="ctr">
-              <a:lnSpc>
-                <a:spcPts val="4474"/>
-              </a:lnSpc>
-              <a:spcBef>
-                <a:spcPct val="0"/>
-              </a:spcBef>
-            </a:pPr>
-            <a:r>
-              <a:rPr lang="en-US" sz="3195">
-                <a:solidFill>
-                  <a:srgbClr val="000000"/>
-                </a:solidFill>
-                <a:latin typeface="Glacial Indifference"/>
-                <a:ea typeface="Glacial Indifference"/>
-                <a:cs typeface="Glacial Indifference"/>
-                <a:sym typeface="Glacial Indifference"/>
-              </a:rPr>
-              <a:t>MorseATXT()</a:t>
-            </a:r>
-          </a:p>
-        </p:txBody>
-      </p:sp>
-      <p:sp>
-        <p:nvSpPr>
-          <p:cNvPr name="TextBox 14" id="14"/>
-          <p:cNvSpPr txBox="true"/>
-          <p:nvPr/>
-        </p:nvSpPr>
-        <p:spPr>
-          <a:xfrm rot="0">
-            <a:off x="1882136" y="5258312"/>
-            <a:ext cx="3842270" cy="4280507"/>
-          </a:xfrm>
-          <a:prstGeom prst="rect">
-            <a:avLst/>
-          </a:prstGeom>
-        </p:spPr>
-        <p:txBody>
-          <a:bodyPr anchor="t" rtlCol="false" tIns="0" lIns="0" bIns="0" rIns="0">
-            <a:spAutoFit/>
-          </a:bodyPr>
-          <a:lstStyle/>
-          <a:p>
-            <a:pPr algn="ctr">
-              <a:lnSpc>
-                <a:spcPts val="1891"/>
-              </a:lnSpc>
-              <a:spcBef>
-                <a:spcPct val="0"/>
-              </a:spcBef>
-            </a:pPr>
-            <a:r>
-              <a:rPr lang="en-US" sz="1351">
-                <a:solidFill>
-                  <a:srgbClr val="000000"/>
-                </a:solidFill>
-                <a:latin typeface="Glacial Indifference"/>
-                <a:ea typeface="Glacial Indifference"/>
-                <a:cs typeface="Glacial Indifference"/>
-                <a:sym typeface="Glacial Indifference"/>
-              </a:rPr>
-              <a:t>for (int i = 0; i &lt; longTexto; i++) {</a:t>
-            </a:r>
-          </a:p>
-          <a:p>
-            <a:pPr algn="ctr">
-              <a:lnSpc>
-                <a:spcPts val="1891"/>
-              </a:lnSpc>
-              <a:spcBef>
-                <a:spcPct val="0"/>
-              </a:spcBef>
-            </a:pPr>
-            <a:r>
-              <a:rPr lang="en-US" sz="1351">
-                <a:solidFill>
-                  <a:srgbClr val="000000"/>
-                </a:solidFill>
-                <a:latin typeface="Glacial Indifference"/>
-                <a:ea typeface="Glacial Indifference"/>
-                <a:cs typeface="Glacial Indifference"/>
-                <a:sym typeface="Glacial Indifference"/>
-              </a:rPr>
-              <a:t>      if (texto[i] != '/') {</a:t>
-            </a:r>
-          </a:p>
-          <a:p>
-            <a:pPr algn="ctr">
-              <a:lnSpc>
-                <a:spcPts val="1891"/>
-              </a:lnSpc>
-              <a:spcBef>
-                <a:spcPct val="0"/>
-              </a:spcBef>
-            </a:pPr>
-            <a:r>
-              <a:rPr lang="en-US" sz="1351">
-                <a:solidFill>
-                  <a:srgbClr val="000000"/>
-                </a:solidFill>
-                <a:latin typeface="Glacial Indifference"/>
-                <a:ea typeface="Glacial Indifference"/>
-                <a:cs typeface="Glacial Indifference"/>
-                <a:sym typeface="Glacial Indifference"/>
-              </a:rPr>
-              <a:t>        caracter += texto[i];</a:t>
-            </a:r>
-          </a:p>
-          <a:p>
-            <a:pPr algn="ctr">
-              <a:lnSpc>
-                <a:spcPts val="1891"/>
-              </a:lnSpc>
-              <a:spcBef>
-                <a:spcPct val="0"/>
-              </a:spcBef>
-            </a:pPr>
-            <a:r>
-              <a:rPr lang="en-US" sz="1351">
-                <a:solidFill>
-                  <a:srgbClr val="000000"/>
-                </a:solidFill>
-                <a:latin typeface="Glacial Indifference"/>
-                <a:ea typeface="Glacial Indifference"/>
-                <a:cs typeface="Glacial Indifference"/>
-                <a:sym typeface="Glacial Indifference"/>
-              </a:rPr>
-              <a:t>      }</a:t>
-            </a:r>
-          </a:p>
-          <a:p>
-            <a:pPr algn="ctr">
-              <a:lnSpc>
-                <a:spcPts val="1891"/>
-              </a:lnSpc>
-              <a:spcBef>
-                <a:spcPct val="0"/>
-              </a:spcBef>
-            </a:pPr>
-          </a:p>
-          <a:p>
-            <a:pPr algn="ctr">
-              <a:lnSpc>
-                <a:spcPts val="1891"/>
-              </a:lnSpc>
-              <a:spcBef>
-                <a:spcPct val="0"/>
-              </a:spcBef>
-            </a:pPr>
-            <a:r>
-              <a:rPr lang="en-US" sz="1351">
-                <a:solidFill>
-                  <a:srgbClr val="000000"/>
-                </a:solidFill>
-                <a:latin typeface="Glacial Indifference"/>
-                <a:ea typeface="Glacial Indifference"/>
-                <a:cs typeface="Glacial Indifference"/>
-                <a:sym typeface="Glacial Indifference"/>
-              </a:rPr>
-              <a:t>      if (texto[i] == '/' || i + 1 == longTexto) {</a:t>
-            </a:r>
-          </a:p>
-          <a:p>
-            <a:pPr algn="ctr">
-              <a:lnSpc>
-                <a:spcPts val="1891"/>
-              </a:lnSpc>
-              <a:spcBef>
-                <a:spcPct val="0"/>
-              </a:spcBef>
-            </a:pPr>
-            <a:r>
-              <a:rPr lang="en-US" sz="1351">
-                <a:solidFill>
-                  <a:srgbClr val="000000"/>
-                </a:solidFill>
-                <a:latin typeface="Glacial Indifference"/>
-                <a:ea typeface="Glacial Indifference"/>
-                <a:cs typeface="Glacial Indifference"/>
-                <a:sym typeface="Glacial Indifference"/>
-              </a:rPr>
-              <a:t>        if (contPos &lt; 16) {</a:t>
-            </a:r>
-          </a:p>
-          <a:p>
-            <a:pPr algn="ctr">
-              <a:lnSpc>
-                <a:spcPts val="1891"/>
-              </a:lnSpc>
-              <a:spcBef>
-                <a:spcPct val="0"/>
-              </a:spcBef>
-            </a:pPr>
-            <a:r>
-              <a:rPr lang="en-US" sz="1351">
-                <a:solidFill>
-                  <a:srgbClr val="000000"/>
-                </a:solidFill>
-                <a:latin typeface="Glacial Indifference"/>
-                <a:ea typeface="Glacial Indifference"/>
-                <a:cs typeface="Glacial Indifference"/>
-                <a:sym typeface="Glacial Indifference"/>
-              </a:rPr>
-              <a:t>          LCD.setCursor(contPos, 0);</a:t>
-            </a:r>
-          </a:p>
-          <a:p>
-            <a:pPr algn="ctr">
-              <a:lnSpc>
-                <a:spcPts val="1891"/>
-              </a:lnSpc>
-              <a:spcBef>
-                <a:spcPct val="0"/>
-              </a:spcBef>
-            </a:pPr>
-            <a:r>
-              <a:rPr lang="en-US" sz="1351">
-                <a:solidFill>
-                  <a:srgbClr val="000000"/>
-                </a:solidFill>
-                <a:latin typeface="Glacial Indifference"/>
-                <a:ea typeface="Glacial Indifference"/>
-                <a:cs typeface="Glacial Indifference"/>
-                <a:sym typeface="Glacial Indifference"/>
-              </a:rPr>
-              <a:t>        } else {</a:t>
-            </a:r>
-          </a:p>
-          <a:p>
-            <a:pPr algn="ctr">
-              <a:lnSpc>
-                <a:spcPts val="1891"/>
-              </a:lnSpc>
-              <a:spcBef>
-                <a:spcPct val="0"/>
-              </a:spcBef>
-            </a:pPr>
-            <a:r>
-              <a:rPr lang="en-US" sz="1351">
-                <a:solidFill>
-                  <a:srgbClr val="000000"/>
-                </a:solidFill>
-                <a:latin typeface="Glacial Indifference"/>
-                <a:ea typeface="Glacial Indifference"/>
-                <a:cs typeface="Glacial Indifference"/>
-                <a:sym typeface="Glacial Indifference"/>
-              </a:rPr>
-              <a:t>          LCD.setCursor(contPos - 16, 1);</a:t>
-            </a:r>
-          </a:p>
-          <a:p>
-            <a:pPr algn="ctr">
-              <a:lnSpc>
-                <a:spcPts val="1891"/>
-              </a:lnSpc>
-              <a:spcBef>
-                <a:spcPct val="0"/>
-              </a:spcBef>
-            </a:pPr>
-            <a:r>
-              <a:rPr lang="en-US" sz="1351">
-                <a:solidFill>
-                  <a:srgbClr val="000000"/>
-                </a:solidFill>
-                <a:latin typeface="Glacial Indifference"/>
-                <a:ea typeface="Glacial Indifference"/>
-                <a:cs typeface="Glacial Indifference"/>
-                <a:sym typeface="Glacial Indifference"/>
-              </a:rPr>
-              <a:t>        }</a:t>
-            </a:r>
-          </a:p>
-          <a:p>
-            <a:pPr algn="ctr">
-              <a:lnSpc>
-                <a:spcPts val="1891"/>
-              </a:lnSpc>
-              <a:spcBef>
-                <a:spcPct val="0"/>
-              </a:spcBef>
-            </a:pPr>
-            <a:r>
-              <a:rPr lang="en-US" sz="1351">
-                <a:solidFill>
-                  <a:srgbClr val="000000"/>
-                </a:solidFill>
-                <a:latin typeface="Glacial Indifference"/>
-                <a:ea typeface="Glacial Indifference"/>
-                <a:cs typeface="Glacial Indifference"/>
-                <a:sym typeface="Glacial Indifference"/>
-              </a:rPr>
-              <a:t>        </a:t>
-            </a:r>
-          </a:p>
-          <a:p>
-            <a:pPr algn="ctr">
-              <a:lnSpc>
-                <a:spcPts val="1891"/>
-              </a:lnSpc>
-              <a:spcBef>
-                <a:spcPct val="0"/>
-              </a:spcBef>
-            </a:pPr>
-            <a:r>
-              <a:rPr lang="en-US" sz="1351">
-                <a:solidFill>
-                  <a:srgbClr val="000000"/>
-                </a:solidFill>
-                <a:latin typeface="Glacial Indifference"/>
-                <a:ea typeface="Glacial Indifference"/>
-                <a:cs typeface="Glacial Indifference"/>
-                <a:sym typeface="Glacial Indifference"/>
-              </a:rPr>
-              <a:t>        bool encontrado = buscar(caracter, 26, letrasMor, letras);</a:t>
-            </a:r>
-          </a:p>
-          <a:p>
-            <a:pPr algn="ctr">
-              <a:lnSpc>
-                <a:spcPts val="1891"/>
-              </a:lnSpc>
-              <a:spcBef>
-                <a:spcPct val="0"/>
-              </a:spcBef>
-            </a:pPr>
-            <a:r>
-              <a:rPr lang="en-US" sz="1351">
-                <a:solidFill>
-                  <a:srgbClr val="000000"/>
-                </a:solidFill>
-                <a:latin typeface="Glacial Indifference"/>
-                <a:ea typeface="Glacial Indifference"/>
-                <a:cs typeface="Glacial Indifference"/>
-                <a:sym typeface="Glacial Indifference"/>
-              </a:rPr>
-              <a:t>        if (!encontrado) {</a:t>
-            </a:r>
-          </a:p>
-          <a:p>
-            <a:pPr algn="ctr">
-              <a:lnSpc>
-                <a:spcPts val="1891"/>
-              </a:lnSpc>
-              <a:spcBef>
-                <a:spcPct val="0"/>
-              </a:spcBef>
-            </a:pPr>
-            <a:r>
-              <a:rPr lang="en-US" sz="1351">
-                <a:solidFill>
-                  <a:srgbClr val="000000"/>
-                </a:solidFill>
-                <a:latin typeface="Glacial Indifference"/>
-                <a:ea typeface="Glacial Indifference"/>
-                <a:cs typeface="Glacial Indifference"/>
-                <a:sym typeface="Glacial Indifference"/>
-              </a:rPr>
-              <a:t>          encontrado = buscar(caracter, 10, numerosMor, numeros);</a:t>
-            </a:r>
-          </a:p>
-          <a:p>
-            <a:pPr algn="ctr">
-              <a:lnSpc>
-                <a:spcPts val="1891"/>
-              </a:lnSpc>
-              <a:spcBef>
-                <a:spcPct val="0"/>
-              </a:spcBef>
-            </a:pPr>
-            <a:r>
-              <a:rPr lang="en-US" sz="1351">
-                <a:solidFill>
-                  <a:srgbClr val="000000"/>
-                </a:solidFill>
-                <a:latin typeface="Glacial Indifference"/>
-                <a:ea typeface="Glacial Indifference"/>
-                <a:cs typeface="Glacial Indifference"/>
-                <a:sym typeface="Glacial Indifference"/>
-              </a:rPr>
-              <a:t>        }</a:t>
-            </a:r>
-          </a:p>
-        </p:txBody>
-      </p:sp>
-      <p:sp>
-        <p:nvSpPr>
-          <p:cNvPr name="Freeform 15" id="15"/>
+          <p:cNvPr name="Freeform 14" id="14"/>
           <p:cNvSpPr/>
           <p:nvPr/>
         </p:nvSpPr>
         <p:spPr>
           <a:xfrm flipH="false" flipV="false" rot="0">
-            <a:off x="7345043" y="3716946"/>
-            <a:ext cx="3279667" cy="966181"/>
+            <a:off x="2760156" y="5732488"/>
+            <a:ext cx="1260020" cy="1266015"/>
           </a:xfrm>
           <a:custGeom>
             <a:avLst/>
@@ -15171,210 +13607,18 @@
             <a:cxnLst/>
             <a:rect r="r" b="b" t="t" l="l"/>
             <a:pathLst>
-              <a:path h="966181" w="3279667">
+              <a:path h="1266015" w="1260020">
                 <a:moveTo>
                   <a:pt x="0" y="0"/>
                 </a:moveTo>
                 <a:lnTo>
-                  <a:pt x="3279667" y="0"/>
-                </a:lnTo>
-                <a:lnTo>
-                  <a:pt x="3279667" y="966181"/>
-                </a:lnTo>
-                <a:lnTo>
-                  <a:pt x="0" y="966181"/>
-                </a:lnTo>
-                <a:lnTo>
-                  <a:pt x="0" y="0"/>
-                </a:lnTo>
-                <a:close/>
-              </a:path>
-            </a:pathLst>
-          </a:custGeom>
-          <a:blipFill>
-            <a:blip r:embed="rId14">
-              <a:extLst>
-                <a:ext uri="{96DAC541-7B7A-43D3-8B79-37D633B846F1}">
-                  <asvg:svgBlip xmlns:asvg="http://schemas.microsoft.com/office/drawing/2016/SVG/main" r:embed="rId15"/>
-                </a:ext>
-              </a:extLst>
-            </a:blip>
-            <a:stretch>
-              <a:fillRect l="0" t="0" r="0" b="0"/>
-            </a:stretch>
-          </a:blipFill>
-        </p:spPr>
-      </p:sp>
-      <p:sp>
-        <p:nvSpPr>
-          <p:cNvPr name="TextBox 16" id="16"/>
-          <p:cNvSpPr txBox="true"/>
-          <p:nvPr/>
-        </p:nvSpPr>
-        <p:spPr>
-          <a:xfrm rot="0">
-            <a:off x="7977653" y="3834118"/>
-            <a:ext cx="2155180" cy="547474"/>
-          </a:xfrm>
-          <a:prstGeom prst="rect">
-            <a:avLst/>
-          </a:prstGeom>
-        </p:spPr>
-        <p:txBody>
-          <a:bodyPr anchor="t" rtlCol="false" tIns="0" lIns="0" bIns="0" rIns="0">
-            <a:spAutoFit/>
-          </a:bodyPr>
-          <a:lstStyle/>
-          <a:p>
-            <a:pPr algn="ctr">
-              <a:lnSpc>
-                <a:spcPts val="4474"/>
-              </a:lnSpc>
-              <a:spcBef>
-                <a:spcPct val="0"/>
-              </a:spcBef>
-            </a:pPr>
-            <a:r>
-              <a:rPr lang="en-US" sz="3195">
-                <a:solidFill>
-                  <a:srgbClr val="000000"/>
-                </a:solidFill>
-                <a:latin typeface="Glacial Indifference"/>
-                <a:ea typeface="Glacial Indifference"/>
-                <a:cs typeface="Glacial Indifference"/>
-                <a:sym typeface="Glacial Indifference"/>
-              </a:rPr>
-              <a:t>TXTAMorse()</a:t>
-            </a:r>
-          </a:p>
-        </p:txBody>
-      </p:sp>
-      <p:sp>
-        <p:nvSpPr>
-          <p:cNvPr name="Freeform 17" id="17"/>
-          <p:cNvSpPr/>
-          <p:nvPr/>
-        </p:nvSpPr>
-        <p:spPr>
-          <a:xfrm flipH="false" flipV="false" rot="0">
-            <a:off x="12215385" y="3716946"/>
-            <a:ext cx="3279667" cy="966181"/>
-          </a:xfrm>
-          <a:custGeom>
-            <a:avLst/>
-            <a:gdLst/>
-            <a:ahLst/>
-            <a:cxnLst/>
-            <a:rect r="r" b="b" t="t" l="l"/>
-            <a:pathLst>
-              <a:path h="966181" w="3279667">
-                <a:moveTo>
-                  <a:pt x="0" y="0"/>
-                </a:moveTo>
-                <a:lnTo>
-                  <a:pt x="3279667" y="0"/>
-                </a:lnTo>
-                <a:lnTo>
-                  <a:pt x="3279667" y="966181"/>
-                </a:lnTo>
-                <a:lnTo>
-                  <a:pt x="0" y="966181"/>
-                </a:lnTo>
-                <a:lnTo>
-                  <a:pt x="0" y="0"/>
-                </a:lnTo>
-                <a:close/>
-              </a:path>
-            </a:pathLst>
-          </a:custGeom>
-          <a:blipFill>
-            <a:blip r:embed="rId14">
-              <a:extLst>
-                <a:ext uri="{96DAC541-7B7A-43D3-8B79-37D633B846F1}">
-                  <asvg:svgBlip xmlns:asvg="http://schemas.microsoft.com/office/drawing/2016/SVG/main" r:embed="rId15"/>
-                </a:ext>
-              </a:extLst>
-            </a:blip>
-            <a:stretch>
-              <a:fillRect l="0" t="0" r="0" b="0"/>
-            </a:stretch>
-          </a:blipFill>
-        </p:spPr>
-      </p:sp>
-      <p:sp>
-        <p:nvSpPr>
-          <p:cNvPr name="TextBox 18" id="18"/>
-          <p:cNvSpPr txBox="true"/>
-          <p:nvPr/>
-        </p:nvSpPr>
-        <p:spPr>
-          <a:xfrm rot="0">
-            <a:off x="12871138" y="3834118"/>
-            <a:ext cx="2108895" cy="547474"/>
-          </a:xfrm>
-          <a:prstGeom prst="rect">
-            <a:avLst/>
-          </a:prstGeom>
-        </p:spPr>
-        <p:txBody>
-          <a:bodyPr anchor="t" rtlCol="false" tIns="0" lIns="0" bIns="0" rIns="0">
-            <a:spAutoFit/>
-          </a:bodyPr>
-          <a:lstStyle/>
-          <a:p>
-            <a:pPr algn="ctr">
-              <a:lnSpc>
-                <a:spcPts val="4474"/>
-              </a:lnSpc>
-              <a:spcBef>
-                <a:spcPct val="0"/>
-              </a:spcBef>
-            </a:pPr>
-            <a:r>
-              <a:rPr lang="en-US" sz="3195">
-                <a:solidFill>
-                  <a:srgbClr val="000000"/>
-                </a:solidFill>
-                <a:latin typeface="Glacial Indifference"/>
-                <a:ea typeface="Glacial Indifference"/>
-                <a:cs typeface="Glacial Indifference"/>
-                <a:sym typeface="Glacial Indifference"/>
-              </a:rPr>
-              <a:t>BotonATXT()</a:t>
-            </a:r>
-          </a:p>
-        </p:txBody>
-      </p:sp>
-      <p:sp>
-        <p:nvSpPr>
-          <p:cNvPr name="Freeform 19" id="19"/>
-          <p:cNvSpPr/>
-          <p:nvPr/>
-        </p:nvSpPr>
-        <p:spPr>
-          <a:xfrm flipH="false" flipV="false" rot="0">
-            <a:off x="7422824" y="4719831"/>
-            <a:ext cx="3352705" cy="5314086"/>
-          </a:xfrm>
-          <a:custGeom>
-            <a:avLst/>
-            <a:gdLst/>
-            <a:ahLst/>
-            <a:cxnLst/>
-            <a:rect r="r" b="b" t="t" l="l"/>
-            <a:pathLst>
-              <a:path h="5314086" w="3352705">
-                <a:moveTo>
-                  <a:pt x="0" y="0"/>
-                </a:moveTo>
-                <a:lnTo>
-                  <a:pt x="3352705" y="0"/>
-                </a:lnTo>
-                <a:lnTo>
-                  <a:pt x="3352705" y="5314086"/>
-                </a:lnTo>
-                <a:lnTo>
-                  <a:pt x="0" y="5314086"/>
+                  <a:pt x="1260020" y="0"/>
+                </a:lnTo>
+                <a:lnTo>
+                  <a:pt x="1260020" y="1266015"/>
+                </a:lnTo>
+                <a:lnTo>
+                  <a:pt x="0" y="1266015"/>
                 </a:lnTo>
                 <a:lnTo>
                   <a:pt x="0" y="0"/>
@@ -15399,14 +13643,55 @@
       </p:sp>
       <p:sp>
         <p:nvSpPr>
-          <p:cNvPr name="Freeform 20" id="20"/>
+          <p:cNvPr name="TextBox 15" id="15"/>
+          <p:cNvSpPr txBox="true"/>
+          <p:nvPr/>
+        </p:nvSpPr>
+        <p:spPr>
+          <a:xfrm rot="0">
+            <a:off x="4222502" y="6007902"/>
+            <a:ext cx="5189504" cy="638988"/>
+          </a:xfrm>
+          <a:prstGeom prst="rect">
+            <a:avLst/>
+          </a:prstGeom>
+        </p:spPr>
+        <p:txBody>
+          <a:bodyPr anchor="t" rtlCol="false" tIns="0" lIns="0" bIns="0" rIns="0">
+            <a:spAutoFit/>
+          </a:bodyPr>
+          <a:lstStyle/>
+          <a:p>
+            <a:pPr algn="ctr">
+              <a:lnSpc>
+                <a:spcPts val="5214"/>
+              </a:lnSpc>
+            </a:pPr>
+            <a:r>
+              <a:rPr lang="en-US" sz="3724">
+                <a:solidFill>
+                  <a:srgbClr val="000000"/>
+                </a:solidFill>
+                <a:latin typeface="Glacial Indifference"/>
+                <a:ea typeface="Glacial Indifference"/>
+                <a:cs typeface="Glacial Indifference"/>
+                <a:sym typeface="Glacial Indifference"/>
+              </a:rPr>
+              <a:t>Manejo del monitor serial</a:t>
+            </a:r>
+          </a:p>
+        </p:txBody>
+      </p:sp>
+      <p:sp>
+        <p:nvSpPr>
+          <p:cNvPr name="Freeform 16" id="16"/>
           <p:cNvSpPr/>
           <p:nvPr/>
         </p:nvSpPr>
         <p:spPr>
           <a:xfrm flipH="false" flipV="false" rot="0">
-            <a:off x="12470979" y="4729356"/>
-            <a:ext cx="3307083" cy="5241774"/>
+            <a:off x="2754035" y="7493803"/>
+            <a:ext cx="1260020" cy="1266015"/>
           </a:xfrm>
           <a:custGeom>
             <a:avLst/>
@@ -15415,18 +13700,18 @@
             <a:cxnLst/>
             <a:rect r="r" b="b" t="t" l="l"/>
             <a:pathLst>
-              <a:path h="5241774" w="3307083">
+              <a:path h="1266015" w="1260020">
                 <a:moveTo>
                   <a:pt x="0" y="0"/>
                 </a:moveTo>
                 <a:lnTo>
-                  <a:pt x="3307083" y="0"/>
-                </a:lnTo>
-                <a:lnTo>
-                  <a:pt x="3307083" y="5241774"/>
-                </a:lnTo>
-                <a:lnTo>
-                  <a:pt x="0" y="5241774"/>
+                  <a:pt x="1260020" y="0"/>
+                </a:lnTo>
+                <a:lnTo>
+                  <a:pt x="1260020" y="1266015"/>
+                </a:lnTo>
+                <a:lnTo>
+                  <a:pt x="0" y="1266015"/>
                 </a:lnTo>
                 <a:lnTo>
                   <a:pt x="0" y="0"/>
@@ -15451,14 +13736,14 @@
       </p:sp>
       <p:sp>
         <p:nvSpPr>
-          <p:cNvPr name="TextBox 21" id="21"/>
+          <p:cNvPr name="TextBox 17" id="17"/>
           <p:cNvSpPr txBox="true"/>
           <p:nvPr/>
         </p:nvSpPr>
         <p:spPr>
           <a:xfrm rot="0">
-            <a:off x="7403774" y="5006977"/>
-            <a:ext cx="3173153" cy="4720147"/>
+            <a:off x="4196003" y="7769216"/>
+            <a:ext cx="7622302" cy="638988"/>
           </a:xfrm>
           <a:prstGeom prst="rect">
             <a:avLst/>
@@ -15472,11 +13757,11 @@
           <a:p>
             <a:pPr algn="ctr">
               <a:lnSpc>
-                <a:spcPts val="2200"/>
+                <a:spcPts val="5214"/>
               </a:lnSpc>
             </a:pPr>
             <a:r>
-              <a:rPr lang="en-US" sz="1571">
+              <a:rPr lang="en-US" sz="3724">
                 <a:solidFill>
                   <a:srgbClr val="000000"/>
                 </a:solidFill>
@@ -15485,578 +13770,7 @@
                 <a:cs typeface="Glacial Indifference"/>
                 <a:sym typeface="Glacial Indifference"/>
               </a:rPr>
-              <a:t>for (int i = 0; i &lt; longTexto; i++) {</a:t>
-            </a:r>
-          </a:p>
-          <a:p>
-            <a:pPr algn="ctr">
-              <a:lnSpc>
-                <a:spcPts val="2200"/>
-              </a:lnSpc>
-            </a:pPr>
-            <a:r>
-              <a:rPr lang="en-US" sz="1571">
-                <a:solidFill>
-                  <a:srgbClr val="000000"/>
-                </a:solidFill>
-                <a:latin typeface="Glacial Indifference"/>
-                <a:ea typeface="Glacial Indifference"/>
-                <a:cs typeface="Glacial Indifference"/>
-                <a:sym typeface="Glacial Indifference"/>
-              </a:rPr>
-              <a:t>      if (contPos &lt; 16) {</a:t>
-            </a:r>
-          </a:p>
-          <a:p>
-            <a:pPr algn="ctr">
-              <a:lnSpc>
-                <a:spcPts val="2200"/>
-              </a:lnSpc>
-            </a:pPr>
-            <a:r>
-              <a:rPr lang="en-US" sz="1571">
-                <a:solidFill>
-                  <a:srgbClr val="000000"/>
-                </a:solidFill>
-                <a:latin typeface="Glacial Indifference"/>
-                <a:ea typeface="Glacial Indifference"/>
-                <a:cs typeface="Glacial Indifference"/>
-                <a:sym typeface="Glacial Indifference"/>
-              </a:rPr>
-              <a:t>        LCD.setCursor(contPos, 0);</a:t>
-            </a:r>
-          </a:p>
-          <a:p>
-            <a:pPr algn="ctr">
-              <a:lnSpc>
-                <a:spcPts val="2200"/>
-              </a:lnSpc>
-            </a:pPr>
-            <a:r>
-              <a:rPr lang="en-US" sz="1571">
-                <a:solidFill>
-                  <a:srgbClr val="000000"/>
-                </a:solidFill>
-                <a:latin typeface="Glacial Indifference"/>
-                <a:ea typeface="Glacial Indifference"/>
-                <a:cs typeface="Glacial Indifference"/>
-                <a:sym typeface="Glacial Indifference"/>
-              </a:rPr>
-              <a:t>      } </a:t>
-            </a:r>
-          </a:p>
-          <a:p>
-            <a:pPr algn="ctr">
-              <a:lnSpc>
-                <a:spcPts val="2200"/>
-              </a:lnSpc>
-            </a:pPr>
-          </a:p>
-          <a:p>
-            <a:pPr algn="ctr">
-              <a:lnSpc>
-                <a:spcPts val="2200"/>
-              </a:lnSpc>
-            </a:pPr>
-            <a:r>
-              <a:rPr lang="en-US" sz="1571">
-                <a:solidFill>
-                  <a:srgbClr val="000000"/>
-                </a:solidFill>
-                <a:latin typeface="Glacial Indifference"/>
-                <a:ea typeface="Glacial Indifference"/>
-                <a:cs typeface="Glacial Indifference"/>
-                <a:sym typeface="Glacial Indifference"/>
-              </a:rPr>
-              <a:t>else {</a:t>
-            </a:r>
-          </a:p>
-          <a:p>
-            <a:pPr algn="ctr">
-              <a:lnSpc>
-                <a:spcPts val="2200"/>
-              </a:lnSpc>
-            </a:pPr>
-            <a:r>
-              <a:rPr lang="en-US" sz="1571">
-                <a:solidFill>
-                  <a:srgbClr val="000000"/>
-                </a:solidFill>
-                <a:latin typeface="Glacial Indifference"/>
-                <a:ea typeface="Glacial Indifference"/>
-                <a:cs typeface="Glacial Indifference"/>
-                <a:sym typeface="Glacial Indifference"/>
-              </a:rPr>
-              <a:t>        LCD.setCursor(contPos - 16, 1);</a:t>
-            </a:r>
-          </a:p>
-          <a:p>
-            <a:pPr algn="ctr">
-              <a:lnSpc>
-                <a:spcPts val="2200"/>
-              </a:lnSpc>
-            </a:pPr>
-            <a:r>
-              <a:rPr lang="en-US" sz="1571">
-                <a:solidFill>
-                  <a:srgbClr val="000000"/>
-                </a:solidFill>
-                <a:latin typeface="Glacial Indifference"/>
-                <a:ea typeface="Glacial Indifference"/>
-                <a:cs typeface="Glacial Indifference"/>
-                <a:sym typeface="Glacial Indifference"/>
-              </a:rPr>
-              <a:t>      }</a:t>
-            </a:r>
-          </a:p>
-          <a:p>
-            <a:pPr algn="ctr">
-              <a:lnSpc>
-                <a:spcPts val="2200"/>
-              </a:lnSpc>
-            </a:pPr>
-            <a:r>
-              <a:rPr lang="en-US" sz="1571">
-                <a:solidFill>
-                  <a:srgbClr val="000000"/>
-                </a:solidFill>
-                <a:latin typeface="Glacial Indifference"/>
-                <a:ea typeface="Glacial Indifference"/>
-                <a:cs typeface="Glacial Indifference"/>
-                <a:sym typeface="Glacial Indifference"/>
-              </a:rPr>
-              <a:t>      letraActual = texto[i];</a:t>
-            </a:r>
-          </a:p>
-          <a:p>
-            <a:pPr algn="ctr">
-              <a:lnSpc>
-                <a:spcPts val="2200"/>
-              </a:lnSpc>
-            </a:pPr>
-            <a:r>
-              <a:rPr lang="en-US" sz="1571">
-                <a:solidFill>
-                  <a:srgbClr val="000000"/>
-                </a:solidFill>
-                <a:latin typeface="Glacial Indifference"/>
-                <a:ea typeface="Glacial Indifference"/>
-                <a:cs typeface="Glacial Indifference"/>
-                <a:sym typeface="Glacial Indifference"/>
-              </a:rPr>
-              <a:t>      String morse = buscarMorse(letraActual, 26, letras, letrasMor);</a:t>
-            </a:r>
-          </a:p>
-          <a:p>
-            <a:pPr algn="ctr">
-              <a:lnSpc>
-                <a:spcPts val="2200"/>
-              </a:lnSpc>
-            </a:pPr>
-            <a:r>
-              <a:rPr lang="en-US" sz="1571">
-                <a:solidFill>
-                  <a:srgbClr val="000000"/>
-                </a:solidFill>
-                <a:latin typeface="Glacial Indifference"/>
-                <a:ea typeface="Glacial Indifference"/>
-                <a:cs typeface="Glacial Indifference"/>
-                <a:sym typeface="Glacial Indifference"/>
-              </a:rPr>
-              <a:t>      if (morse == "") {</a:t>
-            </a:r>
-          </a:p>
-          <a:p>
-            <a:pPr algn="ctr">
-              <a:lnSpc>
-                <a:spcPts val="2200"/>
-              </a:lnSpc>
-            </a:pPr>
-            <a:r>
-              <a:rPr lang="en-US" sz="1571">
-                <a:solidFill>
-                  <a:srgbClr val="000000"/>
-                </a:solidFill>
-                <a:latin typeface="Glacial Indifference"/>
-                <a:ea typeface="Glacial Indifference"/>
-                <a:cs typeface="Glacial Indifference"/>
-                <a:sym typeface="Glacial Indifference"/>
-              </a:rPr>
-              <a:t>        morse = buscarMorse(letraActual, 10, numeros, numerosMor);</a:t>
-            </a:r>
-          </a:p>
-          <a:p>
-            <a:pPr algn="ctr">
-              <a:lnSpc>
-                <a:spcPts val="2200"/>
-              </a:lnSpc>
-              <a:spcBef>
-                <a:spcPct val="0"/>
-              </a:spcBef>
-            </a:pPr>
-            <a:r>
-              <a:rPr lang="en-US" sz="1571">
-                <a:solidFill>
-                  <a:srgbClr val="000000"/>
-                </a:solidFill>
-                <a:latin typeface="Glacial Indifference"/>
-                <a:ea typeface="Glacial Indifference"/>
-                <a:cs typeface="Glacial Indifference"/>
-                <a:sym typeface="Glacial Indifference"/>
-              </a:rPr>
-              <a:t>      }</a:t>
-            </a:r>
-          </a:p>
-        </p:txBody>
-      </p:sp>
-      <p:sp>
-        <p:nvSpPr>
-          <p:cNvPr name="TextBox 22" id="22"/>
-          <p:cNvSpPr txBox="true"/>
-          <p:nvPr/>
-        </p:nvSpPr>
-        <p:spPr>
-          <a:xfrm rot="0">
-            <a:off x="12534196" y="5120081"/>
-            <a:ext cx="3116408" cy="4418739"/>
-          </a:xfrm>
-          <a:prstGeom prst="rect">
-            <a:avLst/>
-          </a:prstGeom>
-        </p:spPr>
-        <p:txBody>
-          <a:bodyPr anchor="t" rtlCol="false" tIns="0" lIns="0" bIns="0" rIns="0">
-            <a:spAutoFit/>
-          </a:bodyPr>
-          <a:lstStyle/>
-          <a:p>
-            <a:pPr algn="ctr">
-              <a:lnSpc>
-                <a:spcPts val="2199"/>
-              </a:lnSpc>
-              <a:spcBef>
-                <a:spcPct val="0"/>
-              </a:spcBef>
-            </a:pPr>
-            <a:r>
-              <a:rPr lang="en-US" sz="1571">
-                <a:solidFill>
-                  <a:srgbClr val="000000"/>
-                </a:solidFill>
-                <a:latin typeface="Glacial Indifference"/>
-                <a:ea typeface="Glacial Indifference"/>
-                <a:cs typeface="Glacial Indifference"/>
-                <a:sym typeface="Glacial Indifference"/>
-              </a:rPr>
-              <a:t>if (valor &gt; 0 &amp;&amp; valor &lt; 100000){</a:t>
-            </a:r>
-          </a:p>
-          <a:p>
-            <a:pPr algn="ctr">
-              <a:lnSpc>
-                <a:spcPts val="2199"/>
-              </a:lnSpc>
-              <a:spcBef>
-                <a:spcPct val="0"/>
-              </a:spcBef>
-            </a:pPr>
-            <a:r>
-              <a:rPr lang="en-US" sz="1571">
-                <a:solidFill>
-                  <a:srgbClr val="000000"/>
-                </a:solidFill>
-                <a:latin typeface="Glacial Indifference"/>
-                <a:ea typeface="Glacial Indifference"/>
-                <a:cs typeface="Glacial Indifference"/>
-                <a:sym typeface="Glacial Indifference"/>
-              </a:rPr>
-              <a:t>      caracter = '.';</a:t>
-            </a:r>
-          </a:p>
-          <a:p>
-            <a:pPr algn="ctr">
-              <a:lnSpc>
-                <a:spcPts val="2199"/>
-              </a:lnSpc>
-              <a:spcBef>
-                <a:spcPct val="0"/>
-              </a:spcBef>
-            </a:pPr>
-            <a:r>
-              <a:rPr lang="en-US" sz="1571">
-                <a:solidFill>
-                  <a:srgbClr val="000000"/>
-                </a:solidFill>
-                <a:latin typeface="Glacial Indifference"/>
-                <a:ea typeface="Glacial Indifference"/>
-                <a:cs typeface="Glacial Indifference"/>
-                <a:sym typeface="Glacial Indifference"/>
-              </a:rPr>
-              <a:t>      texto = texto + caracter;</a:t>
-            </a:r>
-          </a:p>
-          <a:p>
-            <a:pPr algn="ctr">
-              <a:lnSpc>
-                <a:spcPts val="2199"/>
-              </a:lnSpc>
-              <a:spcBef>
-                <a:spcPct val="0"/>
-              </a:spcBef>
-            </a:pPr>
-            <a:r>
-              <a:rPr lang="en-US" sz="1571">
-                <a:solidFill>
-                  <a:srgbClr val="000000"/>
-                </a:solidFill>
-                <a:latin typeface="Glacial Indifference"/>
-                <a:ea typeface="Glacial Indifference"/>
-                <a:cs typeface="Glacial Indifference"/>
-                <a:sym typeface="Glacial Indifference"/>
-              </a:rPr>
-              <a:t>      digitalWrite(led, HIGH);</a:t>
-            </a:r>
-          </a:p>
-          <a:p>
-            <a:pPr algn="ctr">
-              <a:lnSpc>
-                <a:spcPts val="2199"/>
-              </a:lnSpc>
-              <a:spcBef>
-                <a:spcPct val="0"/>
-              </a:spcBef>
-            </a:pPr>
-            <a:r>
-              <a:rPr lang="en-US" sz="1571">
-                <a:solidFill>
-                  <a:srgbClr val="000000"/>
-                </a:solidFill>
-                <a:latin typeface="Glacial Indifference"/>
-                <a:ea typeface="Glacial Indifference"/>
-                <a:cs typeface="Glacial Indifference"/>
-                <a:sym typeface="Glacial Indifference"/>
-              </a:rPr>
-              <a:t>      delay(250);</a:t>
-            </a:r>
-          </a:p>
-          <a:p>
-            <a:pPr algn="ctr">
-              <a:lnSpc>
-                <a:spcPts val="2199"/>
-              </a:lnSpc>
-              <a:spcBef>
-                <a:spcPct val="0"/>
-              </a:spcBef>
-            </a:pPr>
-            <a:r>
-              <a:rPr lang="en-US" sz="1571">
-                <a:solidFill>
-                  <a:srgbClr val="000000"/>
-                </a:solidFill>
-                <a:latin typeface="Glacial Indifference"/>
-                <a:ea typeface="Glacial Indifference"/>
-                <a:cs typeface="Glacial Indifference"/>
-                <a:sym typeface="Glacial Indifference"/>
-              </a:rPr>
-              <a:t>      digitalWrite(led, LOW);</a:t>
-            </a:r>
-          </a:p>
-          <a:p>
-            <a:pPr algn="ctr">
-              <a:lnSpc>
-                <a:spcPts val="2199"/>
-              </a:lnSpc>
-              <a:spcBef>
-                <a:spcPct val="0"/>
-              </a:spcBef>
-            </a:pPr>
-            <a:r>
-              <a:rPr lang="en-US" sz="1571">
-                <a:solidFill>
-                  <a:srgbClr val="000000"/>
-                </a:solidFill>
-                <a:latin typeface="Glacial Indifference"/>
-                <a:ea typeface="Glacial Indifference"/>
-                <a:cs typeface="Glacial Indifference"/>
-                <a:sym typeface="Glacial Indifference"/>
-              </a:rPr>
-              <a:t>      delay(250);</a:t>
-            </a:r>
-          </a:p>
-          <a:p>
-            <a:pPr algn="ctr">
-              <a:lnSpc>
-                <a:spcPts val="2199"/>
-              </a:lnSpc>
-              <a:spcBef>
-                <a:spcPct val="0"/>
-              </a:spcBef>
-            </a:pPr>
-            <a:r>
-              <a:rPr lang="en-US" sz="1571">
-                <a:solidFill>
-                  <a:srgbClr val="000000"/>
-                </a:solidFill>
-                <a:latin typeface="Glacial Indifference"/>
-                <a:ea typeface="Glacial Indifference"/>
-                <a:cs typeface="Glacial Indifference"/>
-                <a:sym typeface="Glacial Indifference"/>
-              </a:rPr>
-              <a:t>    }else if(valor &gt;= 100000 &amp;&amp; valor &lt; 150000){</a:t>
-            </a:r>
-          </a:p>
-          <a:p>
-            <a:pPr algn="ctr">
-              <a:lnSpc>
-                <a:spcPts val="2199"/>
-              </a:lnSpc>
-              <a:spcBef>
-                <a:spcPct val="0"/>
-              </a:spcBef>
-            </a:pPr>
-            <a:r>
-              <a:rPr lang="en-US" sz="1571">
-                <a:solidFill>
-                  <a:srgbClr val="000000"/>
-                </a:solidFill>
-                <a:latin typeface="Glacial Indifference"/>
-                <a:ea typeface="Glacial Indifference"/>
-                <a:cs typeface="Glacial Indifference"/>
-                <a:sym typeface="Glacial Indifference"/>
-              </a:rPr>
-              <a:t>      caracter = '-';</a:t>
-            </a:r>
-          </a:p>
-          <a:p>
-            <a:pPr algn="ctr">
-              <a:lnSpc>
-                <a:spcPts val="2199"/>
-              </a:lnSpc>
-              <a:spcBef>
-                <a:spcPct val="0"/>
-              </a:spcBef>
-            </a:pPr>
-            <a:r>
-              <a:rPr lang="en-US" sz="1571">
-                <a:solidFill>
-                  <a:srgbClr val="000000"/>
-                </a:solidFill>
-                <a:latin typeface="Glacial Indifference"/>
-                <a:ea typeface="Glacial Indifference"/>
-                <a:cs typeface="Glacial Indifference"/>
-                <a:sym typeface="Glacial Indifference"/>
-              </a:rPr>
-              <a:t>      texto = texto + caracter;</a:t>
-            </a:r>
-          </a:p>
-          <a:p>
-            <a:pPr algn="ctr">
-              <a:lnSpc>
-                <a:spcPts val="2199"/>
-              </a:lnSpc>
-              <a:spcBef>
-                <a:spcPct val="0"/>
-              </a:spcBef>
-            </a:pPr>
-            <a:r>
-              <a:rPr lang="en-US" sz="1571">
-                <a:solidFill>
-                  <a:srgbClr val="000000"/>
-                </a:solidFill>
-                <a:latin typeface="Glacial Indifference"/>
-                <a:ea typeface="Glacial Indifference"/>
-                <a:cs typeface="Glacial Indifference"/>
-                <a:sym typeface="Glacial Indifference"/>
-              </a:rPr>
-              <a:t>      digitalWrite(led, HIGH);</a:t>
-            </a:r>
-          </a:p>
-          <a:p>
-            <a:pPr algn="ctr">
-              <a:lnSpc>
-                <a:spcPts val="2199"/>
-              </a:lnSpc>
-              <a:spcBef>
-                <a:spcPct val="0"/>
-              </a:spcBef>
-            </a:pPr>
-            <a:r>
-              <a:rPr lang="en-US" sz="1571">
-                <a:solidFill>
-                  <a:srgbClr val="000000"/>
-                </a:solidFill>
-                <a:latin typeface="Glacial Indifference"/>
-                <a:ea typeface="Glacial Indifference"/>
-                <a:cs typeface="Glacial Indifference"/>
-                <a:sym typeface="Glacial Indifference"/>
-              </a:rPr>
-              <a:t>      delay(500);</a:t>
-            </a:r>
-          </a:p>
-          <a:p>
-            <a:pPr algn="ctr">
-              <a:lnSpc>
-                <a:spcPts val="2199"/>
-              </a:lnSpc>
-              <a:spcBef>
-                <a:spcPct val="0"/>
-              </a:spcBef>
-            </a:pPr>
-            <a:r>
-              <a:rPr lang="en-US" sz="1571">
-                <a:solidFill>
-                  <a:srgbClr val="000000"/>
-                </a:solidFill>
-                <a:latin typeface="Glacial Indifference"/>
-                <a:ea typeface="Glacial Indifference"/>
-                <a:cs typeface="Glacial Indifference"/>
-                <a:sym typeface="Glacial Indifference"/>
-              </a:rPr>
-              <a:t>      digitalWrite(led, LOW);</a:t>
-            </a:r>
-          </a:p>
-          <a:p>
-            <a:pPr algn="ctr">
-              <a:lnSpc>
-                <a:spcPts val="2199"/>
-              </a:lnSpc>
-              <a:spcBef>
-                <a:spcPct val="0"/>
-              </a:spcBef>
-            </a:pPr>
-            <a:r>
-              <a:rPr lang="en-US" sz="1571">
-                <a:solidFill>
-                  <a:srgbClr val="000000"/>
-                </a:solidFill>
-                <a:latin typeface="Glacial Indifference"/>
-                <a:ea typeface="Glacial Indifference"/>
-                <a:cs typeface="Glacial Indifference"/>
-                <a:sym typeface="Glacial Indifference"/>
-              </a:rPr>
-              <a:t>      delay(250);</a:t>
-            </a:r>
-          </a:p>
-          <a:p>
-            <a:pPr algn="ctr">
-              <a:lnSpc>
-                <a:spcPts val="2199"/>
-              </a:lnSpc>
-              <a:spcBef>
-                <a:spcPct val="0"/>
-              </a:spcBef>
-            </a:pPr>
-            <a:r>
-              <a:rPr lang="en-US" sz="1571">
-                <a:solidFill>
-                  <a:srgbClr val="000000"/>
-                </a:solidFill>
-                <a:latin typeface="Glacial Indifference"/>
-                <a:ea typeface="Glacial Indifference"/>
-                <a:cs typeface="Glacial Indifference"/>
-                <a:sym typeface="Glacial Indifference"/>
-              </a:rPr>
-              <a:t>    }</a:t>
+              <a:t>Conversión de un string a mayúsculas</a:t>
             </a:r>
           </a:p>
         </p:txBody>
